--- a/User Manuals/Quick Reference Guide Pentair - Large Conference Room.pptx
+++ b/User Manuals/Quick Reference Guide Pentair - Large Conference Room.pptx
@@ -5,22 +5,26 @@
     <p:sldMasterId id="2147483649" r:id="rId1"/>
   </p:sldMasterIdLst>
   <p:notesMasterIdLst>
-    <p:notesMasterId r:id="rId12"/>
+    <p:notesMasterId r:id="rId16"/>
   </p:notesMasterIdLst>
   <p:handoutMasterIdLst>
-    <p:handoutMasterId r:id="rId13"/>
+    <p:handoutMasterId r:id="rId17"/>
   </p:handoutMasterIdLst>
   <p:sldIdLst>
     <p:sldId id="256" r:id="rId2"/>
     <p:sldId id="360" r:id="rId3"/>
     <p:sldId id="444" r:id="rId4"/>
-    <p:sldId id="448" r:id="rId5"/>
-    <p:sldId id="429" r:id="rId6"/>
-    <p:sldId id="433" r:id="rId7"/>
-    <p:sldId id="298" r:id="rId8"/>
-    <p:sldId id="403" r:id="rId9"/>
-    <p:sldId id="280" r:id="rId10"/>
-    <p:sldId id="374" r:id="rId11"/>
+    <p:sldId id="462" r:id="rId5"/>
+    <p:sldId id="448" r:id="rId6"/>
+    <p:sldId id="464" r:id="rId7"/>
+    <p:sldId id="465" r:id="rId8"/>
+    <p:sldId id="455" r:id="rId9"/>
+    <p:sldId id="453" r:id="rId10"/>
+    <p:sldId id="429" r:id="rId11"/>
+    <p:sldId id="298" r:id="rId12"/>
+    <p:sldId id="403" r:id="rId13"/>
+    <p:sldId id="280" r:id="rId14"/>
+    <p:sldId id="374" r:id="rId15"/>
   </p:sldIdLst>
   <p:sldSz cx="9144000" cy="6858000" type="screen4x3"/>
   <p:notesSz cx="7010400" cy="9236075"/>
@@ -935,7 +939,7 @@
       </p:grpSpPr>
       <p:sp>
         <p:nvSpPr>
-          <p:cNvPr id="30722" name="Rectangle 7"/>
+          <p:cNvPr id="25602" name="Rectangle 7"/>
           <p:cNvSpPr>
             <a:spLocks noGrp="1" noChangeArrowheads="1"/>
           </p:cNvSpPr>
@@ -950,10 +954,362 @@
           <a:bodyPr/>
           <a:lstStyle/>
           <a:p>
+            <a:fld id="{D1A35FD9-F8F8-4B85-BF0D-BEBF117A9E5E}" type="slidenum">
+              <a:rPr lang="en-US" smtClean="0"/>
+              <a:pPr/>
+              <a:t>10</a:t>
+            </a:fld>
+            <a:endParaRPr lang="en-US" smtClean="0"/>
+          </a:p>
+        </p:txBody>
+      </p:sp>
+      <p:sp>
+        <p:nvSpPr>
+          <p:cNvPr id="25603" name="Rectangle 2"/>
+          <p:cNvSpPr>
+            <a:spLocks noGrp="1" noRot="1" noChangeAspect="1" noChangeArrowheads="1" noTextEdit="1"/>
+          </p:cNvSpPr>
+          <p:nvPr>
+            <p:ph type="sldImg"/>
+          </p:nvPr>
+        </p:nvSpPr>
+        <p:spPr>
+          <a:ln/>
+        </p:spPr>
+      </p:sp>
+      <p:sp>
+        <p:nvSpPr>
+          <p:cNvPr id="25604" name="Rectangle 3"/>
+          <p:cNvSpPr>
+            <a:spLocks noGrp="1" noChangeArrowheads="1"/>
+          </p:cNvSpPr>
+          <p:nvPr>
+            <p:ph type="body" idx="1"/>
+          </p:nvPr>
+        </p:nvSpPr>
+        <p:spPr>
+          <a:noFill/>
+          <a:ln/>
+        </p:spPr>
+        <p:txBody>
+          <a:bodyPr/>
+          <a:lstStyle/>
+          <a:p>
+            <a:pPr eaLnBrk="1" hangingPunct="1"/>
+            <a:endParaRPr lang="en-US" smtClean="0"/>
+          </a:p>
+        </p:txBody>
+      </p:sp>
+    </p:spTree>
+  </p:cSld>
+  <p:clrMapOvr>
+    <a:masterClrMapping/>
+  </p:clrMapOvr>
+</p:notes>
+</file>
+
+<file path=ppt/notesSlides/notesSlide11.xml><?xml version="1.0" encoding="utf-8"?>
+<p:notes xmlns:a="http://schemas.openxmlformats.org/drawingml/2006/main" xmlns:r="http://schemas.openxmlformats.org/officeDocument/2006/relationships" xmlns:p="http://schemas.openxmlformats.org/presentationml/2006/main">
+  <p:cSld>
+    <p:spTree>
+      <p:nvGrpSpPr>
+        <p:cNvPr id="1" name=""/>
+        <p:cNvGrpSpPr/>
+        <p:nvPr/>
+      </p:nvGrpSpPr>
+      <p:grpSpPr>
+        <a:xfrm>
+          <a:off x="0" y="0"/>
+          <a:ext cx="0" cy="0"/>
+          <a:chOff x="0" y="0"/>
+          <a:chExt cx="0" cy="0"/>
+        </a:xfrm>
+      </p:grpSpPr>
+      <p:sp>
+        <p:nvSpPr>
+          <p:cNvPr id="27650" name="Rectangle 7"/>
+          <p:cNvSpPr>
+            <a:spLocks noGrp="1" noChangeArrowheads="1"/>
+          </p:cNvSpPr>
+          <p:nvPr>
+            <p:ph type="sldNum" sz="quarter" idx="5"/>
+          </p:nvPr>
+        </p:nvSpPr>
+        <p:spPr>
+          <a:noFill/>
+        </p:spPr>
+        <p:txBody>
+          <a:bodyPr/>
+          <a:lstStyle/>
+          <a:p>
+            <a:fld id="{3B80D137-BBBA-4371-B8DF-317DA9D77C7D}" type="slidenum">
+              <a:rPr lang="en-US" smtClean="0"/>
+              <a:pPr/>
+              <a:t>11</a:t>
+            </a:fld>
+            <a:endParaRPr lang="en-US" smtClean="0"/>
+          </a:p>
+        </p:txBody>
+      </p:sp>
+      <p:sp>
+        <p:nvSpPr>
+          <p:cNvPr id="27651" name="Rectangle 2"/>
+          <p:cNvSpPr>
+            <a:spLocks noGrp="1" noRot="1" noChangeAspect="1" noChangeArrowheads="1" noTextEdit="1"/>
+          </p:cNvSpPr>
+          <p:nvPr>
+            <p:ph type="sldImg"/>
+          </p:nvPr>
+        </p:nvSpPr>
+        <p:spPr>
+          <a:ln/>
+        </p:spPr>
+      </p:sp>
+      <p:sp>
+        <p:nvSpPr>
+          <p:cNvPr id="27652" name="Rectangle 3"/>
+          <p:cNvSpPr>
+            <a:spLocks noGrp="1" noChangeArrowheads="1"/>
+          </p:cNvSpPr>
+          <p:nvPr>
+            <p:ph type="body" idx="1"/>
+          </p:nvPr>
+        </p:nvSpPr>
+        <p:spPr>
+          <a:noFill/>
+          <a:ln/>
+        </p:spPr>
+        <p:txBody>
+          <a:bodyPr/>
+          <a:lstStyle/>
+          <a:p>
+            <a:pPr eaLnBrk="1" hangingPunct="1"/>
+            <a:endParaRPr lang="en-US" smtClean="0"/>
+          </a:p>
+        </p:txBody>
+      </p:sp>
+    </p:spTree>
+  </p:cSld>
+  <p:clrMapOvr>
+    <a:masterClrMapping/>
+  </p:clrMapOvr>
+</p:notes>
+</file>
+
+<file path=ppt/notesSlides/notesSlide12.xml><?xml version="1.0" encoding="utf-8"?>
+<p:notes xmlns:a="http://schemas.openxmlformats.org/drawingml/2006/main" xmlns:r="http://schemas.openxmlformats.org/officeDocument/2006/relationships" xmlns:p="http://schemas.openxmlformats.org/presentationml/2006/main">
+  <p:cSld>
+    <p:spTree>
+      <p:nvGrpSpPr>
+        <p:cNvPr id="1" name=""/>
+        <p:cNvGrpSpPr/>
+        <p:nvPr/>
+      </p:nvGrpSpPr>
+      <p:grpSpPr>
+        <a:xfrm>
+          <a:off x="0" y="0"/>
+          <a:ext cx="0" cy="0"/>
+          <a:chOff x="0" y="0"/>
+          <a:chExt cx="0" cy="0"/>
+        </a:xfrm>
+      </p:grpSpPr>
+      <p:sp>
+        <p:nvSpPr>
+          <p:cNvPr id="28674" name="Rectangle 7"/>
+          <p:cNvSpPr>
+            <a:spLocks noGrp="1" noChangeArrowheads="1"/>
+          </p:cNvSpPr>
+          <p:nvPr>
+            <p:ph type="sldNum" sz="quarter" idx="5"/>
+          </p:nvPr>
+        </p:nvSpPr>
+        <p:spPr>
+          <a:noFill/>
+        </p:spPr>
+        <p:txBody>
+          <a:bodyPr/>
+          <a:lstStyle/>
+          <a:p>
+            <a:fld id="{E94A2FA9-2C40-4AEE-9859-D6A58D055590}" type="slidenum">
+              <a:rPr lang="en-US" smtClean="0"/>
+              <a:pPr/>
+              <a:t>12</a:t>
+            </a:fld>
+            <a:endParaRPr lang="en-US" smtClean="0"/>
+          </a:p>
+        </p:txBody>
+      </p:sp>
+      <p:sp>
+        <p:nvSpPr>
+          <p:cNvPr id="28675" name="Rectangle 2"/>
+          <p:cNvSpPr>
+            <a:spLocks noGrp="1" noRot="1" noChangeAspect="1" noChangeArrowheads="1" noTextEdit="1"/>
+          </p:cNvSpPr>
+          <p:nvPr>
+            <p:ph type="sldImg"/>
+          </p:nvPr>
+        </p:nvSpPr>
+        <p:spPr>
+          <a:ln/>
+        </p:spPr>
+      </p:sp>
+      <p:sp>
+        <p:nvSpPr>
+          <p:cNvPr id="28676" name="Rectangle 3"/>
+          <p:cNvSpPr>
+            <a:spLocks noGrp="1" noChangeArrowheads="1"/>
+          </p:cNvSpPr>
+          <p:nvPr>
+            <p:ph type="body" idx="1"/>
+          </p:nvPr>
+        </p:nvSpPr>
+        <p:spPr>
+          <a:noFill/>
+          <a:ln/>
+        </p:spPr>
+        <p:txBody>
+          <a:bodyPr/>
+          <a:lstStyle/>
+          <a:p>
+            <a:pPr eaLnBrk="1" hangingPunct="1"/>
+            <a:endParaRPr lang="en-US" smtClean="0"/>
+          </a:p>
+        </p:txBody>
+      </p:sp>
+    </p:spTree>
+  </p:cSld>
+  <p:clrMapOvr>
+    <a:masterClrMapping/>
+  </p:clrMapOvr>
+</p:notes>
+</file>
+
+<file path=ppt/notesSlides/notesSlide13.xml><?xml version="1.0" encoding="utf-8"?>
+<p:notes xmlns:a="http://schemas.openxmlformats.org/drawingml/2006/main" xmlns:r="http://schemas.openxmlformats.org/officeDocument/2006/relationships" xmlns:p="http://schemas.openxmlformats.org/presentationml/2006/main">
+  <p:cSld>
+    <p:spTree>
+      <p:nvGrpSpPr>
+        <p:cNvPr id="1" name=""/>
+        <p:cNvGrpSpPr/>
+        <p:nvPr/>
+      </p:nvGrpSpPr>
+      <p:grpSpPr>
+        <a:xfrm>
+          <a:off x="0" y="0"/>
+          <a:ext cx="0" cy="0"/>
+          <a:chOff x="0" y="0"/>
+          <a:chExt cx="0" cy="0"/>
+        </a:xfrm>
+      </p:grpSpPr>
+      <p:sp>
+        <p:nvSpPr>
+          <p:cNvPr id="29698" name="Rectangle 7"/>
+          <p:cNvSpPr>
+            <a:spLocks noGrp="1" noChangeArrowheads="1"/>
+          </p:cNvSpPr>
+          <p:nvPr>
+            <p:ph type="sldNum" sz="quarter" idx="5"/>
+          </p:nvPr>
+        </p:nvSpPr>
+        <p:spPr>
+          <a:noFill/>
+        </p:spPr>
+        <p:txBody>
+          <a:bodyPr/>
+          <a:lstStyle/>
+          <a:p>
+            <a:fld id="{DD9E5A6C-1A41-49C0-95BD-D787E9E6930C}" type="slidenum">
+              <a:rPr lang="en-US" smtClean="0"/>
+              <a:pPr/>
+              <a:t>13</a:t>
+            </a:fld>
+            <a:endParaRPr lang="en-US" smtClean="0"/>
+          </a:p>
+        </p:txBody>
+      </p:sp>
+      <p:sp>
+        <p:nvSpPr>
+          <p:cNvPr id="29699" name="Rectangle 2"/>
+          <p:cNvSpPr>
+            <a:spLocks noGrp="1" noRot="1" noChangeAspect="1" noChangeArrowheads="1" noTextEdit="1"/>
+          </p:cNvSpPr>
+          <p:nvPr>
+            <p:ph type="sldImg"/>
+          </p:nvPr>
+        </p:nvSpPr>
+        <p:spPr>
+          <a:ln/>
+        </p:spPr>
+      </p:sp>
+      <p:sp>
+        <p:nvSpPr>
+          <p:cNvPr id="29700" name="Rectangle 3"/>
+          <p:cNvSpPr>
+            <a:spLocks noGrp="1" noChangeArrowheads="1"/>
+          </p:cNvSpPr>
+          <p:nvPr>
+            <p:ph type="body" idx="1"/>
+          </p:nvPr>
+        </p:nvSpPr>
+        <p:spPr>
+          <a:noFill/>
+          <a:ln/>
+        </p:spPr>
+        <p:txBody>
+          <a:bodyPr/>
+          <a:lstStyle/>
+          <a:p>
+            <a:pPr eaLnBrk="1" hangingPunct="1"/>
+            <a:endParaRPr lang="en-US" smtClean="0"/>
+          </a:p>
+        </p:txBody>
+      </p:sp>
+    </p:spTree>
+  </p:cSld>
+  <p:clrMapOvr>
+    <a:masterClrMapping/>
+  </p:clrMapOvr>
+</p:notes>
+</file>
+
+<file path=ppt/notesSlides/notesSlide14.xml><?xml version="1.0" encoding="utf-8"?>
+<p:notes xmlns:a="http://schemas.openxmlformats.org/drawingml/2006/main" xmlns:r="http://schemas.openxmlformats.org/officeDocument/2006/relationships" xmlns:p="http://schemas.openxmlformats.org/presentationml/2006/main">
+  <p:cSld>
+    <p:spTree>
+      <p:nvGrpSpPr>
+        <p:cNvPr id="1" name=""/>
+        <p:cNvGrpSpPr/>
+        <p:nvPr/>
+      </p:nvGrpSpPr>
+      <p:grpSpPr>
+        <a:xfrm>
+          <a:off x="0" y="0"/>
+          <a:ext cx="0" cy="0"/>
+          <a:chOff x="0" y="0"/>
+          <a:chExt cx="0" cy="0"/>
+        </a:xfrm>
+      </p:grpSpPr>
+      <p:sp>
+        <p:nvSpPr>
+          <p:cNvPr id="30722" name="Rectangle 7"/>
+          <p:cNvSpPr>
+            <a:spLocks noGrp="1" noChangeArrowheads="1"/>
+          </p:cNvSpPr>
+          <p:nvPr>
+            <p:ph type="sldNum" sz="quarter" idx="5"/>
+          </p:nvPr>
+        </p:nvSpPr>
+        <p:spPr>
+          <a:noFill/>
+        </p:spPr>
+        <p:txBody>
+          <a:bodyPr/>
+          <a:lstStyle/>
+          <a:p>
             <a:fld id="{3DE7C8B4-93D0-40E3-A169-D12851849B6D}" type="slidenum">
               <a:rPr lang="en-US" smtClean="0"/>
               <a:pPr/>
-              <a:t>10</a:t>
+              <a:t>14</a:t>
             </a:fld>
             <a:endParaRPr lang="en-US" smtClean="0"/>
           </a:p>
@@ -1303,7 +1659,7 @@
       </p:grpSpPr>
       <p:sp>
         <p:nvSpPr>
-          <p:cNvPr id="25602" name="Rectangle 7"/>
+          <p:cNvPr id="26626" name="Rectangle 7"/>
           <p:cNvSpPr>
             <a:spLocks noGrp="1" noChangeArrowheads="1"/>
           </p:cNvSpPr>
@@ -1318,18 +1674,26 @@
           <a:bodyPr/>
           <a:lstStyle/>
           <a:p>
-            <a:fld id="{D1A35FD9-F8F8-4B85-BF0D-BEBF117A9E5E}" type="slidenum">
-              <a:rPr lang="en-US" smtClean="0"/>
+            <a:fld id="{C6C94F66-C53B-484F-8533-536995912A7C}" type="slidenum">
+              <a:rPr lang="en-US" smtClean="0">
+                <a:solidFill>
+                  <a:srgbClr val="000000"/>
+                </a:solidFill>
+              </a:rPr>
               <a:pPr/>
               <a:t>5</a:t>
             </a:fld>
-            <a:endParaRPr lang="en-US" smtClean="0"/>
-          </a:p>
-        </p:txBody>
-      </p:sp>
-      <p:sp>
-        <p:nvSpPr>
-          <p:cNvPr id="25603" name="Rectangle 2"/>
+            <a:endParaRPr lang="en-US" smtClean="0">
+              <a:solidFill>
+                <a:srgbClr val="000000"/>
+              </a:solidFill>
+            </a:endParaRPr>
+          </a:p>
+        </p:txBody>
+      </p:sp>
+      <p:sp>
+        <p:nvSpPr>
+          <p:cNvPr id="26627" name="Rectangle 2"/>
           <p:cNvSpPr>
             <a:spLocks noGrp="1" noRot="1" noChangeAspect="1" noChangeArrowheads="1" noTextEdit="1"/>
           </p:cNvSpPr>
@@ -1343,7 +1707,7 @@
       </p:sp>
       <p:sp>
         <p:nvSpPr>
-          <p:cNvPr id="25604" name="Rectangle 3"/>
+          <p:cNvPr id="26628" name="Rectangle 3"/>
           <p:cNvSpPr>
             <a:spLocks noGrp="1" noChangeArrowheads="1"/>
           </p:cNvSpPr>
@@ -1487,7 +1851,7 @@
       </p:grpSpPr>
       <p:sp>
         <p:nvSpPr>
-          <p:cNvPr id="27650" name="Rectangle 7"/>
+          <p:cNvPr id="26626" name="Rectangle 7"/>
           <p:cNvSpPr>
             <a:spLocks noGrp="1" noChangeArrowheads="1"/>
           </p:cNvSpPr>
@@ -1502,18 +1866,26 @@
           <a:bodyPr/>
           <a:lstStyle/>
           <a:p>
-            <a:fld id="{3B80D137-BBBA-4371-B8DF-317DA9D77C7D}" type="slidenum">
-              <a:rPr lang="en-US" smtClean="0"/>
+            <a:fld id="{C6C94F66-C53B-484F-8533-536995912A7C}" type="slidenum">
+              <a:rPr lang="en-US" smtClean="0">
+                <a:solidFill>
+                  <a:srgbClr val="000000"/>
+                </a:solidFill>
+              </a:rPr>
               <a:pPr/>
               <a:t>7</a:t>
             </a:fld>
-            <a:endParaRPr lang="en-US" smtClean="0"/>
-          </a:p>
-        </p:txBody>
-      </p:sp>
-      <p:sp>
-        <p:nvSpPr>
-          <p:cNvPr id="27651" name="Rectangle 2"/>
+            <a:endParaRPr lang="en-US" smtClean="0">
+              <a:solidFill>
+                <a:srgbClr val="000000"/>
+              </a:solidFill>
+            </a:endParaRPr>
+          </a:p>
+        </p:txBody>
+      </p:sp>
+      <p:sp>
+        <p:nvSpPr>
+          <p:cNvPr id="26627" name="Rectangle 2"/>
           <p:cNvSpPr>
             <a:spLocks noGrp="1" noRot="1" noChangeAspect="1" noChangeArrowheads="1" noTextEdit="1"/>
           </p:cNvSpPr>
@@ -1527,7 +1899,7 @@
       </p:sp>
       <p:sp>
         <p:nvSpPr>
-          <p:cNvPr id="27652" name="Rectangle 3"/>
+          <p:cNvPr id="26628" name="Rectangle 3"/>
           <p:cNvSpPr>
             <a:spLocks noGrp="1" noChangeArrowheads="1"/>
           </p:cNvSpPr>
@@ -1575,7 +1947,7 @@
       </p:grpSpPr>
       <p:sp>
         <p:nvSpPr>
-          <p:cNvPr id="28674" name="Rectangle 7"/>
+          <p:cNvPr id="26626" name="Rectangle 7"/>
           <p:cNvSpPr>
             <a:spLocks noGrp="1" noChangeArrowheads="1"/>
           </p:cNvSpPr>
@@ -1590,18 +1962,26 @@
           <a:bodyPr/>
           <a:lstStyle/>
           <a:p>
-            <a:fld id="{E94A2FA9-2C40-4AEE-9859-D6A58D055590}" type="slidenum">
-              <a:rPr lang="en-US" smtClean="0"/>
+            <a:fld id="{C6C94F66-C53B-484F-8533-536995912A7C}" type="slidenum">
+              <a:rPr lang="en-US" smtClean="0">
+                <a:solidFill>
+                  <a:srgbClr val="000000"/>
+                </a:solidFill>
+              </a:rPr>
               <a:pPr/>
               <a:t>8</a:t>
             </a:fld>
-            <a:endParaRPr lang="en-US" smtClean="0"/>
-          </a:p>
-        </p:txBody>
-      </p:sp>
-      <p:sp>
-        <p:nvSpPr>
-          <p:cNvPr id="28675" name="Rectangle 2"/>
+            <a:endParaRPr lang="en-US" smtClean="0">
+              <a:solidFill>
+                <a:srgbClr val="000000"/>
+              </a:solidFill>
+            </a:endParaRPr>
+          </a:p>
+        </p:txBody>
+      </p:sp>
+      <p:sp>
+        <p:nvSpPr>
+          <p:cNvPr id="26627" name="Rectangle 2"/>
           <p:cNvSpPr>
             <a:spLocks noGrp="1" noRot="1" noChangeAspect="1" noChangeArrowheads="1" noTextEdit="1"/>
           </p:cNvSpPr>
@@ -1615,7 +1995,7 @@
       </p:sp>
       <p:sp>
         <p:nvSpPr>
-          <p:cNvPr id="28676" name="Rectangle 3"/>
+          <p:cNvPr id="26628" name="Rectangle 3"/>
           <p:cNvSpPr>
             <a:spLocks noGrp="1" noChangeArrowheads="1"/>
           </p:cNvSpPr>
@@ -1663,7 +2043,7 @@
       </p:grpSpPr>
       <p:sp>
         <p:nvSpPr>
-          <p:cNvPr id="29698" name="Rectangle 7"/>
+          <p:cNvPr id="26626" name="Rectangle 7"/>
           <p:cNvSpPr>
             <a:spLocks noGrp="1" noChangeArrowheads="1"/>
           </p:cNvSpPr>
@@ -1678,18 +2058,26 @@
           <a:bodyPr/>
           <a:lstStyle/>
           <a:p>
-            <a:fld id="{DD9E5A6C-1A41-49C0-95BD-D787E9E6930C}" type="slidenum">
-              <a:rPr lang="en-US" smtClean="0"/>
+            <a:fld id="{C6C94F66-C53B-484F-8533-536995912A7C}" type="slidenum">
+              <a:rPr lang="en-US" smtClean="0">
+                <a:solidFill>
+                  <a:srgbClr val="000000"/>
+                </a:solidFill>
+              </a:rPr>
               <a:pPr/>
               <a:t>9</a:t>
             </a:fld>
-            <a:endParaRPr lang="en-US" smtClean="0"/>
-          </a:p>
-        </p:txBody>
-      </p:sp>
-      <p:sp>
-        <p:nvSpPr>
-          <p:cNvPr id="29699" name="Rectangle 2"/>
+            <a:endParaRPr lang="en-US" smtClean="0">
+              <a:solidFill>
+                <a:srgbClr val="000000"/>
+              </a:solidFill>
+            </a:endParaRPr>
+          </a:p>
+        </p:txBody>
+      </p:sp>
+      <p:sp>
+        <p:nvSpPr>
+          <p:cNvPr id="26627" name="Rectangle 2"/>
           <p:cNvSpPr>
             <a:spLocks noGrp="1" noRot="1" noChangeAspect="1" noChangeArrowheads="1" noTextEdit="1"/>
           </p:cNvSpPr>
@@ -1703,7 +2091,7 @@
       </p:sp>
       <p:sp>
         <p:nvSpPr>
-          <p:cNvPr id="29700" name="Rectangle 3"/>
+          <p:cNvPr id="26628" name="Rectangle 3"/>
           <p:cNvSpPr>
             <a:spLocks noGrp="1" noChangeArrowheads="1"/>
           </p:cNvSpPr>
@@ -5266,7 +5654,15 @@
             </a:pPr>
             <a:r>
               <a:rPr lang="en-US" dirty="0" smtClean="0"/>
-              <a:t>Multi-Purpose Room</a:t>
+              <a:t>Large</a:t>
+            </a:r>
+            <a:r>
+              <a:rPr lang="en-US" dirty="0" smtClean="0"/>
+              <a:t> </a:t>
+            </a:r>
+            <a:r>
+              <a:rPr lang="en-US" dirty="0" smtClean="0"/>
+              <a:t>Conference Room</a:t>
             </a:r>
             <a:endParaRPr lang="en-US" dirty="0"/>
           </a:p>
@@ -5430,7 +5826,7 @@
           <p:nvPr/>
         </p:nvPicPr>
         <p:blipFill>
-          <a:blip r:embed="rId4" cstate="print">
+          <a:blip r:embed="rId4">
             <a:extLst>
               <a:ext uri="{28A0092B-C50C-407E-A947-70E740481C1C}">
                 <a14:useLocalDpi xmlns:a14="http://schemas.microsoft.com/office/drawing/2010/main" val="0"/>
@@ -5443,8 +5839,8 @@
         </p:blipFill>
         <p:spPr bwMode="auto">
           <a:xfrm>
-            <a:off x="2819400" y="3429000"/>
-            <a:ext cx="3326508" cy="1978107"/>
+            <a:off x="3493600" y="3429000"/>
+            <a:ext cx="1978107" cy="1978107"/>
           </a:xfrm>
           <a:prstGeom prst="rect">
             <a:avLst/>
@@ -5496,6 +5892,967 @@
           <a:chExt cx="0" cy="0"/>
         </a:xfrm>
       </p:grpSpPr>
+      <p:pic>
+        <p:nvPicPr>
+          <p:cNvPr id="2050" name="Picture 3"/>
+          <p:cNvPicPr>
+            <a:picLocks noChangeAspect="1" noChangeArrowheads="1"/>
+          </p:cNvPicPr>
+          <p:nvPr/>
+        </p:nvPicPr>
+        <p:blipFill>
+          <a:blip r:embed="rId3" cstate="print">
+            <a:extLst>
+              <a:ext uri="{28A0092B-C50C-407E-A947-70E740481C1C}">
+                <a14:useLocalDpi xmlns:a14="http://schemas.microsoft.com/office/drawing/2010/main" val="0"/>
+              </a:ext>
+            </a:extLst>
+          </a:blip>
+          <a:stretch>
+            <a:fillRect/>
+          </a:stretch>
+        </p:blipFill>
+        <p:spPr bwMode="auto">
+          <a:xfrm>
+            <a:off x="5353279" y="2342070"/>
+            <a:ext cx="2939103" cy="1722131"/>
+          </a:xfrm>
+          <a:prstGeom prst="rect">
+            <a:avLst/>
+          </a:prstGeom>
+          <a:noFill/>
+          <a:ln>
+            <a:noFill/>
+          </a:ln>
+          <a:extLst>
+            <a:ext uri="{909E8E84-426E-40DD-AFC4-6F175D3DCCD1}">
+              <a14:hiddenFill xmlns:a14="http://schemas.microsoft.com/office/drawing/2010/main">
+                <a:solidFill>
+                  <a:srgbClr val="FFFFFF"/>
+                </a:solidFill>
+              </a14:hiddenFill>
+            </a:ext>
+            <a:ext uri="{91240B29-F687-4F45-9708-019B960494DF}">
+              <a14:hiddenLine xmlns:a14="http://schemas.microsoft.com/office/drawing/2010/main" w="9525">
+                <a:solidFill>
+                  <a:srgbClr val="000000"/>
+                </a:solidFill>
+                <a:miter lim="800000"/>
+                <a:headEnd/>
+                <a:tailEnd/>
+              </a14:hiddenLine>
+            </a:ext>
+          </a:extLst>
+        </p:spPr>
+      </p:pic>
+      <p:sp>
+        <p:nvSpPr>
+          <p:cNvPr id="268291" name="Rectangle 3"/>
+          <p:cNvSpPr>
+            <a:spLocks noGrp="1" noChangeArrowheads="1"/>
+          </p:cNvSpPr>
+          <p:nvPr>
+            <p:ph type="title"/>
+          </p:nvPr>
+        </p:nvSpPr>
+        <p:spPr>
+          <a:xfrm>
+            <a:off x="457200" y="228600"/>
+            <a:ext cx="8229600" cy="838200"/>
+          </a:xfrm>
+        </p:spPr>
+        <p:txBody>
+          <a:bodyPr/>
+          <a:lstStyle/>
+          <a:p>
+            <a:pPr eaLnBrk="1" hangingPunct="1">
+              <a:defRPr/>
+            </a:pPr>
+            <a:r>
+              <a:rPr lang="en-US" sz="4000" dirty="0" smtClean="0"/>
+              <a:t>Power Down Page</a:t>
+            </a:r>
+          </a:p>
+        </p:txBody>
+      </p:sp>
+      <p:sp>
+        <p:nvSpPr>
+          <p:cNvPr id="10245" name="Text Box 4"/>
+          <p:cNvSpPr txBox="1">
+            <a:spLocks noChangeArrowheads="1"/>
+          </p:cNvSpPr>
+          <p:nvPr/>
+        </p:nvSpPr>
+        <p:spPr bwMode="auto">
+          <a:xfrm>
+            <a:off x="1066800" y="5311775"/>
+            <a:ext cx="7315200" cy="784225"/>
+          </a:xfrm>
+          <a:prstGeom prst="rect">
+            <a:avLst/>
+          </a:prstGeom>
+          <a:noFill/>
+          <a:ln w="9525">
+            <a:noFill/>
+            <a:miter lim="800000"/>
+            <a:headEnd/>
+            <a:tailEnd/>
+          </a:ln>
+        </p:spPr>
+        <p:txBody>
+          <a:bodyPr>
+            <a:spAutoFit/>
+          </a:bodyPr>
+          <a:lstStyle/>
+          <a:p>
+            <a:pPr>
+              <a:spcBef>
+                <a:spcPct val="50000"/>
+              </a:spcBef>
+            </a:pPr>
+            <a:r>
+              <a:rPr lang="en-US" dirty="0"/>
+              <a:t>From </a:t>
+            </a:r>
+            <a:r>
+              <a:rPr lang="en-US" dirty="0" smtClean="0"/>
+              <a:t>the Main Page </a:t>
+            </a:r>
+            <a:r>
+              <a:rPr lang="en-US" dirty="0"/>
+              <a:t>press </a:t>
+            </a:r>
+            <a:r>
+              <a:rPr lang="en-US" dirty="0" smtClean="0"/>
+              <a:t>the Close button</a:t>
+            </a:r>
+            <a:r>
+              <a:rPr lang="en-US" dirty="0"/>
+              <a:t>. </a:t>
+            </a:r>
+          </a:p>
+          <a:p>
+            <a:pPr>
+              <a:spcBef>
+                <a:spcPct val="50000"/>
+              </a:spcBef>
+            </a:pPr>
+            <a:r>
+              <a:rPr lang="en-US" dirty="0"/>
+              <a:t>Then press the </a:t>
+            </a:r>
+            <a:r>
+              <a:rPr lang="en-US" dirty="0" smtClean="0"/>
+              <a:t>“Yes, Power Down” button </a:t>
+            </a:r>
+            <a:r>
+              <a:rPr lang="en-US" dirty="0"/>
+              <a:t>to turn the system off</a:t>
+            </a:r>
+            <a:r>
+              <a:rPr lang="en-US" dirty="0" smtClean="0"/>
+              <a:t>.  </a:t>
+            </a:r>
+            <a:endParaRPr lang="en-US" dirty="0"/>
+          </a:p>
+        </p:txBody>
+      </p:sp>
+      <p:pic>
+        <p:nvPicPr>
+          <p:cNvPr id="10246" name="Picture 19" descr="TEst v116 copy"/>
+          <p:cNvPicPr>
+            <a:picLocks noChangeAspect="1" noChangeArrowheads="1"/>
+          </p:cNvPicPr>
+          <p:nvPr/>
+        </p:nvPicPr>
+        <p:blipFill>
+          <a:blip r:embed="rId4" cstate="print"/>
+          <a:srcRect/>
+          <a:stretch>
+            <a:fillRect/>
+          </a:stretch>
+        </p:blipFill>
+        <p:spPr bwMode="auto">
+          <a:xfrm>
+            <a:off x="76200" y="47625"/>
+            <a:ext cx="1676400" cy="333375"/>
+          </a:xfrm>
+          <a:prstGeom prst="rect">
+            <a:avLst/>
+          </a:prstGeom>
+          <a:noFill/>
+          <a:ln w="9525">
+            <a:noFill/>
+            <a:miter lim="800000"/>
+            <a:headEnd/>
+            <a:tailEnd/>
+          </a:ln>
+        </p:spPr>
+      </p:pic>
+      <p:sp>
+        <p:nvSpPr>
+          <p:cNvPr id="10248" name="Line 5"/>
+          <p:cNvSpPr>
+            <a:spLocks noChangeShapeType="1"/>
+          </p:cNvSpPr>
+          <p:nvPr/>
+        </p:nvSpPr>
+        <p:spPr bwMode="auto">
+          <a:xfrm flipH="1" flipV="1">
+            <a:off x="6553200" y="3505200"/>
+            <a:ext cx="914400" cy="1981200"/>
+          </a:xfrm>
+          <a:prstGeom prst="line">
+            <a:avLst/>
+          </a:prstGeom>
+          <a:noFill/>
+          <a:ln w="9525">
+            <a:solidFill>
+              <a:srgbClr val="FB1B03"/>
+            </a:solidFill>
+            <a:round/>
+            <a:headEnd/>
+            <a:tailEnd type="triangle" w="med" len="med"/>
+          </a:ln>
+        </p:spPr>
+        <p:txBody>
+          <a:bodyPr/>
+          <a:lstStyle/>
+          <a:p>
+            <a:endParaRPr lang="en-US"/>
+          </a:p>
+        </p:txBody>
+      </p:sp>
+      <p:pic>
+        <p:nvPicPr>
+          <p:cNvPr id="10" name="Picture 9"/>
+          <p:cNvPicPr/>
+          <p:nvPr/>
+        </p:nvPicPr>
+        <p:blipFill>
+          <a:blip r:embed="rId5" cstate="print">
+            <a:extLst>
+              <a:ext uri="{28A0092B-C50C-407E-A947-70E740481C1C}">
+                <a14:useLocalDpi xmlns:a14="http://schemas.microsoft.com/office/drawing/2010/main" val="0"/>
+              </a:ext>
+            </a:extLst>
+          </a:blip>
+          <a:stretch>
+            <a:fillRect/>
+          </a:stretch>
+        </p:blipFill>
+        <p:spPr>
+          <a:xfrm>
+            <a:off x="947143" y="2342506"/>
+            <a:ext cx="2944414" cy="1725243"/>
+          </a:xfrm>
+          <a:prstGeom prst="rect">
+            <a:avLst/>
+          </a:prstGeom>
+        </p:spPr>
+      </p:pic>
+      <p:sp>
+        <p:nvSpPr>
+          <p:cNvPr id="10247" name="Line 5"/>
+          <p:cNvSpPr>
+            <a:spLocks noChangeShapeType="1"/>
+          </p:cNvSpPr>
+          <p:nvPr/>
+        </p:nvSpPr>
+        <p:spPr bwMode="auto">
+          <a:xfrm flipH="1" flipV="1">
+            <a:off x="1066800" y="4067749"/>
+            <a:ext cx="1352550" cy="1147967"/>
+          </a:xfrm>
+          <a:prstGeom prst="line">
+            <a:avLst/>
+          </a:prstGeom>
+          <a:noFill/>
+          <a:ln w="9525">
+            <a:solidFill>
+              <a:srgbClr val="FB1B03"/>
+            </a:solidFill>
+            <a:round/>
+            <a:headEnd/>
+            <a:tailEnd type="triangle" w="med" len="med"/>
+          </a:ln>
+        </p:spPr>
+        <p:txBody>
+          <a:bodyPr/>
+          <a:lstStyle/>
+          <a:p>
+            <a:endParaRPr lang="en-US"/>
+          </a:p>
+        </p:txBody>
+      </p:sp>
+    </p:spTree>
+  </p:cSld>
+  <p:clrMapOvr>
+    <a:masterClrMapping/>
+  </p:clrMapOvr>
+  <p:transition>
+    <p:fade/>
+  </p:transition>
+  <p:timing>
+    <p:tnLst>
+      <p:par>
+        <p:cTn id="1" dur="indefinite" restart="never" nodeType="tmRoot"/>
+      </p:par>
+    </p:tnLst>
+  </p:timing>
+</p:sld>
+</file>
+
+<file path=ppt/slides/slide11.xml><?xml version="1.0" encoding="utf-8"?>
+<p:sld xmlns:a="http://schemas.openxmlformats.org/drawingml/2006/main" xmlns:r="http://schemas.openxmlformats.org/officeDocument/2006/relationships" xmlns:p="http://schemas.openxmlformats.org/presentationml/2006/main">
+  <p:cSld>
+    <p:spTree>
+      <p:nvGrpSpPr>
+        <p:cNvPr id="1" name=""/>
+        <p:cNvGrpSpPr/>
+        <p:nvPr/>
+      </p:nvGrpSpPr>
+      <p:grpSpPr>
+        <a:xfrm>
+          <a:off x="0" y="0"/>
+          <a:ext cx="0" cy="0"/>
+          <a:chOff x="0" y="0"/>
+          <a:chExt cx="0" cy="0"/>
+        </a:xfrm>
+      </p:grpSpPr>
+      <p:sp>
+        <p:nvSpPr>
+          <p:cNvPr id="12290" name="Text Box 11"/>
+          <p:cNvSpPr txBox="1">
+            <a:spLocks noChangeArrowheads="1"/>
+          </p:cNvSpPr>
+          <p:nvPr/>
+        </p:nvSpPr>
+        <p:spPr bwMode="auto">
+          <a:xfrm>
+            <a:off x="1447800" y="425450"/>
+            <a:ext cx="5867400" cy="641350"/>
+          </a:xfrm>
+          <a:prstGeom prst="rect">
+            <a:avLst/>
+          </a:prstGeom>
+          <a:noFill/>
+          <a:ln w="9525">
+            <a:noFill/>
+            <a:miter lim="800000"/>
+            <a:headEnd/>
+            <a:tailEnd/>
+          </a:ln>
+        </p:spPr>
+        <p:txBody>
+          <a:bodyPr>
+            <a:spAutoFit/>
+          </a:bodyPr>
+          <a:lstStyle/>
+          <a:p>
+            <a:pPr algn="l">
+              <a:spcBef>
+                <a:spcPct val="50000"/>
+              </a:spcBef>
+            </a:pPr>
+            <a:r>
+              <a:rPr lang="en-US" sz="3600" b="1"/>
+              <a:t>Service Resource Guide</a:t>
+            </a:r>
+            <a:endParaRPr lang="en-US" sz="4000" b="1"/>
+          </a:p>
+        </p:txBody>
+      </p:sp>
+      <p:sp>
+        <p:nvSpPr>
+          <p:cNvPr id="12291" name="Text Box 12"/>
+          <p:cNvSpPr txBox="1">
+            <a:spLocks noChangeArrowheads="1"/>
+          </p:cNvSpPr>
+          <p:nvPr/>
+        </p:nvSpPr>
+        <p:spPr bwMode="auto">
+          <a:xfrm>
+            <a:off x="0" y="1219200"/>
+            <a:ext cx="8001000" cy="2430463"/>
+          </a:xfrm>
+          <a:prstGeom prst="rect">
+            <a:avLst/>
+          </a:prstGeom>
+          <a:noFill/>
+          <a:ln w="9525">
+            <a:noFill/>
+            <a:miter lim="800000"/>
+            <a:headEnd/>
+            <a:tailEnd/>
+          </a:ln>
+        </p:spPr>
+        <p:txBody>
+          <a:bodyPr>
+            <a:spAutoFit/>
+          </a:bodyPr>
+          <a:lstStyle/>
+          <a:p>
+            <a:pPr algn="l">
+              <a:spcBef>
+                <a:spcPct val="50000"/>
+              </a:spcBef>
+            </a:pPr>
+            <a:r>
+              <a:rPr lang="en-US" b="1" i="1" u="sng"/>
+              <a:t>Monitor is on but no image</a:t>
+            </a:r>
+            <a:endParaRPr lang="en-US"/>
+          </a:p>
+          <a:p>
+            <a:pPr lvl="1" algn="l">
+              <a:spcBef>
+                <a:spcPct val="50000"/>
+              </a:spcBef>
+              <a:buFontTx/>
+              <a:buChar char="•"/>
+            </a:pPr>
+            <a:r>
+              <a:rPr lang="en-US"/>
+              <a:t>Are all cables properly connected</a:t>
+            </a:r>
+          </a:p>
+          <a:p>
+            <a:pPr lvl="1" algn="l">
+              <a:spcBef>
+                <a:spcPct val="50000"/>
+              </a:spcBef>
+              <a:buFontTx/>
+              <a:buChar char="•"/>
+            </a:pPr>
+            <a:r>
+              <a:rPr lang="en-US"/>
+              <a:t>Is laptop output toggled on?</a:t>
+            </a:r>
+          </a:p>
+          <a:p>
+            <a:pPr lvl="1" algn="l">
+              <a:spcBef>
+                <a:spcPct val="50000"/>
+              </a:spcBef>
+              <a:buFontTx/>
+              <a:buChar char="•"/>
+            </a:pPr>
+            <a:r>
+              <a:rPr lang="en-US"/>
+              <a:t>Is the device turned on?</a:t>
+            </a:r>
+          </a:p>
+          <a:p>
+            <a:pPr lvl="1" algn="l">
+              <a:spcBef>
+                <a:spcPct val="50000"/>
+              </a:spcBef>
+              <a:buFontTx/>
+              <a:buChar char="•"/>
+            </a:pPr>
+            <a:r>
+              <a:rPr lang="en-US"/>
+              <a:t>Call our office for service (336) 714-0564</a:t>
+            </a:r>
+          </a:p>
+          <a:p>
+            <a:pPr lvl="1" algn="l">
+              <a:spcBef>
+                <a:spcPct val="50000"/>
+              </a:spcBef>
+              <a:buFontTx/>
+              <a:buChar char="•"/>
+            </a:pPr>
+            <a:endParaRPr lang="en-US"/>
+          </a:p>
+        </p:txBody>
+      </p:sp>
+      <p:sp>
+        <p:nvSpPr>
+          <p:cNvPr id="12292" name="Text Box 13"/>
+          <p:cNvSpPr txBox="1">
+            <a:spLocks noChangeArrowheads="1"/>
+          </p:cNvSpPr>
+          <p:nvPr/>
+        </p:nvSpPr>
+        <p:spPr bwMode="auto">
+          <a:xfrm>
+            <a:off x="0" y="3733800"/>
+            <a:ext cx="6477000" cy="2032000"/>
+          </a:xfrm>
+          <a:prstGeom prst="rect">
+            <a:avLst/>
+          </a:prstGeom>
+          <a:noFill/>
+          <a:ln w="9525">
+            <a:noFill/>
+            <a:miter lim="800000"/>
+            <a:headEnd/>
+            <a:tailEnd/>
+          </a:ln>
+        </p:spPr>
+        <p:txBody>
+          <a:bodyPr>
+            <a:spAutoFit/>
+          </a:bodyPr>
+          <a:lstStyle/>
+          <a:p>
+            <a:pPr algn="l">
+              <a:spcBef>
+                <a:spcPct val="50000"/>
+              </a:spcBef>
+            </a:pPr>
+            <a:r>
+              <a:rPr lang="en-US" b="1" i="1" u="sng"/>
+              <a:t>I see the image but hear no sound</a:t>
+            </a:r>
+          </a:p>
+          <a:p>
+            <a:pPr lvl="1" algn="l">
+              <a:spcBef>
+                <a:spcPct val="50000"/>
+              </a:spcBef>
+              <a:buFontTx/>
+              <a:buChar char="•"/>
+            </a:pPr>
+            <a:r>
+              <a:rPr lang="en-US"/>
+              <a:t>Check the “mute” button</a:t>
+            </a:r>
+          </a:p>
+          <a:p>
+            <a:pPr lvl="1" algn="l">
+              <a:spcBef>
+                <a:spcPct val="50000"/>
+              </a:spcBef>
+              <a:buFontTx/>
+              <a:buChar char="•"/>
+            </a:pPr>
+            <a:r>
+              <a:rPr lang="en-US"/>
+              <a:t>Select and press volume up then volume down</a:t>
+            </a:r>
+          </a:p>
+          <a:p>
+            <a:pPr lvl="1" algn="l">
+              <a:spcBef>
+                <a:spcPct val="50000"/>
+              </a:spcBef>
+              <a:buFontTx/>
+              <a:buChar char="•"/>
+            </a:pPr>
+            <a:r>
+              <a:rPr lang="en-US"/>
+              <a:t>Has someone turned the amplifier off at the rack</a:t>
+            </a:r>
+          </a:p>
+          <a:p>
+            <a:pPr lvl="1" algn="l">
+              <a:spcBef>
+                <a:spcPct val="50000"/>
+              </a:spcBef>
+              <a:buFontTx/>
+              <a:buChar char="•"/>
+            </a:pPr>
+            <a:r>
+              <a:rPr lang="en-US"/>
+              <a:t>Call our office for service (336) 714-0564</a:t>
+            </a:r>
+          </a:p>
+        </p:txBody>
+      </p:sp>
+      <p:pic>
+        <p:nvPicPr>
+          <p:cNvPr id="12293" name="Picture 19" descr="TEst v116 copy"/>
+          <p:cNvPicPr>
+            <a:picLocks noChangeAspect="1" noChangeArrowheads="1"/>
+          </p:cNvPicPr>
+          <p:nvPr/>
+        </p:nvPicPr>
+        <p:blipFill>
+          <a:blip r:embed="rId3" cstate="print"/>
+          <a:srcRect/>
+          <a:stretch>
+            <a:fillRect/>
+          </a:stretch>
+        </p:blipFill>
+        <p:spPr bwMode="auto">
+          <a:xfrm>
+            <a:off x="76200" y="47625"/>
+            <a:ext cx="1676400" cy="333375"/>
+          </a:xfrm>
+          <a:prstGeom prst="rect">
+            <a:avLst/>
+          </a:prstGeom>
+          <a:noFill/>
+          <a:ln w="9525">
+            <a:noFill/>
+            <a:miter lim="800000"/>
+            <a:headEnd/>
+            <a:tailEnd/>
+          </a:ln>
+        </p:spPr>
+      </p:pic>
+    </p:spTree>
+  </p:cSld>
+  <p:clrMapOvr>
+    <a:masterClrMapping/>
+  </p:clrMapOvr>
+  <p:transition>
+    <p:fade/>
+  </p:transition>
+  <p:timing>
+    <p:tnLst>
+      <p:par>
+        <p:cTn id="1" dur="indefinite" restart="never" nodeType="tmRoot"/>
+      </p:par>
+    </p:tnLst>
+  </p:timing>
+</p:sld>
+</file>
+
+<file path=ppt/slides/slide12.xml><?xml version="1.0" encoding="utf-8"?>
+<p:sld xmlns:a="http://schemas.openxmlformats.org/drawingml/2006/main" xmlns:r="http://schemas.openxmlformats.org/officeDocument/2006/relationships" xmlns:p="http://schemas.openxmlformats.org/presentationml/2006/main">
+  <p:cSld>
+    <p:spTree>
+      <p:nvGrpSpPr>
+        <p:cNvPr id="1" name=""/>
+        <p:cNvGrpSpPr/>
+        <p:nvPr/>
+      </p:nvGrpSpPr>
+      <p:grpSpPr>
+        <a:xfrm>
+          <a:off x="0" y="0"/>
+          <a:ext cx="0" cy="0"/>
+          <a:chOff x="0" y="0"/>
+          <a:chExt cx="0" cy="0"/>
+        </a:xfrm>
+      </p:grpSpPr>
+      <p:sp>
+        <p:nvSpPr>
+          <p:cNvPr id="13314" name="Text Box 2"/>
+          <p:cNvSpPr txBox="1">
+            <a:spLocks noChangeArrowheads="1"/>
+          </p:cNvSpPr>
+          <p:nvPr/>
+        </p:nvSpPr>
+        <p:spPr bwMode="auto">
+          <a:xfrm>
+            <a:off x="1447800" y="425450"/>
+            <a:ext cx="5867400" cy="641350"/>
+          </a:xfrm>
+          <a:prstGeom prst="rect">
+            <a:avLst/>
+          </a:prstGeom>
+          <a:noFill/>
+          <a:ln w="9525">
+            <a:noFill/>
+            <a:miter lim="800000"/>
+            <a:headEnd/>
+            <a:tailEnd/>
+          </a:ln>
+        </p:spPr>
+        <p:txBody>
+          <a:bodyPr>
+            <a:spAutoFit/>
+          </a:bodyPr>
+          <a:lstStyle/>
+          <a:p>
+            <a:pPr algn="l">
+              <a:spcBef>
+                <a:spcPct val="50000"/>
+              </a:spcBef>
+            </a:pPr>
+            <a:r>
+              <a:rPr lang="en-US" sz="3600" b="1"/>
+              <a:t>Service Resource Guide</a:t>
+            </a:r>
+            <a:endParaRPr lang="en-US" sz="4000" b="1"/>
+          </a:p>
+        </p:txBody>
+      </p:sp>
+      <p:sp>
+        <p:nvSpPr>
+          <p:cNvPr id="13315" name="Text Box 3"/>
+          <p:cNvSpPr txBox="1">
+            <a:spLocks noChangeArrowheads="1"/>
+          </p:cNvSpPr>
+          <p:nvPr/>
+        </p:nvSpPr>
+        <p:spPr bwMode="auto">
+          <a:xfrm>
+            <a:off x="762000" y="1371600"/>
+            <a:ext cx="6781800" cy="3140075"/>
+          </a:xfrm>
+          <a:prstGeom prst="rect">
+            <a:avLst/>
+          </a:prstGeom>
+          <a:noFill/>
+          <a:ln w="9525">
+            <a:noFill/>
+            <a:miter lim="800000"/>
+            <a:headEnd/>
+            <a:tailEnd/>
+          </a:ln>
+        </p:spPr>
+        <p:txBody>
+          <a:bodyPr>
+            <a:spAutoFit/>
+          </a:bodyPr>
+          <a:lstStyle/>
+          <a:p>
+            <a:pPr algn="l">
+              <a:spcBef>
+                <a:spcPct val="50000"/>
+              </a:spcBef>
+            </a:pPr>
+            <a:r>
+              <a:rPr lang="en-US" b="1" i="1" u="sng"/>
+              <a:t>Nothing works</a:t>
+            </a:r>
+          </a:p>
+          <a:p>
+            <a:pPr lvl="2" algn="l">
+              <a:spcBef>
+                <a:spcPct val="50000"/>
+              </a:spcBef>
+              <a:buFontTx/>
+              <a:buChar char="•"/>
+            </a:pPr>
+            <a:r>
+              <a:rPr lang="en-US"/>
+              <a:t>Was system power turned on from the touch panel power page?</a:t>
+            </a:r>
+          </a:p>
+          <a:p>
+            <a:pPr lvl="2" algn="l">
+              <a:spcBef>
+                <a:spcPct val="50000"/>
+              </a:spcBef>
+              <a:buFontTx/>
+              <a:buChar char="•"/>
+            </a:pPr>
+            <a:r>
+              <a:rPr lang="en-US"/>
+              <a:t>Was there a recent power failure or surge. Check the power at the rack. Insure the power cord is plugged in?</a:t>
+            </a:r>
+          </a:p>
+          <a:p>
+            <a:pPr lvl="2" algn="l">
+              <a:spcBef>
+                <a:spcPct val="50000"/>
+              </a:spcBef>
+              <a:buFontTx/>
+              <a:buChar char="•"/>
+            </a:pPr>
+            <a:r>
+              <a:rPr lang="en-US"/>
+              <a:t>Turn the rack off (Unplug the rack, then re-plug). The system may need to be re-set wait 90 seconds then try the touch panel.</a:t>
+            </a:r>
+          </a:p>
+          <a:p>
+            <a:pPr lvl="2" algn="l">
+              <a:spcBef>
+                <a:spcPct val="50000"/>
+              </a:spcBef>
+              <a:buFontTx/>
+              <a:buChar char="•"/>
+            </a:pPr>
+            <a:r>
+              <a:rPr lang="en-US"/>
+              <a:t>Call our office for service (336) 714-0564</a:t>
+            </a:r>
+          </a:p>
+        </p:txBody>
+      </p:sp>
+      <p:pic>
+        <p:nvPicPr>
+          <p:cNvPr id="13316" name="Picture 19" descr="TEst v116 copy"/>
+          <p:cNvPicPr>
+            <a:picLocks noChangeAspect="1" noChangeArrowheads="1"/>
+          </p:cNvPicPr>
+          <p:nvPr/>
+        </p:nvPicPr>
+        <p:blipFill>
+          <a:blip r:embed="rId3" cstate="print"/>
+          <a:srcRect/>
+          <a:stretch>
+            <a:fillRect/>
+          </a:stretch>
+        </p:blipFill>
+        <p:spPr bwMode="auto">
+          <a:xfrm>
+            <a:off x="76200" y="47625"/>
+            <a:ext cx="1676400" cy="333375"/>
+          </a:xfrm>
+          <a:prstGeom prst="rect">
+            <a:avLst/>
+          </a:prstGeom>
+          <a:noFill/>
+          <a:ln w="9525">
+            <a:noFill/>
+            <a:miter lim="800000"/>
+            <a:headEnd/>
+            <a:tailEnd/>
+          </a:ln>
+        </p:spPr>
+      </p:pic>
+    </p:spTree>
+  </p:cSld>
+  <p:clrMapOvr>
+    <a:masterClrMapping/>
+  </p:clrMapOvr>
+  <p:transition>
+    <p:fade/>
+  </p:transition>
+  <p:timing>
+    <p:tnLst>
+      <p:par>
+        <p:cTn id="1" dur="indefinite" restart="never" nodeType="tmRoot"/>
+      </p:par>
+    </p:tnLst>
+  </p:timing>
+</p:sld>
+</file>
+
+<file path=ppt/slides/slide13.xml><?xml version="1.0" encoding="utf-8"?>
+<p:sld xmlns:a="http://schemas.openxmlformats.org/drawingml/2006/main" xmlns:r="http://schemas.openxmlformats.org/officeDocument/2006/relationships" xmlns:p="http://schemas.openxmlformats.org/presentationml/2006/main">
+  <p:cSld>
+    <p:spTree>
+      <p:nvGrpSpPr>
+        <p:cNvPr id="1" name=""/>
+        <p:cNvGrpSpPr/>
+        <p:nvPr/>
+      </p:nvGrpSpPr>
+      <p:grpSpPr>
+        <a:xfrm>
+          <a:off x="0" y="0"/>
+          <a:ext cx="0" cy="0"/>
+          <a:chOff x="0" y="0"/>
+          <a:chExt cx="0" cy="0"/>
+        </a:xfrm>
+      </p:grpSpPr>
+      <p:sp>
+        <p:nvSpPr>
+          <p:cNvPr id="27650" name="Rectangle 2"/>
+          <p:cNvSpPr>
+            <a:spLocks noGrp="1" noChangeArrowheads="1"/>
+          </p:cNvSpPr>
+          <p:nvPr>
+            <p:ph type="subTitle" idx="1"/>
+          </p:nvPr>
+        </p:nvSpPr>
+        <p:spPr>
+          <a:xfrm>
+            <a:off x="2057400" y="2362200"/>
+            <a:ext cx="4876800" cy="2971800"/>
+          </a:xfrm>
+        </p:spPr>
+        <p:txBody>
+          <a:bodyPr/>
+          <a:lstStyle/>
+          <a:p>
+            <a:pPr eaLnBrk="1" hangingPunct="1">
+              <a:defRPr/>
+            </a:pPr>
+            <a:r>
+              <a:rPr lang="en-US" dirty="0" smtClean="0"/>
+              <a:t>For Service, contact:</a:t>
+            </a:r>
+          </a:p>
+          <a:p>
+            <a:pPr eaLnBrk="1" hangingPunct="1">
+              <a:defRPr/>
+            </a:pPr>
+            <a:r>
+              <a:rPr lang="en-US" dirty="0" smtClean="0"/>
+              <a:t>Tonya Allen at </a:t>
+            </a:r>
+          </a:p>
+          <a:p>
+            <a:pPr eaLnBrk="1" hangingPunct="1">
+              <a:defRPr/>
+            </a:pPr>
+            <a:r>
+              <a:rPr lang="en-US" dirty="0" smtClean="0"/>
+              <a:t>(336) 714-0564 </a:t>
+            </a:r>
+            <a:r>
+              <a:rPr lang="en-US" u="sng" dirty="0" smtClean="0"/>
+              <a:t>tonyaa@strategicmail.net</a:t>
+            </a:r>
+            <a:endParaRPr lang="en-US" dirty="0" smtClean="0"/>
+          </a:p>
+        </p:txBody>
+      </p:sp>
+      <p:pic>
+        <p:nvPicPr>
+          <p:cNvPr id="14339" name="Picture 19" descr="TEst v116 copy"/>
+          <p:cNvPicPr>
+            <a:picLocks noChangeAspect="1" noChangeArrowheads="1"/>
+          </p:cNvPicPr>
+          <p:nvPr/>
+        </p:nvPicPr>
+        <p:blipFill>
+          <a:blip r:embed="rId3" cstate="print"/>
+          <a:srcRect/>
+          <a:stretch>
+            <a:fillRect/>
+          </a:stretch>
+        </p:blipFill>
+        <p:spPr bwMode="auto">
+          <a:xfrm>
+            <a:off x="1828800" y="685800"/>
+            <a:ext cx="5373688" cy="1066800"/>
+          </a:xfrm>
+          <a:prstGeom prst="rect">
+            <a:avLst/>
+          </a:prstGeom>
+          <a:noFill/>
+          <a:ln w="9525">
+            <a:noFill/>
+            <a:miter lim="800000"/>
+            <a:headEnd/>
+            <a:tailEnd/>
+          </a:ln>
+        </p:spPr>
+      </p:pic>
+    </p:spTree>
+  </p:cSld>
+  <p:clrMapOvr>
+    <a:masterClrMapping/>
+  </p:clrMapOvr>
+  <p:transition>
+    <p:fade/>
+  </p:transition>
+  <p:timing>
+    <p:tnLst>
+      <p:par>
+        <p:cTn id="1" dur="indefinite" restart="never" nodeType="tmRoot"/>
+      </p:par>
+    </p:tnLst>
+  </p:timing>
+</p:sld>
+</file>
+
+<file path=ppt/slides/slide14.xml><?xml version="1.0" encoding="utf-8"?>
+<p:sld xmlns:a="http://schemas.openxmlformats.org/drawingml/2006/main" xmlns:r="http://schemas.openxmlformats.org/officeDocument/2006/relationships" xmlns:p="http://schemas.openxmlformats.org/presentationml/2006/main">
+  <p:cSld>
+    <p:spTree>
+      <p:nvGrpSpPr>
+        <p:cNvPr id="1" name=""/>
+        <p:cNvGrpSpPr/>
+        <p:nvPr/>
+      </p:nvGrpSpPr>
+      <p:grpSpPr>
+        <a:xfrm>
+          <a:off x="0" y="0"/>
+          <a:ext cx="0" cy="0"/>
+          <a:chOff x="0" y="0"/>
+          <a:chExt cx="0" cy="0"/>
+        </a:xfrm>
+      </p:grpSpPr>
       <p:sp>
         <p:nvSpPr>
           <p:cNvPr id="204802" name="Rectangle 2"/>
@@ -5582,7 +6939,7 @@
                 </a:effectLst>
                 <a:latin typeface="Tahoma" pitchFamily="34" charset="0"/>
               </a:rPr>
-              <a:t>Kevin Beach at </a:t>
+              <a:t>Dan Williams at </a:t>
             </a:r>
             <a:r>
               <a:rPr lang="en-US" sz="3200" dirty="0">
@@ -5606,17 +6963,6 @@
               </a:rPr>
             </a:br>
             <a:r>
-              <a:rPr lang="en-US" sz="3200" dirty="0">
-                <a:effectLst>
-                  <a:outerShdw blurRad="38100" dist="38100" dir="2700000" algn="tl">
-                    <a:srgbClr val="000000"/>
-                  </a:outerShdw>
-                </a:effectLst>
-                <a:latin typeface="Tahoma" pitchFamily="34" charset="0"/>
-              </a:rPr>
-              <a:t>(336) </a:t>
-            </a:r>
-            <a:r>
               <a:rPr lang="en-US" sz="3200" dirty="0" smtClean="0">
                 <a:effectLst>
                   <a:outerShdw blurRad="38100" dist="38100" dir="2700000" algn="tl">
@@ -5625,7 +6971,7 @@
                 </a:effectLst>
                 <a:latin typeface="Tahoma" pitchFamily="34" charset="0"/>
               </a:rPr>
-              <a:t>714-0522</a:t>
+              <a:t>(919) 900-4001</a:t>
             </a:r>
             <a:endParaRPr lang="en-US" sz="3200" dirty="0">
               <a:effectLst>
@@ -5659,7 +7005,7 @@
                 <a:latin typeface="Tahoma" pitchFamily="34" charset="0"/>
                 <a:hlinkClick r:id="rId3"/>
               </a:rPr>
-              <a:t>KevinB@strategicmail.net</a:t>
+              <a:t>DanW@strategicmail.net</a:t>
             </a:r>
             <a:endParaRPr lang="en-US" sz="2800" dirty="0">
               <a:effectLst>
@@ -5781,8 +7127,8 @@
         </p:blipFill>
         <p:spPr>
           <a:xfrm>
-            <a:off x="1969880" y="1146334"/>
-            <a:ext cx="5204240" cy="3566159"/>
+            <a:off x="2194561" y="1536383"/>
+            <a:ext cx="4754878" cy="2786061"/>
           </a:xfrm>
           <a:prstGeom prst="rect">
             <a:avLst/>
@@ -5814,7 +7160,7 @@
             </a:pPr>
             <a:r>
               <a:rPr lang="en-US" dirty="0" smtClean="0"/>
-              <a:t>Start Page</a:t>
+              <a:t>Welcome Page</a:t>
             </a:r>
           </a:p>
         </p:txBody>
@@ -5887,7 +7233,7 @@
             </a:r>
             <a:r>
               <a:rPr lang="en-US" dirty="0" smtClean="0"/>
-              <a:t>Audio system </a:t>
+              <a:t>Display System </a:t>
             </a:r>
             <a:r>
               <a:rPr lang="en-US" dirty="0"/>
@@ -5895,7 +7241,7 @@
             </a:r>
             <a:r>
               <a:rPr lang="en-US" dirty="0" smtClean="0"/>
-              <a:t>anywhere on the Screen. </a:t>
+              <a:t>the Start System Button. </a:t>
             </a:r>
             <a:endParaRPr lang="en-US" dirty="0"/>
           </a:p>
@@ -5911,8 +7257,8 @@
         </p:nvSpPr>
         <p:spPr bwMode="auto">
           <a:xfrm flipH="1" flipV="1">
-            <a:off x="4495800" y="3366074"/>
-            <a:ext cx="228600" cy="1510725"/>
+            <a:off x="3657600" y="3047999"/>
+            <a:ext cx="1066800" cy="1828799"/>
           </a:xfrm>
           <a:prstGeom prst="line">
             <a:avLst/>
@@ -6042,8 +7388,8 @@
         </p:nvSpPr>
         <p:spPr bwMode="auto">
           <a:xfrm>
-            <a:off x="914400" y="4999672"/>
-            <a:ext cx="7315200" cy="1477328"/>
+            <a:off x="914400" y="5572780"/>
+            <a:ext cx="7315200" cy="523220"/>
           </a:xfrm>
           <a:prstGeom prst="rect">
             <a:avLst/>
@@ -6068,15 +7414,31 @@
               </a:spcBef>
             </a:pPr>
             <a:r>
-              <a:rPr lang="en-US" dirty="0" smtClean="0">
+              <a:rPr lang="en-US" sz="1400" dirty="0" smtClean="0">
                 <a:solidFill>
                   <a:srgbClr val="FFFFFF"/>
                 </a:solidFill>
               </a:rPr>
-              <a:t>After Starting the System, The Main Page will appear.  Selecting a Button</a:t>
-            </a:r>
-            <a:r>
-              <a:rPr lang="en-US" dirty="0">
+              <a:t>After </a:t>
+            </a:r>
+            <a:r>
+              <a:rPr lang="en-US" sz="1400" dirty="0" smtClean="0">
+                <a:solidFill>
+                  <a:srgbClr val="FFFFFF"/>
+                </a:solidFill>
+              </a:rPr>
+              <a:t>Pressing the Start System Button, </a:t>
+            </a:r>
+            <a:r>
+              <a:rPr lang="en-US" sz="1400" dirty="0" smtClean="0">
+                <a:solidFill>
+                  <a:srgbClr val="FFFFFF"/>
+                </a:solidFill>
+              </a:rPr>
+              <a:t>The Main Page will appear.  Selecting a Button</a:t>
+            </a:r>
+            <a:r>
+              <a:rPr lang="en-US" sz="1400" dirty="0">
                 <a:solidFill>
                   <a:srgbClr val="FFFFFF"/>
                 </a:solidFill>
@@ -6084,54 +7446,22 @@
               <a:t> </a:t>
             </a:r>
             <a:r>
-              <a:rPr lang="en-US" dirty="0" smtClean="0">
+              <a:rPr lang="en-US" sz="1400" dirty="0" smtClean="0">
                 <a:solidFill>
                   <a:srgbClr val="FFFFFF"/>
                 </a:solidFill>
               </a:rPr>
-              <a:t>on the Right will allow you to choose what you Audio Source (</a:t>
-            </a:r>
-            <a:r>
-              <a:rPr lang="en-US" dirty="0" err="1" smtClean="0">
+              <a:t>on the Bottom will allow you to choose what Video Source you want to see</a:t>
+            </a:r>
+            <a:r>
+              <a:rPr lang="en-US" sz="1400" dirty="0" smtClean="0">
                 <a:solidFill>
                   <a:srgbClr val="FFFFFF"/>
                 </a:solidFill>
               </a:rPr>
-              <a:t>Mic</a:t>
-            </a:r>
-            <a:r>
-              <a:rPr lang="en-US" dirty="0">
-                <a:solidFill>
-                  <a:srgbClr val="FFFFFF"/>
-                </a:solidFill>
-              </a:rPr>
-              <a:t> </a:t>
-            </a:r>
-            <a:r>
-              <a:rPr lang="en-US" dirty="0" smtClean="0">
-                <a:solidFill>
-                  <a:srgbClr val="FFFFFF"/>
-                </a:solidFill>
-              </a:rPr>
-              <a:t>or PC) you want to hear where (MP Room, Lounge, and/or Lobby).  By Default, when the system is powered on, the </a:t>
-            </a:r>
-            <a:r>
-              <a:rPr lang="en-US" dirty="0" err="1" smtClean="0">
-                <a:solidFill>
-                  <a:srgbClr val="FFFFFF"/>
-                </a:solidFill>
-              </a:rPr>
-              <a:t>Mic</a:t>
-            </a:r>
-            <a:r>
-              <a:rPr lang="en-US" dirty="0" smtClean="0">
-                <a:solidFill>
-                  <a:srgbClr val="FFFFFF"/>
-                </a:solidFill>
-              </a:rPr>
-              <a:t> and PC can be heard in all Three Spaces.</a:t>
-            </a:r>
-            <a:endParaRPr lang="en-US" dirty="0">
+              <a:t>.</a:t>
+            </a:r>
+            <a:endParaRPr lang="en-US" sz="1400" dirty="0">
               <a:solidFill>
                 <a:srgbClr val="FFFFFF"/>
               </a:solidFill>
@@ -6193,8 +7523,8 @@
         </p:blipFill>
         <p:spPr bwMode="auto">
           <a:xfrm>
-            <a:off x="2142390" y="1143000"/>
-            <a:ext cx="4859220" cy="3329737"/>
+            <a:off x="2352176" y="1066800"/>
+            <a:ext cx="4439647" cy="2601356"/>
           </a:xfrm>
           <a:prstGeom prst="rect">
             <a:avLst/>
@@ -6234,7 +7564,7 @@
         </p:nvSpPr>
         <p:spPr bwMode="auto">
           <a:xfrm>
-            <a:off x="7355057" y="1066800"/>
+            <a:off x="617876" y="2514600"/>
             <a:ext cx="1403181" cy="276999"/>
           </a:xfrm>
           <a:prstGeom prst="rect">
@@ -6254,14 +7584,14 @@
           </a:bodyPr>
           <a:lstStyle/>
           <a:p>
-            <a:pPr algn="l">
+            <a:pPr algn="r">
               <a:spcBef>
                 <a:spcPct val="50000"/>
               </a:spcBef>
             </a:pPr>
             <a:r>
               <a:rPr lang="en-US" sz="1200" dirty="0" smtClean="0"/>
-              <a:t>Audio Sources</a:t>
+              <a:t> Sources</a:t>
             </a:r>
             <a:endParaRPr lang="en-US" sz="1200" dirty="0"/>
           </a:p>
@@ -6276,9 +7606,9 @@
           <p:nvPr/>
         </p:nvSpPr>
         <p:spPr bwMode="auto">
-          <a:xfrm flipH="1">
-            <a:off x="5822781" y="1205299"/>
-            <a:ext cx="1524653" cy="852102"/>
+          <a:xfrm>
+            <a:off x="2021057" y="2655468"/>
+            <a:ext cx="493542" cy="136131"/>
           </a:xfrm>
           <a:prstGeom prst="line">
             <a:avLst/>
@@ -6297,6 +7627,7 @@
           <a:bodyPr/>
           <a:lstStyle/>
           <a:p>
+            <a:pPr algn="r"/>
             <a:endParaRPr lang="en-US"/>
           </a:p>
         </p:txBody>
@@ -6309,8 +7640,8 @@
         </p:nvSpPr>
         <p:spPr bwMode="auto">
           <a:xfrm rot="16200000">
-            <a:off x="5121191" y="1965410"/>
-            <a:ext cx="609599" cy="793582"/>
+            <a:off x="4228143" y="1029658"/>
+            <a:ext cx="643423" cy="4070508"/>
           </a:xfrm>
           <a:prstGeom prst="rect">
             <a:avLst/>
@@ -6374,7 +7705,7 @@
         </p:nvSpPr>
         <p:spPr bwMode="auto">
           <a:xfrm>
-            <a:off x="7884942" y="2209801"/>
+            <a:off x="7638171" y="3048000"/>
             <a:ext cx="1182858" cy="646331"/>
           </a:xfrm>
           <a:prstGeom prst="rect">
@@ -6409,59 +7740,16 @@
       </p:sp>
       <p:sp>
         <p:nvSpPr>
-          <p:cNvPr id="15" name="Rectangle 29"/>
-          <p:cNvSpPr>
-            <a:spLocks noChangeArrowheads="1"/>
+          <p:cNvPr id="19" name="Line 31"/>
+          <p:cNvSpPr>
+            <a:spLocks noChangeShapeType="1"/>
           </p:cNvSpPr>
           <p:nvPr/>
         </p:nvSpPr>
         <p:spPr bwMode="auto">
-          <a:xfrm>
-            <a:off x="7884941" y="3176231"/>
-            <a:ext cx="1143000" cy="861774"/>
-          </a:xfrm>
-          <a:prstGeom prst="rect">
-            <a:avLst/>
-          </a:prstGeom>
-          <a:noFill/>
-          <a:ln w="9525" algn="ctr">
-            <a:noFill/>
-            <a:miter lim="800000"/>
-            <a:headEnd/>
-            <a:tailEnd/>
-          </a:ln>
-        </p:spPr>
-        <p:txBody>
-          <a:bodyPr wrap="square">
-            <a:spAutoFit/>
-          </a:bodyPr>
-          <a:lstStyle/>
-          <a:p>
-            <a:pPr algn="l">
-              <a:spcBef>
-                <a:spcPct val="50000"/>
-              </a:spcBef>
-            </a:pPr>
-            <a:r>
-              <a:rPr lang="en-US" sz="1000" dirty="0" smtClean="0"/>
-              <a:t>Turn to the Left to Lower the PC Audio.  Turn to the Right to Raise it.</a:t>
-            </a:r>
-            <a:endParaRPr lang="en-US" sz="1000" dirty="0"/>
-          </a:p>
-        </p:txBody>
-      </p:sp>
-      <p:sp>
-        <p:nvSpPr>
-          <p:cNvPr id="16" name="Line 31"/>
-          <p:cNvSpPr>
-            <a:spLocks noChangeShapeType="1"/>
-          </p:cNvSpPr>
-          <p:nvPr/>
-        </p:nvSpPr>
-        <p:spPr bwMode="auto">
-          <a:xfrm flipH="1" flipV="1">
-            <a:off x="6433035" y="3158021"/>
-            <a:ext cx="1451906" cy="196268"/>
+          <a:xfrm flipH="1">
+            <a:off x="6705599" y="3390900"/>
+            <a:ext cx="932571" cy="76200"/>
           </a:xfrm>
           <a:prstGeom prst="line">
             <a:avLst/>
@@ -6480,23 +7768,65 @@
           <a:bodyPr/>
           <a:lstStyle/>
           <a:p>
-            <a:pPr algn="l"/>
             <a:endParaRPr lang="en-US"/>
           </a:p>
         </p:txBody>
       </p:sp>
       <p:sp>
         <p:nvSpPr>
-          <p:cNvPr id="19" name="Line 31"/>
+          <p:cNvPr id="20" name="Rectangle 35"/>
+          <p:cNvSpPr>
+            <a:spLocks noChangeArrowheads="1"/>
+          </p:cNvSpPr>
+          <p:nvPr/>
+        </p:nvSpPr>
+        <p:spPr bwMode="auto">
+          <a:xfrm>
+            <a:off x="228599" y="3276600"/>
+            <a:ext cx="1644163" cy="461665"/>
+          </a:xfrm>
+          <a:prstGeom prst="rect">
+            <a:avLst/>
+          </a:prstGeom>
+          <a:noFill/>
+          <a:ln w="9525" algn="ctr">
+            <a:noFill/>
+            <a:miter lim="800000"/>
+            <a:headEnd/>
+            <a:tailEnd/>
+          </a:ln>
+        </p:spPr>
+        <p:txBody>
+          <a:bodyPr wrap="square">
+            <a:spAutoFit/>
+          </a:bodyPr>
+          <a:lstStyle/>
+          <a:p>
+            <a:pPr algn="r">
+              <a:spcBef>
+                <a:spcPct val="50000"/>
+              </a:spcBef>
+            </a:pPr>
+            <a:r>
+              <a:rPr lang="en-US" sz="1200" dirty="0" smtClean="0"/>
+              <a:t>Brings up the Confirmation Page</a:t>
+            </a:r>
+            <a:endParaRPr lang="en-US" sz="1200" dirty="0"/>
+          </a:p>
+        </p:txBody>
+      </p:sp>
+      <p:sp>
+        <p:nvSpPr>
+          <p:cNvPr id="17" name="Line 5"/>
           <p:cNvSpPr>
             <a:spLocks noChangeShapeType="1"/>
           </p:cNvSpPr>
           <p:nvPr/>
         </p:nvSpPr>
         <p:spPr bwMode="auto">
-          <a:xfrm flipH="1">
-            <a:off x="6476998" y="2559954"/>
-            <a:ext cx="1407943" cy="222090"/>
+          <a:xfrm flipV="1">
+            <a:off x="1828800" y="3485276"/>
+            <a:ext cx="626596" cy="0"/>
           </a:xfrm>
           <a:prstGeom prst="line">
             <a:avLst/>
@@ -6515,13 +7845,14 @@
           <a:bodyPr/>
           <a:lstStyle/>
           <a:p>
+            <a:pPr algn="r"/>
             <a:endParaRPr lang="en-US"/>
           </a:p>
         </p:txBody>
       </p:sp>
       <p:sp>
         <p:nvSpPr>
-          <p:cNvPr id="20" name="Rectangle 35"/>
+          <p:cNvPr id="18" name="Rectangle 35"/>
           <p:cNvSpPr>
             <a:spLocks noChangeArrowheads="1"/>
           </p:cNvSpPr>
@@ -6529,8 +7860,8 @@
         </p:nvSpPr>
         <p:spPr bwMode="auto">
           <a:xfrm>
-            <a:off x="7347437" y="1534181"/>
-            <a:ext cx="1644163" cy="461665"/>
+            <a:off x="499438" y="4154945"/>
+            <a:ext cx="2025163" cy="276999"/>
           </a:xfrm>
           <a:prstGeom prst="rect">
             <a:avLst/>
@@ -6549,14 +7880,14 @@
           </a:bodyPr>
           <a:lstStyle/>
           <a:p>
-            <a:pPr algn="l">
+            <a:pPr algn="r">
               <a:spcBef>
                 <a:spcPct val="50000"/>
               </a:spcBef>
             </a:pPr>
             <a:r>
               <a:rPr lang="en-US" sz="1200" dirty="0" smtClean="0"/>
-              <a:t>Brings up the Confirmation Page</a:t>
+              <a:t>Brings up the Setup Page</a:t>
             </a:r>
             <a:endParaRPr lang="en-US" sz="1200" dirty="0"/>
           </a:p>
@@ -6564,16 +7895,16 @@
       </p:sp>
       <p:sp>
         <p:nvSpPr>
-          <p:cNvPr id="21" name="Line 5"/>
+          <p:cNvPr id="22" name="Line 5"/>
           <p:cNvSpPr>
             <a:spLocks noChangeShapeType="1"/>
           </p:cNvSpPr>
           <p:nvPr/>
         </p:nvSpPr>
         <p:spPr bwMode="auto">
-          <a:xfrm flipH="1">
-            <a:off x="6476997" y="1676400"/>
-            <a:ext cx="870439" cy="533400"/>
+          <a:xfrm flipV="1">
+            <a:off x="2480638" y="3581400"/>
+            <a:ext cx="262562" cy="700375"/>
           </a:xfrm>
           <a:prstGeom prst="line">
             <a:avLst/>
@@ -6592,7 +7923,546 @@
           <a:bodyPr/>
           <a:lstStyle/>
           <a:p>
-            <a:pPr algn="l"/>
+            <a:pPr algn="r"/>
+            <a:endParaRPr lang="en-US"/>
+          </a:p>
+        </p:txBody>
+      </p:sp>
+      <p:sp>
+        <p:nvSpPr>
+          <p:cNvPr id="23" name="Rectangle 30"/>
+          <p:cNvSpPr>
+            <a:spLocks noChangeArrowheads="1"/>
+          </p:cNvSpPr>
+          <p:nvPr/>
+        </p:nvSpPr>
+        <p:spPr bwMode="auto">
+          <a:xfrm>
+            <a:off x="7622932" y="3977437"/>
+            <a:ext cx="1521068" cy="461665"/>
+          </a:xfrm>
+          <a:prstGeom prst="rect">
+            <a:avLst/>
+          </a:prstGeom>
+          <a:noFill/>
+          <a:ln w="9525" algn="ctr">
+            <a:noFill/>
+            <a:miter lim="800000"/>
+            <a:headEnd/>
+            <a:tailEnd/>
+          </a:ln>
+        </p:spPr>
+        <p:txBody>
+          <a:bodyPr wrap="square">
+            <a:spAutoFit/>
+          </a:bodyPr>
+          <a:lstStyle/>
+          <a:p>
+            <a:pPr algn="l">
+              <a:spcBef>
+                <a:spcPct val="50000"/>
+              </a:spcBef>
+            </a:pPr>
+            <a:r>
+              <a:rPr lang="en-US" sz="1200" dirty="0" smtClean="0"/>
+              <a:t>Mutes Program Audio</a:t>
+            </a:r>
+            <a:endParaRPr lang="en-US" sz="1200" dirty="0"/>
+          </a:p>
+        </p:txBody>
+      </p:sp>
+      <p:sp>
+        <p:nvSpPr>
+          <p:cNvPr id="24" name="Line 31"/>
+          <p:cNvSpPr>
+            <a:spLocks noChangeShapeType="1"/>
+          </p:cNvSpPr>
+          <p:nvPr/>
+        </p:nvSpPr>
+        <p:spPr bwMode="auto">
+          <a:xfrm flipH="1" flipV="1">
+            <a:off x="6172200" y="3613246"/>
+            <a:ext cx="1450732" cy="539654"/>
+          </a:xfrm>
+          <a:prstGeom prst="line">
+            <a:avLst/>
+          </a:prstGeom>
+          <a:noFill/>
+          <a:ln w="9525">
+            <a:solidFill>
+              <a:srgbClr val="FB1B03"/>
+            </a:solidFill>
+            <a:round/>
+            <a:headEnd/>
+            <a:tailEnd type="triangle" w="med" len="med"/>
+          </a:ln>
+        </p:spPr>
+        <p:txBody>
+          <a:bodyPr/>
+          <a:lstStyle/>
+          <a:p>
+            <a:endParaRPr lang="en-US"/>
+          </a:p>
+        </p:txBody>
+      </p:sp>
+      <p:sp>
+        <p:nvSpPr>
+          <p:cNvPr id="25" name="Rectangle 30"/>
+          <p:cNvSpPr>
+            <a:spLocks noChangeArrowheads="1"/>
+          </p:cNvSpPr>
+          <p:nvPr/>
+        </p:nvSpPr>
+        <p:spPr bwMode="auto">
+          <a:xfrm>
+            <a:off x="3429000" y="4425432"/>
+            <a:ext cx="1521068" cy="430887"/>
+          </a:xfrm>
+          <a:prstGeom prst="rect">
+            <a:avLst/>
+          </a:prstGeom>
+          <a:noFill/>
+          <a:ln w="9525" algn="ctr">
+            <a:noFill/>
+            <a:miter lim="800000"/>
+            <a:headEnd/>
+            <a:tailEnd/>
+          </a:ln>
+        </p:spPr>
+        <p:txBody>
+          <a:bodyPr wrap="square">
+            <a:spAutoFit/>
+          </a:bodyPr>
+          <a:lstStyle/>
+          <a:p>
+            <a:pPr algn="r">
+              <a:spcBef>
+                <a:spcPct val="50000"/>
+              </a:spcBef>
+            </a:pPr>
+            <a:r>
+              <a:rPr lang="en-US" sz="1100" dirty="0" smtClean="0"/>
+              <a:t>Lowers the Program Volume</a:t>
+            </a:r>
+            <a:endParaRPr lang="en-US" sz="1100" dirty="0"/>
+          </a:p>
+        </p:txBody>
+      </p:sp>
+      <p:sp>
+        <p:nvSpPr>
+          <p:cNvPr id="26" name="Line 31"/>
+          <p:cNvSpPr>
+            <a:spLocks noChangeShapeType="1"/>
+          </p:cNvSpPr>
+          <p:nvPr/>
+        </p:nvSpPr>
+        <p:spPr bwMode="auto">
+          <a:xfrm flipV="1">
+            <a:off x="4950068" y="3581400"/>
+            <a:ext cx="307732" cy="969768"/>
+          </a:xfrm>
+          <a:prstGeom prst="line">
+            <a:avLst/>
+          </a:prstGeom>
+          <a:noFill/>
+          <a:ln w="9525">
+            <a:solidFill>
+              <a:srgbClr val="FB1B03"/>
+            </a:solidFill>
+            <a:round/>
+            <a:headEnd/>
+            <a:tailEnd type="triangle" w="med" len="med"/>
+          </a:ln>
+        </p:spPr>
+        <p:txBody>
+          <a:bodyPr/>
+          <a:lstStyle/>
+          <a:p>
+            <a:endParaRPr lang="en-US"/>
+          </a:p>
+        </p:txBody>
+      </p:sp>
+      <p:sp>
+        <p:nvSpPr>
+          <p:cNvPr id="21" name="Rectangle 30"/>
+          <p:cNvSpPr>
+            <a:spLocks noChangeArrowheads="1"/>
+          </p:cNvSpPr>
+          <p:nvPr/>
+        </p:nvSpPr>
+        <p:spPr bwMode="auto">
+          <a:xfrm>
+            <a:off x="5967924" y="4018895"/>
+            <a:ext cx="1211579" cy="461665"/>
+          </a:xfrm>
+          <a:prstGeom prst="rect">
+            <a:avLst/>
+          </a:prstGeom>
+          <a:noFill/>
+          <a:ln w="9525" algn="ctr">
+            <a:noFill/>
+            <a:miter lim="800000"/>
+            <a:headEnd/>
+            <a:tailEnd/>
+          </a:ln>
+        </p:spPr>
+        <p:txBody>
+          <a:bodyPr wrap="square">
+            <a:spAutoFit/>
+          </a:bodyPr>
+          <a:lstStyle/>
+          <a:p>
+            <a:pPr algn="l">
+              <a:spcBef>
+                <a:spcPct val="50000"/>
+              </a:spcBef>
+            </a:pPr>
+            <a:r>
+              <a:rPr lang="en-US" sz="1200" dirty="0" smtClean="0"/>
+              <a:t>Raises the Program Audio</a:t>
+            </a:r>
+            <a:endParaRPr lang="en-US" sz="1200" dirty="0"/>
+          </a:p>
+        </p:txBody>
+      </p:sp>
+      <p:sp>
+        <p:nvSpPr>
+          <p:cNvPr id="27" name="Line 31"/>
+          <p:cNvSpPr>
+            <a:spLocks noChangeShapeType="1"/>
+          </p:cNvSpPr>
+          <p:nvPr/>
+        </p:nvSpPr>
+        <p:spPr bwMode="auto">
+          <a:xfrm flipH="1" flipV="1">
+            <a:off x="5791200" y="3581400"/>
+            <a:ext cx="176724" cy="571500"/>
+          </a:xfrm>
+          <a:prstGeom prst="line">
+            <a:avLst/>
+          </a:prstGeom>
+          <a:noFill/>
+          <a:ln w="9525">
+            <a:solidFill>
+              <a:srgbClr val="FB1B03"/>
+            </a:solidFill>
+            <a:round/>
+            <a:headEnd/>
+            <a:tailEnd type="triangle" w="med" len="med"/>
+          </a:ln>
+        </p:spPr>
+        <p:txBody>
+          <a:bodyPr/>
+          <a:lstStyle/>
+          <a:p>
+            <a:endParaRPr lang="en-US"/>
+          </a:p>
+        </p:txBody>
+      </p:sp>
+      <p:sp>
+        <p:nvSpPr>
+          <p:cNvPr id="30" name="Rectangle 30"/>
+          <p:cNvSpPr>
+            <a:spLocks noChangeArrowheads="1"/>
+          </p:cNvSpPr>
+          <p:nvPr/>
+        </p:nvSpPr>
+        <p:spPr bwMode="auto">
+          <a:xfrm>
+            <a:off x="5685986" y="4557000"/>
+            <a:ext cx="1705413" cy="461665"/>
+          </a:xfrm>
+          <a:prstGeom prst="rect">
+            <a:avLst/>
+          </a:prstGeom>
+          <a:noFill/>
+          <a:ln w="9525" algn="ctr">
+            <a:noFill/>
+            <a:miter lim="800000"/>
+            <a:headEnd/>
+            <a:tailEnd/>
+          </a:ln>
+        </p:spPr>
+        <p:txBody>
+          <a:bodyPr wrap="square">
+            <a:spAutoFit/>
+          </a:bodyPr>
+          <a:lstStyle/>
+          <a:p>
+            <a:pPr algn="l">
+              <a:spcBef>
+                <a:spcPct val="50000"/>
+              </a:spcBef>
+            </a:pPr>
+            <a:r>
+              <a:rPr lang="en-US" sz="1200" dirty="0" smtClean="0"/>
+              <a:t>Shows the Program Volume Level</a:t>
+            </a:r>
+            <a:endParaRPr lang="en-US" sz="1200" dirty="0"/>
+          </a:p>
+        </p:txBody>
+      </p:sp>
+      <p:sp>
+        <p:nvSpPr>
+          <p:cNvPr id="31" name="Line 31"/>
+          <p:cNvSpPr>
+            <a:spLocks noChangeShapeType="1"/>
+          </p:cNvSpPr>
+          <p:nvPr/>
+        </p:nvSpPr>
+        <p:spPr bwMode="auto">
+          <a:xfrm flipH="1" flipV="1">
+            <a:off x="5509263" y="3613245"/>
+            <a:ext cx="176724" cy="1043018"/>
+          </a:xfrm>
+          <a:prstGeom prst="line">
+            <a:avLst/>
+          </a:prstGeom>
+          <a:noFill/>
+          <a:ln w="9525">
+            <a:solidFill>
+              <a:srgbClr val="FB1B03"/>
+            </a:solidFill>
+            <a:round/>
+            <a:headEnd/>
+            <a:tailEnd type="triangle" w="med" len="med"/>
+          </a:ln>
+        </p:spPr>
+        <p:txBody>
+          <a:bodyPr/>
+          <a:lstStyle/>
+          <a:p>
+            <a:endParaRPr lang="en-US"/>
+          </a:p>
+        </p:txBody>
+      </p:sp>
+      <p:sp>
+        <p:nvSpPr>
+          <p:cNvPr id="32" name="Rectangle 30"/>
+          <p:cNvSpPr>
+            <a:spLocks noChangeArrowheads="1"/>
+          </p:cNvSpPr>
+          <p:nvPr/>
+        </p:nvSpPr>
+        <p:spPr bwMode="auto">
+          <a:xfrm>
+            <a:off x="3050932" y="3867150"/>
+            <a:ext cx="1521068" cy="553998"/>
+          </a:xfrm>
+          <a:prstGeom prst="rect">
+            <a:avLst/>
+          </a:prstGeom>
+          <a:noFill/>
+          <a:ln w="9525" algn="ctr">
+            <a:noFill/>
+            <a:miter lim="800000"/>
+            <a:headEnd/>
+            <a:tailEnd/>
+          </a:ln>
+        </p:spPr>
+        <p:txBody>
+          <a:bodyPr wrap="square">
+            <a:spAutoFit/>
+          </a:bodyPr>
+          <a:lstStyle/>
+          <a:p>
+            <a:pPr algn="r">
+              <a:spcBef>
+                <a:spcPct val="50000"/>
+              </a:spcBef>
+            </a:pPr>
+            <a:r>
+              <a:rPr lang="en-US" sz="1000" dirty="0" smtClean="0"/>
+              <a:t>Shows the Current Audio coming over the Speakers</a:t>
+            </a:r>
+            <a:endParaRPr lang="en-US" sz="1000" dirty="0"/>
+          </a:p>
+        </p:txBody>
+      </p:sp>
+      <p:sp>
+        <p:nvSpPr>
+          <p:cNvPr id="33" name="Line 31"/>
+          <p:cNvSpPr>
+            <a:spLocks noChangeShapeType="1"/>
+          </p:cNvSpPr>
+          <p:nvPr/>
+        </p:nvSpPr>
+        <p:spPr bwMode="auto">
+          <a:xfrm flipV="1">
+            <a:off x="4549854" y="3507432"/>
+            <a:ext cx="307732" cy="462728"/>
+          </a:xfrm>
+          <a:prstGeom prst="line">
+            <a:avLst/>
+          </a:prstGeom>
+          <a:noFill/>
+          <a:ln w="9525">
+            <a:solidFill>
+              <a:srgbClr val="FB1B03"/>
+            </a:solidFill>
+            <a:round/>
+            <a:headEnd/>
+            <a:tailEnd type="triangle" w="med" len="med"/>
+          </a:ln>
+        </p:spPr>
+        <p:txBody>
+          <a:bodyPr/>
+          <a:lstStyle/>
+          <a:p>
+            <a:endParaRPr lang="en-US"/>
+          </a:p>
+        </p:txBody>
+      </p:sp>
+      <p:sp>
+        <p:nvSpPr>
+          <p:cNvPr id="34" name="Rectangle 30"/>
+          <p:cNvSpPr>
+            <a:spLocks noChangeArrowheads="1"/>
+          </p:cNvSpPr>
+          <p:nvPr/>
+        </p:nvSpPr>
+        <p:spPr bwMode="auto">
+          <a:xfrm>
+            <a:off x="1112997" y="4514663"/>
+            <a:ext cx="1521068" cy="553998"/>
+          </a:xfrm>
+          <a:prstGeom prst="rect">
+            <a:avLst/>
+          </a:prstGeom>
+          <a:noFill/>
+          <a:ln w="9525" algn="ctr">
+            <a:noFill/>
+            <a:miter lim="800000"/>
+            <a:headEnd/>
+            <a:tailEnd/>
+          </a:ln>
+        </p:spPr>
+        <p:txBody>
+          <a:bodyPr wrap="square">
+            <a:spAutoFit/>
+          </a:bodyPr>
+          <a:lstStyle/>
+          <a:p>
+            <a:pPr algn="r">
+              <a:spcBef>
+                <a:spcPct val="50000"/>
+              </a:spcBef>
+            </a:pPr>
+            <a:r>
+              <a:rPr lang="en-US" sz="1000" dirty="0" smtClean="0"/>
+              <a:t>Shows the Display Power status and the Phone Call Status</a:t>
+            </a:r>
+            <a:endParaRPr lang="en-US" sz="1000" dirty="0"/>
+          </a:p>
+        </p:txBody>
+      </p:sp>
+      <p:sp>
+        <p:nvSpPr>
+          <p:cNvPr id="35" name="Line 31"/>
+          <p:cNvSpPr>
+            <a:spLocks noChangeShapeType="1"/>
+          </p:cNvSpPr>
+          <p:nvPr/>
+        </p:nvSpPr>
+        <p:spPr bwMode="auto">
+          <a:xfrm flipV="1">
+            <a:off x="2611919" y="3651708"/>
+            <a:ext cx="716265" cy="1004555"/>
+          </a:xfrm>
+          <a:prstGeom prst="line">
+            <a:avLst/>
+          </a:prstGeom>
+          <a:noFill/>
+          <a:ln w="9525">
+            <a:solidFill>
+              <a:srgbClr val="FB1B03"/>
+            </a:solidFill>
+            <a:round/>
+            <a:headEnd/>
+            <a:tailEnd type="triangle" w="med" len="med"/>
+          </a:ln>
+        </p:spPr>
+        <p:txBody>
+          <a:bodyPr/>
+          <a:lstStyle/>
+          <a:p>
+            <a:endParaRPr lang="en-US"/>
+          </a:p>
+        </p:txBody>
+      </p:sp>
+      <p:sp>
+        <p:nvSpPr>
+          <p:cNvPr id="36" name="Rectangle 30"/>
+          <p:cNvSpPr>
+            <a:spLocks noChangeArrowheads="1"/>
+          </p:cNvSpPr>
+          <p:nvPr/>
+        </p:nvSpPr>
+        <p:spPr bwMode="auto">
+          <a:xfrm>
+            <a:off x="7696200" y="838200"/>
+            <a:ext cx="1182858" cy="461665"/>
+          </a:xfrm>
+          <a:prstGeom prst="rect">
+            <a:avLst/>
+          </a:prstGeom>
+          <a:noFill/>
+          <a:ln w="9525" algn="ctr">
+            <a:noFill/>
+            <a:miter lim="800000"/>
+            <a:headEnd/>
+            <a:tailEnd/>
+          </a:ln>
+        </p:spPr>
+        <p:txBody>
+          <a:bodyPr wrap="square">
+            <a:spAutoFit/>
+          </a:bodyPr>
+          <a:lstStyle/>
+          <a:p>
+            <a:pPr algn="l">
+              <a:spcBef>
+                <a:spcPct val="50000"/>
+              </a:spcBef>
+            </a:pPr>
+            <a:r>
+              <a:rPr lang="en-US" sz="1200" dirty="0" smtClean="0"/>
+              <a:t>Brings up the Routing Page</a:t>
+            </a:r>
+            <a:endParaRPr lang="en-US" sz="1200" dirty="0"/>
+          </a:p>
+        </p:txBody>
+      </p:sp>
+      <p:sp>
+        <p:nvSpPr>
+          <p:cNvPr id="37" name="Line 31"/>
+          <p:cNvSpPr>
+            <a:spLocks noChangeShapeType="1"/>
+          </p:cNvSpPr>
+          <p:nvPr/>
+        </p:nvSpPr>
+        <p:spPr bwMode="auto">
+          <a:xfrm flipH="1">
+            <a:off x="6799970" y="1086534"/>
+            <a:ext cx="932571" cy="76200"/>
+          </a:xfrm>
+          <a:prstGeom prst="line">
+            <a:avLst/>
+          </a:prstGeom>
+          <a:noFill/>
+          <a:ln w="9525">
+            <a:solidFill>
+              <a:srgbClr val="FB1B03"/>
+            </a:solidFill>
+            <a:round/>
+            <a:headEnd/>
+            <a:tailEnd type="triangle" w="med" len="med"/>
+          </a:ln>
+        </p:spPr>
+        <p:txBody>
+          <a:bodyPr/>
+          <a:lstStyle/>
+          <a:p>
             <a:endParaRPr lang="en-US"/>
           </a:p>
         </p:txBody>
@@ -6661,12 +8531,8 @@
               <a:defRPr/>
             </a:pPr>
             <a:r>
-              <a:rPr lang="en-US" sz="4000" dirty="0" err="1" smtClean="0"/>
-              <a:t>Mic</a:t>
-            </a:r>
-            <a:r>
               <a:rPr lang="en-US" sz="4000" dirty="0" smtClean="0"/>
-              <a:t> Page</a:t>
+              <a:t>Setup Page</a:t>
             </a:r>
           </a:p>
         </p:txBody>
@@ -6725,8 +8591,8 @@
         </p:blipFill>
         <p:spPr bwMode="auto">
           <a:xfrm>
-            <a:off x="2142389" y="1143000"/>
-            <a:ext cx="4859219" cy="3329736"/>
+            <a:off x="2352174" y="1911254"/>
+            <a:ext cx="4439647" cy="2601356"/>
           </a:xfrm>
           <a:prstGeom prst="rect">
             <a:avLst/>
@@ -6766,8 +8632,8 @@
         </p:nvSpPr>
         <p:spPr bwMode="auto">
           <a:xfrm>
-            <a:off x="107781" y="3200400"/>
-            <a:ext cx="1295400" cy="307777"/>
+            <a:off x="914400" y="3098884"/>
+            <a:ext cx="1219200" cy="415498"/>
           </a:xfrm>
           <a:prstGeom prst="rect">
             <a:avLst/>
@@ -6781,21 +8647,21 @@
           </a:ln>
         </p:spPr>
         <p:txBody>
-          <a:bodyPr>
+          <a:bodyPr wrap="square">
             <a:spAutoFit/>
           </a:bodyPr>
           <a:lstStyle/>
           <a:p>
-            <a:pPr>
+            <a:pPr algn="r">
               <a:spcBef>
                 <a:spcPct val="50000"/>
               </a:spcBef>
             </a:pPr>
             <a:r>
-              <a:rPr lang="en-US" sz="1400" dirty="0" smtClean="0"/>
-              <a:t>Destinations</a:t>
-            </a:r>
-            <a:endParaRPr lang="en-US" sz="1400" dirty="0"/>
+              <a:rPr lang="en-US" sz="1050" dirty="0" smtClean="0"/>
+              <a:t>Auto Shutdown Control Button</a:t>
+            </a:r>
+            <a:endParaRPr lang="en-US" sz="1050" dirty="0"/>
           </a:p>
         </p:txBody>
       </p:sp>
@@ -6809,8 +8675,8 @@
         </p:nvSpPr>
         <p:spPr bwMode="auto">
           <a:xfrm flipV="1">
-            <a:off x="1332843" y="3004811"/>
-            <a:ext cx="1410358" cy="349478"/>
+            <a:off x="2057400" y="2971800"/>
+            <a:ext cx="2286000" cy="281698"/>
           </a:xfrm>
           <a:prstGeom prst="line">
             <a:avLst/>
@@ -6835,14 +8701,185 @@
       </p:sp>
       <p:sp>
         <p:nvSpPr>
-          <p:cNvPr id="8" name="Rectangle 7"/>
+          <p:cNvPr id="24" name="Text Box 4"/>
+          <p:cNvSpPr txBox="1">
+            <a:spLocks noChangeArrowheads="1"/>
+          </p:cNvSpPr>
+          <p:nvPr/>
+        </p:nvSpPr>
+        <p:spPr bwMode="auto">
+          <a:xfrm>
+            <a:off x="304800" y="5410200"/>
+            <a:ext cx="8458200" cy="830997"/>
+          </a:xfrm>
+          <a:prstGeom prst="rect">
+            <a:avLst/>
+          </a:prstGeom>
+          <a:noFill/>
+          <a:ln w="9525">
+            <a:noFill/>
+            <a:miter lim="800000"/>
+            <a:headEnd/>
+            <a:tailEnd/>
+          </a:ln>
+        </p:spPr>
+        <p:txBody>
+          <a:bodyPr wrap="square">
+            <a:spAutoFit/>
+          </a:bodyPr>
+          <a:lstStyle/>
+          <a:p>
+            <a:pPr>
+              <a:spcBef>
+                <a:spcPct val="50000"/>
+              </a:spcBef>
+            </a:pPr>
+            <a:r>
+              <a:rPr lang="en-US" sz="1600" dirty="0" smtClean="0">
+                <a:solidFill>
+                  <a:srgbClr val="FFFFFF"/>
+                </a:solidFill>
+              </a:rPr>
+              <a:t>After Pressing the Setup Button, the Setup Page will appear.  Here you can control the Display Power, Rack Power, and the Auto Shutdown Routine.  Here you can enable/disable the Auto Shutdown, Turn on and off the Display, and Turn Power On and Off to the Rack.</a:t>
+            </a:r>
+            <a:endParaRPr lang="en-US" sz="1600" dirty="0">
+              <a:solidFill>
+                <a:srgbClr val="FFFFFF"/>
+              </a:solidFill>
+            </a:endParaRPr>
+          </a:p>
+        </p:txBody>
+      </p:sp>
+      <p:sp>
+        <p:nvSpPr>
+          <p:cNvPr id="14" name="Rectangle 35"/>
+          <p:cNvSpPr>
+            <a:spLocks noChangeArrowheads="1"/>
+          </p:cNvSpPr>
+          <p:nvPr/>
+        </p:nvSpPr>
+        <p:spPr bwMode="auto">
+          <a:xfrm>
+            <a:off x="7391401" y="1928064"/>
+            <a:ext cx="1295400" cy="415498"/>
+          </a:xfrm>
+          <a:prstGeom prst="rect">
+            <a:avLst/>
+          </a:prstGeom>
+          <a:noFill/>
+          <a:ln w="9525" algn="ctr">
+            <a:noFill/>
+            <a:miter lim="800000"/>
+            <a:headEnd/>
+            <a:tailEnd/>
+          </a:ln>
+        </p:spPr>
+        <p:txBody>
+          <a:bodyPr>
+            <a:spAutoFit/>
+          </a:bodyPr>
+          <a:lstStyle/>
+          <a:p>
+            <a:pPr algn="l">
+              <a:spcBef>
+                <a:spcPct val="50000"/>
+              </a:spcBef>
+            </a:pPr>
+            <a:r>
+              <a:rPr lang="en-US" sz="1050" dirty="0" smtClean="0"/>
+              <a:t>Press this to close the Setup Page</a:t>
+            </a:r>
+            <a:endParaRPr lang="en-US" sz="1050" dirty="0"/>
+          </a:p>
+        </p:txBody>
+      </p:sp>
+      <p:sp>
+        <p:nvSpPr>
+          <p:cNvPr id="15" name="Line 5"/>
+          <p:cNvSpPr>
+            <a:spLocks noChangeShapeType="1"/>
+          </p:cNvSpPr>
+          <p:nvPr/>
+        </p:nvSpPr>
+        <p:spPr bwMode="auto">
+          <a:xfrm flipH="1">
+            <a:off x="6324600" y="2090316"/>
+            <a:ext cx="1066801" cy="147474"/>
+          </a:xfrm>
+          <a:prstGeom prst="line">
+            <a:avLst/>
+          </a:prstGeom>
+          <a:noFill/>
+          <a:ln w="9525">
+            <a:solidFill>
+              <a:srgbClr val="FB1B03"/>
+            </a:solidFill>
+            <a:round/>
+            <a:headEnd/>
+            <a:tailEnd type="triangle" w="med" len="med"/>
+          </a:ln>
+        </p:spPr>
+        <p:txBody>
+          <a:bodyPr/>
+          <a:lstStyle/>
+          <a:p>
+            <a:endParaRPr lang="en-US"/>
+          </a:p>
+        </p:txBody>
+      </p:sp>
+      <p:sp>
+        <p:nvSpPr>
+          <p:cNvPr id="19" name="Rectangle 35"/>
+          <p:cNvSpPr>
+            <a:spLocks noChangeArrowheads="1"/>
+          </p:cNvSpPr>
+          <p:nvPr/>
+        </p:nvSpPr>
+        <p:spPr bwMode="auto">
+          <a:xfrm>
+            <a:off x="266698" y="4080302"/>
+            <a:ext cx="1943102" cy="415498"/>
+          </a:xfrm>
+          <a:prstGeom prst="rect">
+            <a:avLst/>
+          </a:prstGeom>
+          <a:noFill/>
+          <a:ln w="9525" algn="ctr">
+            <a:noFill/>
+            <a:miter lim="800000"/>
+            <a:headEnd/>
+            <a:tailEnd/>
+          </a:ln>
+        </p:spPr>
+        <p:txBody>
+          <a:bodyPr wrap="square">
+            <a:spAutoFit/>
+          </a:bodyPr>
+          <a:lstStyle/>
+          <a:p>
+            <a:pPr algn="r">
+              <a:spcBef>
+                <a:spcPct val="50000"/>
+              </a:spcBef>
+            </a:pPr>
+            <a:r>
+              <a:rPr lang="en-US" sz="1050" dirty="0" smtClean="0"/>
+              <a:t>Controls the Power to the Sharp Display in the Room</a:t>
+            </a:r>
+            <a:endParaRPr lang="en-US" sz="1050" dirty="0"/>
+          </a:p>
+        </p:txBody>
+      </p:sp>
+      <p:sp>
+        <p:nvSpPr>
+          <p:cNvPr id="20" name="Rectangle 19"/>
           <p:cNvSpPr/>
           <p:nvPr/>
         </p:nvSpPr>
         <p:spPr bwMode="auto">
           <a:xfrm rot="16200000">
-            <a:off x="3520246" y="1966153"/>
-            <a:ext cx="611089" cy="2165179"/>
+            <a:off x="3520441" y="3649981"/>
+            <a:ext cx="609601" cy="502920"/>
           </a:xfrm>
           <a:prstGeom prst="rect">
             <a:avLst/>
@@ -6898,75 +8935,16 @@
       </p:sp>
       <p:sp>
         <p:nvSpPr>
-          <p:cNvPr id="14" name="Rectangle 30"/>
-          <p:cNvSpPr>
-            <a:spLocks noChangeArrowheads="1"/>
+          <p:cNvPr id="21" name="Line 5"/>
+          <p:cNvSpPr>
+            <a:spLocks noChangeShapeType="1"/>
           </p:cNvSpPr>
           <p:nvPr/>
         </p:nvSpPr>
         <p:spPr bwMode="auto">
-          <a:xfrm>
-            <a:off x="7884942" y="3322347"/>
-            <a:ext cx="1182858" cy="523220"/>
-          </a:xfrm>
-          <a:prstGeom prst="rect">
-            <a:avLst/>
-          </a:prstGeom>
-          <a:noFill/>
-          <a:ln w="9525" algn="ctr">
-            <a:noFill/>
-            <a:miter lim="800000"/>
-            <a:headEnd/>
-            <a:tailEnd/>
-          </a:ln>
-        </p:spPr>
-        <p:txBody>
-          <a:bodyPr wrap="square">
-            <a:spAutoFit/>
-          </a:bodyPr>
-          <a:lstStyle/>
-          <a:p>
-            <a:pPr algn="l">
-              <a:spcBef>
-                <a:spcPct val="50000"/>
-              </a:spcBef>
-            </a:pPr>
-            <a:r>
-              <a:rPr lang="en-US" sz="1400" dirty="0" smtClean="0"/>
-              <a:t>Mutes</a:t>
-            </a:r>
-            <a:r>
-              <a:rPr lang="en-US" sz="1200" dirty="0" smtClean="0"/>
-              <a:t> </a:t>
-            </a:r>
-            <a:r>
-              <a:rPr lang="en-US" sz="1400" dirty="0" err="1" smtClean="0"/>
-              <a:t>Mic</a:t>
-            </a:r>
-            <a:r>
-              <a:rPr lang="en-US" sz="1200" dirty="0" smtClean="0"/>
-              <a:t> </a:t>
-            </a:r>
-            <a:r>
-              <a:rPr lang="en-US" sz="1400" dirty="0" smtClean="0"/>
-              <a:t>Audio</a:t>
-            </a:r>
-            <a:endParaRPr lang="en-US" sz="1400" dirty="0"/>
-          </a:p>
-        </p:txBody>
-      </p:sp>
-      <p:sp>
-        <p:nvSpPr>
-          <p:cNvPr id="19" name="Line 31"/>
-          <p:cNvSpPr>
-            <a:spLocks noChangeShapeType="1"/>
-          </p:cNvSpPr>
-          <p:nvPr/>
-        </p:nvSpPr>
-        <p:spPr bwMode="auto">
-          <a:xfrm flipH="1" flipV="1">
-            <a:off x="6477000" y="2807868"/>
-            <a:ext cx="1447800" cy="684247"/>
+          <a:xfrm flipV="1">
+            <a:off x="2209800" y="4191000"/>
+            <a:ext cx="1363982" cy="91645"/>
           </a:xfrm>
           <a:prstGeom prst="line">
             <a:avLst/>
@@ -6991,22 +8969,22 @@
       </p:sp>
       <p:sp>
         <p:nvSpPr>
-          <p:cNvPr id="24" name="Text Box 4"/>
-          <p:cNvSpPr txBox="1">
+          <p:cNvPr id="22" name="Rectangle 35"/>
+          <p:cNvSpPr>
             <a:spLocks noChangeArrowheads="1"/>
           </p:cNvSpPr>
           <p:nvPr/>
         </p:nvSpPr>
         <p:spPr bwMode="auto">
           <a:xfrm>
-            <a:off x="533400" y="5248870"/>
-            <a:ext cx="8077200" cy="923330"/>
+            <a:off x="6972299" y="4401911"/>
+            <a:ext cx="1943102" cy="415498"/>
           </a:xfrm>
           <a:prstGeom prst="rect">
             <a:avLst/>
           </a:prstGeom>
           <a:noFill/>
-          <a:ln w="9525">
+          <a:ln w="9525" algn="ctr">
             <a:noFill/>
             <a:miter lim="800000"/>
             <a:headEnd/>
@@ -7019,111 +8997,120 @@
           </a:bodyPr>
           <a:lstStyle/>
           <a:p>
-            <a:pPr>
+            <a:pPr algn="l">
               <a:spcBef>
                 <a:spcPct val="50000"/>
               </a:spcBef>
             </a:pPr>
             <a:r>
-              <a:rPr lang="en-US" dirty="0" smtClean="0">
-                <a:solidFill>
-                  <a:srgbClr val="FFFFFF"/>
-                </a:solidFill>
-              </a:rPr>
-              <a:t>After Pressing the </a:t>
-            </a:r>
-            <a:r>
-              <a:rPr lang="en-US" dirty="0" err="1" smtClean="0">
-                <a:solidFill>
-                  <a:srgbClr val="FFFFFF"/>
-                </a:solidFill>
-              </a:rPr>
-              <a:t>Mics</a:t>
-            </a:r>
-            <a:r>
-              <a:rPr lang="en-US" dirty="0" smtClean="0">
-                <a:solidFill>
-                  <a:srgbClr val="FFFFFF"/>
-                </a:solidFill>
-              </a:rPr>
-              <a:t> Button, </a:t>
-            </a:r>
-            <a:r>
-              <a:rPr lang="en-US" dirty="0" err="1" smtClean="0">
-                <a:solidFill>
-                  <a:srgbClr val="FFFFFF"/>
-                </a:solidFill>
-              </a:rPr>
-              <a:t>Mic</a:t>
-            </a:r>
-            <a:r>
-              <a:rPr lang="en-US" dirty="0" smtClean="0">
-                <a:solidFill>
-                  <a:srgbClr val="FFFFFF"/>
-                </a:solidFill>
-              </a:rPr>
-              <a:t> Page will appear.  Pressing one of the </a:t>
-            </a:r>
-            <a:r>
-              <a:rPr lang="en-US" dirty="0" err="1" smtClean="0">
-                <a:solidFill>
-                  <a:srgbClr val="FFFFFF"/>
-                </a:solidFill>
-              </a:rPr>
-              <a:t>Destintation</a:t>
-            </a:r>
-            <a:r>
-              <a:rPr lang="en-US" dirty="0" smtClean="0">
-                <a:solidFill>
-                  <a:srgbClr val="FFFFFF"/>
-                </a:solidFill>
-              </a:rPr>
-              <a:t> Buttons will allow the </a:t>
-            </a:r>
-            <a:r>
-              <a:rPr lang="en-US" dirty="0" err="1" smtClean="0">
-                <a:solidFill>
-                  <a:srgbClr val="FFFFFF"/>
-                </a:solidFill>
-              </a:rPr>
-              <a:t>Mic</a:t>
-            </a:r>
-            <a:r>
-              <a:rPr lang="en-US" dirty="0" smtClean="0">
-                <a:solidFill>
-                  <a:srgbClr val="FFFFFF"/>
-                </a:solidFill>
-              </a:rPr>
-              <a:t> to be heard in that area.  Pressing it again will remove the </a:t>
-            </a:r>
-            <a:r>
-              <a:rPr lang="en-US" dirty="0" err="1" smtClean="0">
-                <a:solidFill>
-                  <a:srgbClr val="FFFFFF"/>
-                </a:solidFill>
-              </a:rPr>
-              <a:t>Mic</a:t>
-            </a:r>
-            <a:r>
-              <a:rPr lang="en-US" dirty="0" smtClean="0">
-                <a:solidFill>
-                  <a:srgbClr val="FFFFFF"/>
-                </a:solidFill>
-              </a:rPr>
-              <a:t> from that area.</a:t>
-            </a:r>
-            <a:endParaRPr lang="en-US" dirty="0">
+              <a:rPr lang="en-US" sz="1050" dirty="0" smtClean="0"/>
+              <a:t>Controls the Power to the Sharp Display in the Room</a:t>
+            </a:r>
+            <a:endParaRPr lang="en-US" sz="1050" dirty="0"/>
+          </a:p>
+        </p:txBody>
+      </p:sp>
+      <p:sp>
+        <p:nvSpPr>
+          <p:cNvPr id="23" name="Rectangle 22"/>
+          <p:cNvSpPr/>
+          <p:nvPr/>
+        </p:nvSpPr>
+        <p:spPr bwMode="auto">
+          <a:xfrm rot="16200000">
+            <a:off x="5006339" y="3672840"/>
+            <a:ext cx="609601" cy="457200"/>
+          </a:xfrm>
+          <a:prstGeom prst="rect">
+            <a:avLst/>
+          </a:prstGeom>
+          <a:noFill/>
+          <a:ln w="28575" cap="flat" cmpd="sng" algn="ctr">
+            <a:solidFill>
+              <a:srgbClr val="FF0000"/>
+            </a:solidFill>
+            <a:prstDash val="solid"/>
+            <a:round/>
+            <a:headEnd type="none" w="med" len="med"/>
+            <a:tailEnd type="none" w="med" len="med"/>
+          </a:ln>
+          <a:effectLst/>
+        </p:spPr>
+        <p:txBody>
+          <a:bodyPr vert="horz" wrap="none" lIns="91440" tIns="45720" rIns="91440" bIns="45720" numCol="1" rtlCol="0" anchor="ctr" anchorCtr="0" compatLnSpc="1">
+            <a:prstTxWarp prst="textNoShape">
+              <a:avLst/>
+            </a:prstTxWarp>
+          </a:bodyPr>
+          <a:lstStyle/>
+          <a:p>
+            <a:pPr marL="0" marR="0" indent="0" algn="ctr" defTabSz="914400" rtl="0" eaLnBrk="1" fontAlgn="base" latinLnBrk="0" hangingPunct="1">
+              <a:lnSpc>
+                <a:spcPct val="100000"/>
+              </a:lnSpc>
+              <a:spcBef>
+                <a:spcPct val="0"/>
+              </a:spcBef>
+              <a:spcAft>
+                <a:spcPct val="0"/>
+              </a:spcAft>
+              <a:buClrTx/>
+              <a:buSzTx/>
+              <a:buFontTx/>
+              <a:buNone/>
+              <a:tabLst/>
+            </a:pPr>
+            <a:endParaRPr kumimoji="0" lang="en-US" sz="1800" b="0" i="0" u="none" strike="noStrike" cap="none" normalizeH="0" baseline="0" smtClean="0">
+              <a:ln>
+                <a:noFill/>
+              </a:ln>
               <a:solidFill>
-                <a:srgbClr val="FFFFFF"/>
+                <a:schemeClr val="tx1"/>
               </a:solidFill>
+              <a:effectLst/>
+              <a:latin typeface="Arial" charset="0"/>
             </a:endParaRPr>
+          </a:p>
+        </p:txBody>
+      </p:sp>
+      <p:sp>
+        <p:nvSpPr>
+          <p:cNvPr id="25" name="Line 5"/>
+          <p:cNvSpPr>
+            <a:spLocks noChangeShapeType="1"/>
+          </p:cNvSpPr>
+          <p:nvPr/>
+        </p:nvSpPr>
+        <p:spPr bwMode="auto">
+          <a:xfrm flipH="1" flipV="1">
+            <a:off x="5539740" y="4191000"/>
+            <a:ext cx="1470660" cy="413252"/>
+          </a:xfrm>
+          <a:prstGeom prst="line">
+            <a:avLst/>
+          </a:prstGeom>
+          <a:noFill/>
+          <a:ln w="9525">
+            <a:solidFill>
+              <a:srgbClr val="FB1B03"/>
+            </a:solidFill>
+            <a:round/>
+            <a:headEnd/>
+            <a:tailEnd type="triangle" w="med" len="med"/>
+          </a:ln>
+        </p:spPr>
+        <p:txBody>
+          <a:bodyPr/>
+          <a:lstStyle/>
+          <a:p>
+            <a:endParaRPr lang="en-US"/>
           </a:p>
         </p:txBody>
       </p:sp>
     </p:spTree>
     <p:extLst>
       <p:ext uri="{BB962C8B-B14F-4D97-AF65-F5344CB8AC3E}">
-        <p14:creationId xmlns:p14="http://schemas.microsoft.com/office/powerpoint/2010/main" val="4195553435"/>
+        <p14:creationId xmlns:p14="http://schemas.microsoft.com/office/powerpoint/2010/main" val="1065391788"/>
       </p:ext>
     </p:extLst>
   </p:cSld>
@@ -7160,16 +9147,86 @@
           <a:chExt cx="0" cy="0"/>
         </a:xfrm>
       </p:grpSpPr>
+      <p:sp>
+        <p:nvSpPr>
+          <p:cNvPr id="268291" name="Rectangle 3"/>
+          <p:cNvSpPr>
+            <a:spLocks noGrp="1" noChangeArrowheads="1"/>
+          </p:cNvSpPr>
+          <p:nvPr>
+            <p:ph type="title"/>
+          </p:nvPr>
+        </p:nvSpPr>
+        <p:spPr>
+          <a:xfrm>
+            <a:off x="457200" y="228600"/>
+            <a:ext cx="8229600" cy="838200"/>
+          </a:xfrm>
+        </p:spPr>
+        <p:txBody>
+          <a:bodyPr/>
+          <a:lstStyle/>
+          <a:p>
+            <a:pPr eaLnBrk="1" hangingPunct="1">
+              <a:defRPr/>
+            </a:pPr>
+            <a:r>
+              <a:rPr lang="en-US" sz="4000" dirty="0" smtClean="0"/>
+              <a:t>Wall Plate</a:t>
+            </a:r>
+            <a:r>
+              <a:rPr lang="en-US" sz="4000" dirty="0" smtClean="0"/>
+              <a:t> </a:t>
+            </a:r>
+            <a:r>
+              <a:rPr lang="en-US" sz="4000" dirty="0" smtClean="0"/>
+              <a:t>Input 1 Page</a:t>
+            </a:r>
+          </a:p>
+        </p:txBody>
+      </p:sp>
       <p:pic>
         <p:nvPicPr>
-          <p:cNvPr id="2050" name="Picture 3"/>
+          <p:cNvPr id="11269" name="Picture 19" descr="TEst v116 copy"/>
           <p:cNvPicPr>
             <a:picLocks noChangeAspect="1" noChangeArrowheads="1"/>
           </p:cNvPicPr>
           <p:nvPr/>
         </p:nvPicPr>
         <p:blipFill>
-          <a:blip r:embed="rId3">
+          <a:blip r:embed="rId3" cstate="print"/>
+          <a:srcRect/>
+          <a:stretch>
+            <a:fillRect/>
+          </a:stretch>
+        </p:blipFill>
+        <p:spPr bwMode="auto">
+          <a:xfrm>
+            <a:off x="76200" y="47625"/>
+            <a:ext cx="1676400" cy="333375"/>
+          </a:xfrm>
+          <a:prstGeom prst="rect">
+            <a:avLst/>
+          </a:prstGeom>
+          <a:noFill/>
+          <a:ln w="9525">
+            <a:noFill/>
+            <a:miter lim="800000"/>
+            <a:headEnd/>
+            <a:tailEnd/>
+          </a:ln>
+        </p:spPr>
+      </p:pic>
+      <p:pic>
+        <p:nvPicPr>
+          <p:cNvPr id="4098" name="Picture 1"/>
+          <p:cNvPicPr>
+            <a:picLocks noChangeAspect="1" noChangeArrowheads="1"/>
+          </p:cNvPicPr>
+          <p:nvPr/>
+        </p:nvPicPr>
+        <p:blipFill>
+          <a:blip r:embed="rId4">
             <a:extLst>
               <a:ext uri="{28A0092B-C50C-407E-A947-70E740481C1C}">
                 <a14:useLocalDpi xmlns:a14="http://schemas.microsoft.com/office/drawing/2010/main" val="0"/>
@@ -7182,8 +9239,8 @@
         </p:blipFill>
         <p:spPr bwMode="auto">
           <a:xfrm>
-            <a:off x="5214398" y="2100972"/>
-            <a:ext cx="3216865" cy="2204328"/>
+            <a:off x="2352174" y="1507190"/>
+            <a:ext cx="4439647" cy="2601356"/>
           </a:xfrm>
           <a:prstGeom prst="rect">
             <a:avLst/>
@@ -7215,37 +9272,7 @@
       </p:pic>
       <p:sp>
         <p:nvSpPr>
-          <p:cNvPr id="268291" name="Rectangle 3"/>
-          <p:cNvSpPr>
-            <a:spLocks noGrp="1" noChangeArrowheads="1"/>
-          </p:cNvSpPr>
-          <p:nvPr>
-            <p:ph type="title"/>
-          </p:nvPr>
-        </p:nvSpPr>
-        <p:spPr>
-          <a:xfrm>
-            <a:off x="457200" y="228600"/>
-            <a:ext cx="8229600" cy="838200"/>
-          </a:xfrm>
-        </p:spPr>
-        <p:txBody>
-          <a:bodyPr/>
-          <a:lstStyle/>
-          <a:p>
-            <a:pPr eaLnBrk="1" hangingPunct="1">
-              <a:defRPr/>
-            </a:pPr>
-            <a:r>
-              <a:rPr lang="en-US" sz="4000" dirty="0" smtClean="0"/>
-              <a:t>Power Down Page</a:t>
-            </a:r>
-          </a:p>
-        </p:txBody>
-      </p:sp>
-      <p:sp>
-        <p:nvSpPr>
-          <p:cNvPr id="10245" name="Text Box 4"/>
+          <p:cNvPr id="24" name="Text Box 4"/>
           <p:cNvSpPr txBox="1">
             <a:spLocks noChangeArrowheads="1"/>
           </p:cNvSpPr>
@@ -7253,8 +9280,8 @@
         </p:nvSpPr>
         <p:spPr bwMode="auto">
           <a:xfrm>
-            <a:off x="1066800" y="5311775"/>
-            <a:ext cx="7315200" cy="784225"/>
+            <a:off x="533400" y="5358825"/>
+            <a:ext cx="8077200" cy="584775"/>
           </a:xfrm>
           <a:prstGeom prst="rect">
             <a:avLst/>
@@ -7268,7 +9295,7 @@
           </a:ln>
         </p:spPr>
         <p:txBody>
-          <a:bodyPr>
+          <a:bodyPr wrap="square">
             <a:spAutoFit/>
           </a:bodyPr>
           <a:lstStyle/>
@@ -7279,88 +9306,164 @@
               </a:spcBef>
             </a:pPr>
             <a:r>
-              <a:rPr lang="en-US" dirty="0"/>
-              <a:t>From the Main Screen press the </a:t>
-            </a:r>
-            <a:r>
-              <a:rPr lang="en-US" dirty="0" smtClean="0"/>
-              <a:t>System Off button</a:t>
-            </a:r>
-            <a:r>
-              <a:rPr lang="en-US" dirty="0"/>
-              <a:t>. </a:t>
-            </a:r>
-          </a:p>
-          <a:p>
-            <a:pPr>
-              <a:spcBef>
-                <a:spcPct val="50000"/>
-              </a:spcBef>
-            </a:pPr>
-            <a:r>
-              <a:rPr lang="en-US" dirty="0"/>
-              <a:t>Then press the </a:t>
-            </a:r>
-            <a:r>
-              <a:rPr lang="en-US" dirty="0" smtClean="0"/>
-              <a:t>Power Down button </a:t>
-            </a:r>
-            <a:r>
-              <a:rPr lang="en-US" dirty="0"/>
-              <a:t>to turn the system off</a:t>
-            </a:r>
-            <a:r>
-              <a:rPr lang="en-US" dirty="0" smtClean="0"/>
-              <a:t>.  </a:t>
-            </a:r>
-            <a:endParaRPr lang="en-US" dirty="0"/>
-          </a:p>
-        </p:txBody>
-      </p:sp>
-      <p:pic>
-        <p:nvPicPr>
-          <p:cNvPr id="10246" name="Picture 19" descr="TEst v116 copy"/>
-          <p:cNvPicPr>
-            <a:picLocks noChangeAspect="1" noChangeArrowheads="1"/>
-          </p:cNvPicPr>
+              <a:rPr lang="en-US" sz="1600" dirty="0" smtClean="0">
+                <a:solidFill>
+                  <a:srgbClr val="FFFFFF"/>
+                </a:solidFill>
+              </a:rPr>
+              <a:t>After Pressing the </a:t>
+            </a:r>
+            <a:r>
+              <a:rPr lang="en-US" sz="1600" dirty="0" smtClean="0">
+                <a:solidFill>
+                  <a:srgbClr val="FFFFFF"/>
+                </a:solidFill>
+              </a:rPr>
+              <a:t>Wall Plate </a:t>
+            </a:r>
+            <a:r>
+              <a:rPr lang="en-US" sz="1600" dirty="0" smtClean="0">
+                <a:solidFill>
+                  <a:srgbClr val="FFFFFF"/>
+                </a:solidFill>
+              </a:rPr>
+              <a:t>1 </a:t>
+            </a:r>
+            <a:r>
+              <a:rPr lang="en-US" sz="1600" dirty="0" smtClean="0">
+                <a:solidFill>
+                  <a:srgbClr val="FFFFFF"/>
+                </a:solidFill>
+              </a:rPr>
+              <a:t>Button, the </a:t>
+            </a:r>
+            <a:r>
+              <a:rPr lang="en-US" sz="1600" dirty="0" smtClean="0">
+                <a:solidFill>
+                  <a:srgbClr val="FFFFFF"/>
+                </a:solidFill>
+              </a:rPr>
+              <a:t>Wall Plate</a:t>
+            </a:r>
+            <a:r>
+              <a:rPr lang="en-US" sz="1600" dirty="0" smtClean="0">
+                <a:solidFill>
+                  <a:srgbClr val="FFFFFF"/>
+                </a:solidFill>
+              </a:rPr>
+              <a:t> </a:t>
+            </a:r>
+            <a:r>
+              <a:rPr lang="en-US" sz="1600" dirty="0" smtClean="0">
+                <a:solidFill>
+                  <a:srgbClr val="FFFFFF"/>
+                </a:solidFill>
+              </a:rPr>
+              <a:t>Input 1 Page will appear.  This will cause the </a:t>
+            </a:r>
+            <a:r>
+              <a:rPr lang="en-US" sz="1600" dirty="0" smtClean="0">
+                <a:solidFill>
+                  <a:srgbClr val="FFFFFF"/>
+                </a:solidFill>
+              </a:rPr>
+              <a:t>Stage Left Wall</a:t>
+            </a:r>
+            <a:r>
+              <a:rPr lang="en-US" sz="1600" dirty="0" smtClean="0">
+                <a:solidFill>
+                  <a:srgbClr val="FFFFFF"/>
+                </a:solidFill>
+              </a:rPr>
+              <a:t> </a:t>
+            </a:r>
+            <a:r>
+              <a:rPr lang="en-US" sz="1600" dirty="0" smtClean="0">
+                <a:solidFill>
+                  <a:srgbClr val="FFFFFF"/>
+                </a:solidFill>
+              </a:rPr>
+              <a:t>input to appear on the Main Screen</a:t>
+            </a:r>
+            <a:r>
+              <a:rPr lang="en-US" sz="1600" dirty="0" smtClean="0">
+                <a:solidFill>
+                  <a:srgbClr val="FFFFFF"/>
+                </a:solidFill>
+              </a:rPr>
+              <a:t>.</a:t>
+            </a:r>
+            <a:endParaRPr lang="en-US" sz="1600" dirty="0">
+              <a:solidFill>
+                <a:srgbClr val="FFFFFF"/>
+              </a:solidFill>
+            </a:endParaRPr>
+          </a:p>
+        </p:txBody>
+      </p:sp>
+      <p:sp>
+        <p:nvSpPr>
+          <p:cNvPr id="11" name="Rectangle 35"/>
+          <p:cNvSpPr>
+            <a:spLocks noChangeArrowheads="1"/>
+          </p:cNvSpPr>
           <p:nvPr/>
-        </p:nvPicPr>
-        <p:blipFill>
-          <a:blip r:embed="rId4" cstate="print"/>
-          <a:srcRect/>
-          <a:stretch>
-            <a:fillRect/>
-          </a:stretch>
-        </p:blipFill>
+        </p:nvSpPr>
         <p:spPr bwMode="auto">
           <a:xfrm>
-            <a:off x="76200" y="47625"/>
-            <a:ext cx="1676400" cy="333375"/>
+            <a:off x="0" y="3736776"/>
+            <a:ext cx="1644262" cy="461665"/>
           </a:xfrm>
           <a:prstGeom prst="rect">
             <a:avLst/>
           </a:prstGeom>
           <a:noFill/>
-          <a:ln w="9525">
+          <a:ln w="9525" algn="ctr">
             <a:noFill/>
             <a:miter lim="800000"/>
             <a:headEnd/>
             <a:tailEnd/>
           </a:ln>
         </p:spPr>
-      </p:pic>
-      <p:sp>
-        <p:nvSpPr>
-          <p:cNvPr id="10248" name="Line 5"/>
+        <p:txBody>
+          <a:bodyPr wrap="square">
+            <a:spAutoFit/>
+          </a:bodyPr>
+          <a:lstStyle/>
+          <a:p>
+            <a:pPr algn="r">
+              <a:spcBef>
+                <a:spcPct val="50000"/>
+              </a:spcBef>
+            </a:pPr>
+            <a:r>
+              <a:rPr lang="en-US" sz="1200" dirty="0" smtClean="0"/>
+              <a:t>Wall Plate 1</a:t>
+            </a:r>
+            <a:r>
+              <a:rPr lang="en-US" sz="1200" dirty="0" smtClean="0"/>
+              <a:t> </a:t>
+            </a:r>
+            <a:r>
+              <a:rPr lang="en-US" sz="1200" dirty="0" smtClean="0"/>
+              <a:t>Input Source Button</a:t>
+            </a:r>
+            <a:endParaRPr lang="en-US" sz="1200" dirty="0"/>
+          </a:p>
+        </p:txBody>
+      </p:sp>
+      <p:sp>
+        <p:nvSpPr>
+          <p:cNvPr id="12" name="Line 5"/>
           <p:cNvSpPr>
             <a:spLocks noChangeShapeType="1"/>
           </p:cNvSpPr>
           <p:nvPr/>
         </p:nvSpPr>
         <p:spPr bwMode="auto">
-          <a:xfrm flipH="1" flipV="1">
-            <a:off x="6248400" y="3429000"/>
-            <a:ext cx="1219200" cy="2057400"/>
+          <a:xfrm flipV="1">
+            <a:off x="1659503" y="3600881"/>
+            <a:ext cx="1007498" cy="271789"/>
           </a:xfrm>
           <a:prstGeom prst="line">
             <a:avLst/>
@@ -7383,69 +9486,12 @@
           </a:p>
         </p:txBody>
       </p:sp>
-      <p:pic>
-        <p:nvPicPr>
-          <p:cNvPr id="10" name="Picture 9"/>
-          <p:cNvPicPr/>
-          <p:nvPr/>
-        </p:nvPicPr>
-        <p:blipFill>
-          <a:blip r:embed="rId5">
-            <a:extLst>
-              <a:ext uri="{28A0092B-C50C-407E-A947-70E740481C1C}">
-                <a14:useLocalDpi xmlns:a14="http://schemas.microsoft.com/office/drawing/2010/main" val="0"/>
-              </a:ext>
-            </a:extLst>
-          </a:blip>
-          <a:stretch>
-            <a:fillRect/>
-          </a:stretch>
-        </p:blipFill>
-        <p:spPr>
-          <a:xfrm>
-            <a:off x="808010" y="2100972"/>
-            <a:ext cx="3222679" cy="2208312"/>
-          </a:xfrm>
-          <a:prstGeom prst="rect">
-            <a:avLst/>
-          </a:prstGeom>
-        </p:spPr>
-      </p:pic>
-      <p:sp>
-        <p:nvSpPr>
-          <p:cNvPr id="10247" name="Line 5"/>
-          <p:cNvSpPr>
-            <a:spLocks noChangeShapeType="1"/>
-          </p:cNvSpPr>
-          <p:nvPr/>
-        </p:nvSpPr>
-        <p:spPr bwMode="auto">
-          <a:xfrm flipV="1">
-            <a:off x="1981200" y="2895600"/>
-            <a:ext cx="1371600" cy="2438400"/>
-          </a:xfrm>
-          <a:prstGeom prst="line">
-            <a:avLst/>
-          </a:prstGeom>
-          <a:noFill/>
-          <a:ln w="9525">
-            <a:solidFill>
-              <a:srgbClr val="FB1B03"/>
-            </a:solidFill>
-            <a:round/>
-            <a:headEnd/>
-            <a:tailEnd type="triangle" w="med" len="med"/>
-          </a:ln>
-        </p:spPr>
-        <p:txBody>
-          <a:bodyPr/>
-          <a:lstStyle/>
-          <a:p>
-            <a:endParaRPr lang="en-US"/>
-          </a:p>
-        </p:txBody>
-      </p:sp>
     </p:spTree>
+    <p:extLst>
+      <p:ext uri="{BB962C8B-B14F-4D97-AF65-F5344CB8AC3E}">
+        <p14:creationId xmlns:p14="http://schemas.microsoft.com/office/powerpoint/2010/main" val="4195553435"/>
+      </p:ext>
+    </p:extLst>
   </p:cSld>
   <p:clrMapOvr>
     <a:masterClrMapping/>
@@ -7505,101 +9551,15 @@
             </a:pPr>
             <a:r>
               <a:rPr lang="en-US" sz="4000" dirty="0" smtClean="0"/>
-              <a:t>Shut Down Page</a:t>
-            </a:r>
-          </a:p>
-        </p:txBody>
-      </p:sp>
-      <p:sp>
-        <p:nvSpPr>
-          <p:cNvPr id="11268" name="Text Box 4"/>
-          <p:cNvSpPr txBox="1">
-            <a:spLocks noChangeArrowheads="1"/>
-          </p:cNvSpPr>
-          <p:nvPr/>
-        </p:nvSpPr>
-        <p:spPr bwMode="auto">
-          <a:xfrm>
-            <a:off x="914400" y="5121275"/>
-            <a:ext cx="7315200" cy="923925"/>
-          </a:xfrm>
-          <a:prstGeom prst="rect">
-            <a:avLst/>
-          </a:prstGeom>
-          <a:noFill/>
-          <a:ln w="9525">
-            <a:noFill/>
-            <a:miter lim="800000"/>
-            <a:headEnd/>
-            <a:tailEnd/>
-          </a:ln>
-        </p:spPr>
-        <p:txBody>
-          <a:bodyPr>
-            <a:spAutoFit/>
-          </a:bodyPr>
-          <a:lstStyle/>
-          <a:p>
-            <a:pPr>
-              <a:spcBef>
-                <a:spcPct val="50000"/>
-              </a:spcBef>
-            </a:pPr>
-            <a:r>
-              <a:rPr lang="en-US" dirty="0">
-                <a:solidFill>
-                  <a:srgbClr val="FFFFFF"/>
-                </a:solidFill>
-              </a:rPr>
-              <a:t>After pressing </a:t>
-            </a:r>
-            <a:r>
-              <a:rPr lang="en-US" dirty="0" smtClean="0">
-                <a:solidFill>
-                  <a:srgbClr val="FFFFFF"/>
-                </a:solidFill>
-              </a:rPr>
-              <a:t>the Power </a:t>
-            </a:r>
-            <a:r>
-              <a:rPr lang="en-US" dirty="0">
-                <a:solidFill>
-                  <a:srgbClr val="FFFFFF"/>
-                </a:solidFill>
-              </a:rPr>
-              <a:t>Down button the screen above displays for </a:t>
-            </a:r>
-            <a:r>
-              <a:rPr lang="en-US" dirty="0" smtClean="0">
-                <a:solidFill>
-                  <a:srgbClr val="FFFFFF"/>
-                </a:solidFill>
-              </a:rPr>
-              <a:t>90 </a:t>
-            </a:r>
-            <a:r>
-              <a:rPr lang="en-US" dirty="0">
-                <a:solidFill>
-                  <a:srgbClr val="FFFFFF"/>
-                </a:solidFill>
-              </a:rPr>
-              <a:t>seconds while the system shuts down and then the </a:t>
-            </a:r>
-            <a:r>
-              <a:rPr lang="en-US" dirty="0" smtClean="0">
-                <a:solidFill>
-                  <a:srgbClr val="FFFFFF"/>
-                </a:solidFill>
-              </a:rPr>
-              <a:t>Start </a:t>
-            </a:r>
-            <a:r>
-              <a:rPr lang="en-US" dirty="0">
-                <a:solidFill>
-                  <a:srgbClr val="FFFFFF"/>
-                </a:solidFill>
-              </a:rPr>
-              <a:t>page is displayed.</a:t>
+              <a:t>Wall Plate</a:t>
+            </a:r>
+            <a:r>
+              <a:rPr lang="en-US" sz="4000" dirty="0" smtClean="0"/>
+              <a:t> </a:t>
+            </a:r>
+            <a:r>
+              <a:rPr lang="en-US" sz="4000" dirty="0" smtClean="0"/>
+              <a:t>Input 2 Page</a:t>
             </a:r>
           </a:p>
         </p:txBody>
@@ -7638,7 +9598,7 @@
       </p:pic>
       <p:pic>
         <p:nvPicPr>
-          <p:cNvPr id="1026" name="Picture 1"/>
+          <p:cNvPr id="4098" name="Picture 1"/>
           <p:cNvPicPr>
             <a:picLocks noChangeAspect="1" noChangeArrowheads="1"/>
           </p:cNvPicPr>
@@ -7658,8 +9618,8 @@
         </p:blipFill>
         <p:spPr bwMode="auto">
           <a:xfrm>
-            <a:off x="1878332" y="1143817"/>
-            <a:ext cx="5387335" cy="3691623"/>
+            <a:off x="2352174" y="1507190"/>
+            <a:ext cx="4439647" cy="2601355"/>
           </a:xfrm>
           <a:prstGeom prst="rect">
             <a:avLst/>
@@ -7689,7 +9649,220 @@
           </a:extLst>
         </p:spPr>
       </p:pic>
+      <p:sp>
+        <p:nvSpPr>
+          <p:cNvPr id="24" name="Text Box 4"/>
+          <p:cNvSpPr txBox="1">
+            <a:spLocks noChangeArrowheads="1"/>
+          </p:cNvSpPr>
+          <p:nvPr/>
+        </p:nvSpPr>
+        <p:spPr bwMode="auto">
+          <a:xfrm>
+            <a:off x="533400" y="5248870"/>
+            <a:ext cx="8077200" cy="584775"/>
+          </a:xfrm>
+          <a:prstGeom prst="rect">
+            <a:avLst/>
+          </a:prstGeom>
+          <a:noFill/>
+          <a:ln w="9525">
+            <a:noFill/>
+            <a:miter lim="800000"/>
+            <a:headEnd/>
+            <a:tailEnd/>
+          </a:ln>
+        </p:spPr>
+        <p:txBody>
+          <a:bodyPr wrap="square">
+            <a:spAutoFit/>
+          </a:bodyPr>
+          <a:lstStyle/>
+          <a:p>
+            <a:pPr>
+              <a:spcBef>
+                <a:spcPct val="50000"/>
+              </a:spcBef>
+            </a:pPr>
+            <a:r>
+              <a:rPr lang="en-US" sz="1600" dirty="0" smtClean="0">
+                <a:solidFill>
+                  <a:srgbClr val="FFFFFF"/>
+                </a:solidFill>
+              </a:rPr>
+              <a:t>After Pressing the </a:t>
+            </a:r>
+            <a:r>
+              <a:rPr lang="en-US" sz="1600" dirty="0" smtClean="0">
+                <a:solidFill>
+                  <a:srgbClr val="FFFFFF"/>
+                </a:solidFill>
+              </a:rPr>
+              <a:t>Wall Plate</a:t>
+            </a:r>
+            <a:r>
+              <a:rPr lang="en-US" sz="1600" dirty="0" smtClean="0">
+                <a:solidFill>
+                  <a:srgbClr val="FFFFFF"/>
+                </a:solidFill>
+              </a:rPr>
+              <a:t> </a:t>
+            </a:r>
+            <a:r>
+              <a:rPr lang="en-US" sz="1600" dirty="0" smtClean="0">
+                <a:solidFill>
+                  <a:srgbClr val="FFFFFF"/>
+                </a:solidFill>
+              </a:rPr>
+              <a:t>2 Button, the </a:t>
+            </a:r>
+            <a:r>
+              <a:rPr lang="en-US" sz="1600" dirty="0" smtClean="0">
+                <a:solidFill>
+                  <a:srgbClr val="FFFFFF"/>
+                </a:solidFill>
+              </a:rPr>
+              <a:t>Wall Plate</a:t>
+            </a:r>
+            <a:r>
+              <a:rPr lang="en-US" sz="1600" dirty="0" smtClean="0">
+                <a:solidFill>
+                  <a:srgbClr val="FFFFFF"/>
+                </a:solidFill>
+              </a:rPr>
+              <a:t> </a:t>
+            </a:r>
+            <a:r>
+              <a:rPr lang="en-US" sz="1600" dirty="0" smtClean="0">
+                <a:solidFill>
+                  <a:srgbClr val="FFFFFF"/>
+                </a:solidFill>
+              </a:rPr>
+              <a:t>Input 2 Page will appear.  This will cause </a:t>
+            </a:r>
+            <a:r>
+              <a:rPr lang="en-US" sz="1600" dirty="0" smtClean="0">
+                <a:solidFill>
+                  <a:srgbClr val="FFFFFF"/>
+                </a:solidFill>
+              </a:rPr>
+              <a:t>the Stage Right Wall input </a:t>
+            </a:r>
+            <a:r>
+              <a:rPr lang="en-US" sz="1600" dirty="0" smtClean="0">
+                <a:solidFill>
+                  <a:srgbClr val="FFFFFF"/>
+                </a:solidFill>
+              </a:rPr>
+              <a:t>to appear on the Main Screen</a:t>
+            </a:r>
+            <a:r>
+              <a:rPr lang="en-US" sz="1600" dirty="0" smtClean="0">
+                <a:solidFill>
+                  <a:srgbClr val="FFFFFF"/>
+                </a:solidFill>
+              </a:rPr>
+              <a:t>.</a:t>
+            </a:r>
+            <a:endParaRPr lang="en-US" sz="1600" dirty="0">
+              <a:solidFill>
+                <a:srgbClr val="FFFFFF"/>
+              </a:solidFill>
+            </a:endParaRPr>
+          </a:p>
+        </p:txBody>
+      </p:sp>
+      <p:sp>
+        <p:nvSpPr>
+          <p:cNvPr id="11" name="Rectangle 35"/>
+          <p:cNvSpPr>
+            <a:spLocks noChangeArrowheads="1"/>
+          </p:cNvSpPr>
+          <p:nvPr/>
+        </p:nvSpPr>
+        <p:spPr bwMode="auto">
+          <a:xfrm>
+            <a:off x="0" y="3736776"/>
+            <a:ext cx="1644262" cy="461665"/>
+          </a:xfrm>
+          <a:prstGeom prst="rect">
+            <a:avLst/>
+          </a:prstGeom>
+          <a:noFill/>
+          <a:ln w="9525" algn="ctr">
+            <a:noFill/>
+            <a:miter lim="800000"/>
+            <a:headEnd/>
+            <a:tailEnd/>
+          </a:ln>
+        </p:spPr>
+        <p:txBody>
+          <a:bodyPr wrap="square">
+            <a:spAutoFit/>
+          </a:bodyPr>
+          <a:lstStyle/>
+          <a:p>
+            <a:pPr algn="r">
+              <a:spcBef>
+                <a:spcPct val="50000"/>
+              </a:spcBef>
+            </a:pPr>
+            <a:r>
+              <a:rPr lang="en-US" sz="1200" dirty="0" smtClean="0"/>
+              <a:t>Wall Plate</a:t>
+            </a:r>
+            <a:r>
+              <a:rPr lang="en-US" sz="1200" dirty="0" smtClean="0"/>
+              <a:t> </a:t>
+            </a:r>
+            <a:r>
+              <a:rPr lang="en-US" sz="1200" dirty="0" smtClean="0"/>
+              <a:t>2 Input Source Button</a:t>
+            </a:r>
+            <a:endParaRPr lang="en-US" sz="1200" dirty="0"/>
+          </a:p>
+        </p:txBody>
+      </p:sp>
+      <p:sp>
+        <p:nvSpPr>
+          <p:cNvPr id="12" name="Line 5"/>
+          <p:cNvSpPr>
+            <a:spLocks noChangeShapeType="1"/>
+          </p:cNvSpPr>
+          <p:nvPr/>
+        </p:nvSpPr>
+        <p:spPr bwMode="auto">
+          <a:xfrm flipV="1">
+            <a:off x="1659502" y="3600880"/>
+            <a:ext cx="1693297" cy="271789"/>
+          </a:xfrm>
+          <a:prstGeom prst="line">
+            <a:avLst/>
+          </a:prstGeom>
+          <a:noFill/>
+          <a:ln w="9525">
+            <a:solidFill>
+              <a:srgbClr val="FB1B03"/>
+            </a:solidFill>
+            <a:round/>
+            <a:headEnd/>
+            <a:tailEnd type="triangle" w="med" len="med"/>
+          </a:ln>
+        </p:spPr>
+        <p:txBody>
+          <a:bodyPr/>
+          <a:lstStyle/>
+          <a:p>
+            <a:endParaRPr lang="en-US"/>
+          </a:p>
+        </p:txBody>
+      </p:sp>
     </p:spTree>
+    <p:extLst>
+      <p:ext uri="{BB962C8B-B14F-4D97-AF65-F5344CB8AC3E}">
+        <p14:creationId xmlns:p14="http://schemas.microsoft.com/office/powerpoint/2010/main" val="3283940620"/>
+      </p:ext>
+    </p:extLst>
   </p:cSld>
   <p:clrMapOvr>
     <a:masterClrMapping/>
@@ -7726,249 +9899,45 @@
       </p:grpSpPr>
       <p:sp>
         <p:nvSpPr>
-          <p:cNvPr id="12290" name="Text Box 11"/>
-          <p:cNvSpPr txBox="1">
-            <a:spLocks noChangeArrowheads="1"/>
-          </p:cNvSpPr>
-          <p:nvPr/>
-        </p:nvSpPr>
-        <p:spPr bwMode="auto">
+          <p:cNvPr id="268291" name="Rectangle 3"/>
+          <p:cNvSpPr>
+            <a:spLocks noGrp="1" noChangeArrowheads="1"/>
+          </p:cNvSpPr>
+          <p:nvPr>
+            <p:ph type="title"/>
+          </p:nvPr>
+        </p:nvSpPr>
+        <p:spPr>
           <a:xfrm>
-            <a:off x="1447800" y="425450"/>
-            <a:ext cx="5867400" cy="641350"/>
-          </a:xfrm>
-          <a:prstGeom prst="rect">
-            <a:avLst/>
-          </a:prstGeom>
-          <a:noFill/>
-          <a:ln w="9525">
-            <a:noFill/>
-            <a:miter lim="800000"/>
-            <a:headEnd/>
-            <a:tailEnd/>
-          </a:ln>
-        </p:spPr>
-        <p:txBody>
-          <a:bodyPr>
-            <a:spAutoFit/>
-          </a:bodyPr>
-          <a:lstStyle/>
-          <a:p>
-            <a:pPr algn="l">
-              <a:spcBef>
-                <a:spcPct val="50000"/>
-              </a:spcBef>
+            <a:off x="457200" y="228600"/>
+            <a:ext cx="8229600" cy="838200"/>
+          </a:xfrm>
+        </p:spPr>
+        <p:txBody>
+          <a:bodyPr/>
+          <a:lstStyle/>
+          <a:p>
+            <a:pPr eaLnBrk="1" hangingPunct="1">
+              <a:defRPr/>
             </a:pPr>
             <a:r>
-              <a:rPr lang="en-US" sz="3600" b="1"/>
-              <a:t>Service Resource Guide</a:t>
-            </a:r>
-            <a:endParaRPr lang="en-US" sz="4000" b="1"/>
-          </a:p>
-        </p:txBody>
-      </p:sp>
-      <p:sp>
-        <p:nvSpPr>
-          <p:cNvPr id="12291" name="Text Box 12"/>
-          <p:cNvSpPr txBox="1">
-            <a:spLocks noChangeArrowheads="1"/>
-          </p:cNvSpPr>
-          <p:nvPr/>
-        </p:nvSpPr>
-        <p:spPr bwMode="auto">
-          <a:xfrm>
-            <a:off x="0" y="1219200"/>
-            <a:ext cx="8001000" cy="2430463"/>
-          </a:xfrm>
-          <a:prstGeom prst="rect">
-            <a:avLst/>
-          </a:prstGeom>
-          <a:noFill/>
-          <a:ln w="9525">
-            <a:noFill/>
-            <a:miter lim="800000"/>
-            <a:headEnd/>
-            <a:tailEnd/>
-          </a:ln>
-        </p:spPr>
-        <p:txBody>
-          <a:bodyPr>
-            <a:spAutoFit/>
-          </a:bodyPr>
-          <a:lstStyle/>
-          <a:p>
-            <a:pPr algn="l">
-              <a:spcBef>
-                <a:spcPct val="50000"/>
-              </a:spcBef>
-            </a:pPr>
-            <a:r>
-              <a:rPr lang="en-US" b="1" i="1" u="sng"/>
-              <a:t>Monitor is on but no image</a:t>
-            </a:r>
-            <a:endParaRPr lang="en-US"/>
-          </a:p>
-          <a:p>
-            <a:pPr lvl="1" algn="l">
-              <a:spcBef>
-                <a:spcPct val="50000"/>
-              </a:spcBef>
-              <a:buFontTx/>
-              <a:buChar char="•"/>
-            </a:pPr>
-            <a:r>
-              <a:rPr lang="en-US"/>
-              <a:t>Are all cables properly connected</a:t>
-            </a:r>
-          </a:p>
-          <a:p>
-            <a:pPr lvl="1" algn="l">
-              <a:spcBef>
-                <a:spcPct val="50000"/>
-              </a:spcBef>
-              <a:buFontTx/>
-              <a:buChar char="•"/>
-            </a:pPr>
-            <a:r>
-              <a:rPr lang="en-US"/>
-              <a:t>Is laptop output toggled on?</a:t>
-            </a:r>
-          </a:p>
-          <a:p>
-            <a:pPr lvl="1" algn="l">
-              <a:spcBef>
-                <a:spcPct val="50000"/>
-              </a:spcBef>
-              <a:buFontTx/>
-              <a:buChar char="•"/>
-            </a:pPr>
-            <a:r>
-              <a:rPr lang="en-US"/>
-              <a:t>Is the device turned on?</a:t>
-            </a:r>
-          </a:p>
-          <a:p>
-            <a:pPr lvl="1" algn="l">
-              <a:spcBef>
-                <a:spcPct val="50000"/>
-              </a:spcBef>
-              <a:buFontTx/>
-              <a:buChar char="•"/>
-            </a:pPr>
-            <a:r>
-              <a:rPr lang="en-US"/>
-              <a:t>Call our office for service (336) 714-0564</a:t>
-            </a:r>
-          </a:p>
-          <a:p>
-            <a:pPr lvl="1" algn="l">
-              <a:spcBef>
-                <a:spcPct val="50000"/>
-              </a:spcBef>
-              <a:buFontTx/>
-              <a:buChar char="•"/>
-            </a:pPr>
-            <a:endParaRPr lang="en-US"/>
-          </a:p>
-        </p:txBody>
-      </p:sp>
-      <p:sp>
-        <p:nvSpPr>
-          <p:cNvPr id="12292" name="Text Box 13"/>
-          <p:cNvSpPr txBox="1">
-            <a:spLocks noChangeArrowheads="1"/>
-          </p:cNvSpPr>
-          <p:nvPr/>
-        </p:nvSpPr>
-        <p:spPr bwMode="auto">
-          <a:xfrm>
-            <a:off x="0" y="3733800"/>
-            <a:ext cx="6477000" cy="2032000"/>
-          </a:xfrm>
-          <a:prstGeom prst="rect">
-            <a:avLst/>
-          </a:prstGeom>
-          <a:noFill/>
-          <a:ln w="9525">
-            <a:noFill/>
-            <a:miter lim="800000"/>
-            <a:headEnd/>
-            <a:tailEnd/>
-          </a:ln>
-        </p:spPr>
-        <p:txBody>
-          <a:bodyPr>
-            <a:spAutoFit/>
-          </a:bodyPr>
-          <a:lstStyle/>
-          <a:p>
-            <a:pPr algn="l">
-              <a:spcBef>
-                <a:spcPct val="50000"/>
-              </a:spcBef>
-            </a:pPr>
-            <a:r>
-              <a:rPr lang="en-US" b="1" i="1" u="sng"/>
-              <a:t>I see the image but hear no sound</a:t>
-            </a:r>
-          </a:p>
-          <a:p>
-            <a:pPr lvl="1" algn="l">
-              <a:spcBef>
-                <a:spcPct val="50000"/>
-              </a:spcBef>
-              <a:buFontTx/>
-              <a:buChar char="•"/>
-            </a:pPr>
-            <a:r>
-              <a:rPr lang="en-US"/>
-              <a:t>Check the “mute” button</a:t>
-            </a:r>
-          </a:p>
-          <a:p>
-            <a:pPr lvl="1" algn="l">
-              <a:spcBef>
-                <a:spcPct val="50000"/>
-              </a:spcBef>
-              <a:buFontTx/>
-              <a:buChar char="•"/>
-            </a:pPr>
-            <a:r>
-              <a:rPr lang="en-US"/>
-              <a:t>Select and press volume up then volume down</a:t>
-            </a:r>
-          </a:p>
-          <a:p>
-            <a:pPr lvl="1" algn="l">
-              <a:spcBef>
-                <a:spcPct val="50000"/>
-              </a:spcBef>
-              <a:buFontTx/>
-              <a:buChar char="•"/>
-            </a:pPr>
-            <a:r>
-              <a:rPr lang="en-US"/>
-              <a:t>Has someone turned the amplifier off at the rack</a:t>
-            </a:r>
-          </a:p>
-          <a:p>
-            <a:pPr lvl="1" algn="l">
-              <a:spcBef>
-                <a:spcPct val="50000"/>
-              </a:spcBef>
-              <a:buFontTx/>
-              <a:buChar char="•"/>
-            </a:pPr>
-            <a:r>
-              <a:rPr lang="en-US"/>
-              <a:t>Call our office for service (336) 714-0564</a:t>
+              <a:rPr lang="en-US" sz="4000" dirty="0" smtClean="0"/>
+              <a:t>Executive Overflow</a:t>
+            </a:r>
+            <a:r>
+              <a:rPr lang="en-US" sz="4000" dirty="0" smtClean="0"/>
+              <a:t> </a:t>
+            </a:r>
+            <a:r>
+              <a:rPr lang="en-US" sz="4000" dirty="0" smtClean="0"/>
+              <a:t>Input Page</a:t>
             </a:r>
           </a:p>
         </p:txBody>
       </p:sp>
       <p:pic>
         <p:nvPicPr>
-          <p:cNvPr id="12293" name="Picture 19" descr="TEst v116 copy"/>
+          <p:cNvPr id="11269" name="Picture 19" descr="TEst v116 copy"/>
           <p:cNvPicPr>
             <a:picLocks noChangeAspect="1" noChangeArrowheads="1"/>
           </p:cNvPicPr>
@@ -7998,7 +9967,313 @@
           </a:ln>
         </p:spPr>
       </p:pic>
+      <p:pic>
+        <p:nvPicPr>
+          <p:cNvPr id="4098" name="Picture 1"/>
+          <p:cNvPicPr>
+            <a:picLocks noChangeAspect="1" noChangeArrowheads="1"/>
+          </p:cNvPicPr>
+          <p:nvPr/>
+        </p:nvPicPr>
+        <p:blipFill>
+          <a:blip r:embed="rId4">
+            <a:extLst>
+              <a:ext uri="{28A0092B-C50C-407E-A947-70E740481C1C}">
+                <a14:useLocalDpi xmlns:a14="http://schemas.microsoft.com/office/drawing/2010/main" val="0"/>
+              </a:ext>
+            </a:extLst>
+          </a:blip>
+          <a:stretch>
+            <a:fillRect/>
+          </a:stretch>
+        </p:blipFill>
+        <p:spPr bwMode="auto">
+          <a:xfrm>
+            <a:off x="2352175" y="1507190"/>
+            <a:ext cx="4439645" cy="2601355"/>
+          </a:xfrm>
+          <a:prstGeom prst="rect">
+            <a:avLst/>
+          </a:prstGeom>
+          <a:noFill/>
+          <a:ln>
+            <a:noFill/>
+          </a:ln>
+          <a:extLst>
+            <a:ext uri="{909E8E84-426E-40DD-AFC4-6F175D3DCCD1}">
+              <a14:hiddenFill xmlns:a14="http://schemas.microsoft.com/office/drawing/2010/main">
+                <a:solidFill>
+                  <a:srgbClr val="FFFFFF"/>
+                </a:solidFill>
+              </a14:hiddenFill>
+            </a:ext>
+            <a:ext uri="{91240B29-F687-4F45-9708-019B960494DF}">
+              <a14:hiddenLine xmlns:a14="http://schemas.microsoft.com/office/drawing/2010/main" w="9525">
+                <a:solidFill>
+                  <a:srgbClr val="000000"/>
+                </a:solidFill>
+                <a:miter lim="800000"/>
+                <a:headEnd/>
+                <a:tailEnd/>
+              </a14:hiddenLine>
+            </a:ext>
+          </a:extLst>
+        </p:spPr>
+      </p:pic>
+      <p:sp>
+        <p:nvSpPr>
+          <p:cNvPr id="24" name="Text Box 4"/>
+          <p:cNvSpPr txBox="1">
+            <a:spLocks noChangeArrowheads="1"/>
+          </p:cNvSpPr>
+          <p:nvPr/>
+        </p:nvSpPr>
+        <p:spPr bwMode="auto">
+          <a:xfrm>
+            <a:off x="533400" y="5248870"/>
+            <a:ext cx="8077200" cy="1200329"/>
+          </a:xfrm>
+          <a:prstGeom prst="rect">
+            <a:avLst/>
+          </a:prstGeom>
+          <a:noFill/>
+          <a:ln w="9525">
+            <a:noFill/>
+            <a:miter lim="800000"/>
+            <a:headEnd/>
+            <a:tailEnd/>
+          </a:ln>
+        </p:spPr>
+        <p:txBody>
+          <a:bodyPr wrap="square">
+            <a:spAutoFit/>
+          </a:bodyPr>
+          <a:lstStyle/>
+          <a:p>
+            <a:pPr>
+              <a:spcBef>
+                <a:spcPct val="50000"/>
+              </a:spcBef>
+            </a:pPr>
+            <a:r>
+              <a:rPr lang="en-US" dirty="0" smtClean="0">
+                <a:solidFill>
+                  <a:srgbClr val="FFFFFF"/>
+                </a:solidFill>
+              </a:rPr>
+              <a:t>After Pressing the </a:t>
+            </a:r>
+            <a:r>
+              <a:rPr lang="en-US" dirty="0" smtClean="0">
+                <a:solidFill>
+                  <a:srgbClr val="FFFFFF"/>
+                </a:solidFill>
+              </a:rPr>
+              <a:t>Executive Overflow</a:t>
+            </a:r>
+            <a:r>
+              <a:rPr lang="en-US" dirty="0" smtClean="0">
+                <a:solidFill>
+                  <a:srgbClr val="FFFFFF"/>
+                </a:solidFill>
+              </a:rPr>
+              <a:t> </a:t>
+            </a:r>
+            <a:r>
+              <a:rPr lang="en-US" dirty="0" smtClean="0">
+                <a:solidFill>
+                  <a:srgbClr val="FFFFFF"/>
+                </a:solidFill>
+              </a:rPr>
+              <a:t>Button, the </a:t>
+            </a:r>
+            <a:r>
+              <a:rPr lang="en-US" dirty="0" smtClean="0">
+                <a:solidFill>
+                  <a:srgbClr val="FFFFFF"/>
+                </a:solidFill>
+              </a:rPr>
+              <a:t>Executive Overflow</a:t>
+            </a:r>
+            <a:r>
+              <a:rPr lang="en-US" dirty="0">
+                <a:solidFill>
+                  <a:srgbClr val="FFFFFF"/>
+                </a:solidFill>
+              </a:rPr>
+              <a:t> </a:t>
+            </a:r>
+            <a:r>
+              <a:rPr lang="en-US" dirty="0" smtClean="0">
+                <a:solidFill>
+                  <a:srgbClr val="FFFFFF"/>
+                </a:solidFill>
+              </a:rPr>
+              <a:t>Page </a:t>
+            </a:r>
+            <a:r>
+              <a:rPr lang="en-US" dirty="0" smtClean="0">
+                <a:solidFill>
+                  <a:srgbClr val="FFFFFF"/>
+                </a:solidFill>
+              </a:rPr>
+              <a:t>will appear.  This will cause the </a:t>
+            </a:r>
+            <a:r>
+              <a:rPr lang="en-US" dirty="0" smtClean="0">
+                <a:solidFill>
+                  <a:srgbClr val="FFFFFF"/>
+                </a:solidFill>
+              </a:rPr>
+              <a:t>Source in the Pacific Conference Room</a:t>
+            </a:r>
+            <a:r>
+              <a:rPr lang="en-US" dirty="0" smtClean="0">
+                <a:solidFill>
+                  <a:srgbClr val="FFFFFF"/>
+                </a:solidFill>
+              </a:rPr>
+              <a:t> </a:t>
+            </a:r>
+            <a:r>
+              <a:rPr lang="en-US" dirty="0" smtClean="0">
+                <a:solidFill>
+                  <a:srgbClr val="FFFFFF"/>
+                </a:solidFill>
+              </a:rPr>
+              <a:t>to appear on the Main </a:t>
+            </a:r>
+            <a:r>
+              <a:rPr lang="en-US" dirty="0" smtClean="0">
+                <a:solidFill>
+                  <a:srgbClr val="FFFFFF"/>
+                </a:solidFill>
+              </a:rPr>
+              <a:t>Screen (If enabled on the Pacific Panel).  </a:t>
+            </a:r>
+            <a:r>
+              <a:rPr lang="en-US" dirty="0" smtClean="0">
+                <a:solidFill>
+                  <a:srgbClr val="FFFFFF"/>
+                </a:solidFill>
+              </a:rPr>
+              <a:t>It will also send </a:t>
+            </a:r>
+            <a:r>
+              <a:rPr lang="en-US" dirty="0" smtClean="0">
+                <a:solidFill>
+                  <a:srgbClr val="FFFFFF"/>
+                </a:solidFill>
+              </a:rPr>
+              <a:t>any Audio in the Pacific Conference Room into the Large Conference Room</a:t>
+            </a:r>
+            <a:r>
+              <a:rPr lang="en-US" dirty="0" smtClean="0">
+                <a:solidFill>
+                  <a:srgbClr val="FFFFFF"/>
+                </a:solidFill>
+              </a:rPr>
+              <a:t>.</a:t>
+            </a:r>
+            <a:endParaRPr lang="en-US" dirty="0">
+              <a:solidFill>
+                <a:srgbClr val="FFFFFF"/>
+              </a:solidFill>
+            </a:endParaRPr>
+          </a:p>
+        </p:txBody>
+      </p:sp>
+      <p:sp>
+        <p:nvSpPr>
+          <p:cNvPr id="11" name="Rectangle 35"/>
+          <p:cNvSpPr>
+            <a:spLocks noChangeArrowheads="1"/>
+          </p:cNvSpPr>
+          <p:nvPr/>
+        </p:nvSpPr>
+        <p:spPr bwMode="auto">
+          <a:xfrm>
+            <a:off x="1937138" y="4270592"/>
+            <a:ext cx="1644262" cy="461665"/>
+          </a:xfrm>
+          <a:prstGeom prst="rect">
+            <a:avLst/>
+          </a:prstGeom>
+          <a:noFill/>
+          <a:ln w="9525" algn="ctr">
+            <a:noFill/>
+            <a:miter lim="800000"/>
+            <a:headEnd/>
+            <a:tailEnd/>
+          </a:ln>
+        </p:spPr>
+        <p:txBody>
+          <a:bodyPr wrap="square">
+            <a:spAutoFit/>
+          </a:bodyPr>
+          <a:lstStyle/>
+          <a:p>
+            <a:pPr algn="r">
+              <a:spcBef>
+                <a:spcPct val="50000"/>
+              </a:spcBef>
+            </a:pPr>
+            <a:r>
+              <a:rPr lang="en-US" sz="1200" dirty="0" smtClean="0"/>
+              <a:t>Executive Overflow</a:t>
+            </a:r>
+            <a:r>
+              <a:rPr lang="en-US" sz="1200" dirty="0" smtClean="0"/>
+              <a:t> </a:t>
+            </a:r>
+            <a:r>
+              <a:rPr lang="en-US" sz="1200" dirty="0" smtClean="0"/>
+              <a:t>Input Source Button</a:t>
+            </a:r>
+            <a:endParaRPr lang="en-US" sz="1200" dirty="0"/>
+          </a:p>
+        </p:txBody>
+      </p:sp>
+      <p:sp>
+        <p:nvSpPr>
+          <p:cNvPr id="12" name="Line 5"/>
+          <p:cNvSpPr>
+            <a:spLocks noChangeShapeType="1"/>
+          </p:cNvSpPr>
+          <p:nvPr/>
+        </p:nvSpPr>
+        <p:spPr bwMode="auto">
+          <a:xfrm flipV="1">
+            <a:off x="3581400" y="3597499"/>
+            <a:ext cx="464071" cy="898300"/>
+          </a:xfrm>
+          <a:prstGeom prst="line">
+            <a:avLst/>
+          </a:prstGeom>
+          <a:noFill/>
+          <a:ln w="9525">
+            <a:solidFill>
+              <a:srgbClr val="FB1B03"/>
+            </a:solidFill>
+            <a:round/>
+            <a:headEnd/>
+            <a:tailEnd type="triangle" w="med" len="med"/>
+          </a:ln>
+        </p:spPr>
+        <p:txBody>
+          <a:bodyPr/>
+          <a:lstStyle/>
+          <a:p>
+            <a:endParaRPr lang="en-US"/>
+          </a:p>
+        </p:txBody>
+      </p:sp>
     </p:spTree>
+    <p:extLst>
+      <p:ext uri="{BB962C8B-B14F-4D97-AF65-F5344CB8AC3E}">
+        <p14:creationId xmlns:p14="http://schemas.microsoft.com/office/powerpoint/2010/main" val="130406830"/>
+      </p:ext>
+    </p:extLst>
   </p:cSld>
   <p:clrMapOvr>
     <a:masterClrMapping/>
@@ -8035,144 +10310,37 @@
       </p:grpSpPr>
       <p:sp>
         <p:nvSpPr>
-          <p:cNvPr id="13314" name="Text Box 2"/>
-          <p:cNvSpPr txBox="1">
-            <a:spLocks noChangeArrowheads="1"/>
-          </p:cNvSpPr>
-          <p:nvPr/>
-        </p:nvSpPr>
-        <p:spPr bwMode="auto">
+          <p:cNvPr id="268291" name="Rectangle 3"/>
+          <p:cNvSpPr>
+            <a:spLocks noGrp="1" noChangeArrowheads="1"/>
+          </p:cNvSpPr>
+          <p:nvPr>
+            <p:ph type="title"/>
+          </p:nvPr>
+        </p:nvSpPr>
+        <p:spPr>
           <a:xfrm>
-            <a:off x="1447800" y="425450"/>
-            <a:ext cx="5867400" cy="641350"/>
-          </a:xfrm>
-          <a:prstGeom prst="rect">
-            <a:avLst/>
-          </a:prstGeom>
-          <a:noFill/>
-          <a:ln w="9525">
-            <a:noFill/>
-            <a:miter lim="800000"/>
-            <a:headEnd/>
-            <a:tailEnd/>
-          </a:ln>
-        </p:spPr>
-        <p:txBody>
-          <a:bodyPr>
-            <a:spAutoFit/>
-          </a:bodyPr>
-          <a:lstStyle/>
-          <a:p>
-            <a:pPr algn="l">
-              <a:spcBef>
-                <a:spcPct val="50000"/>
-              </a:spcBef>
+            <a:off x="457200" y="228600"/>
+            <a:ext cx="8229600" cy="838200"/>
+          </a:xfrm>
+        </p:spPr>
+        <p:txBody>
+          <a:bodyPr/>
+          <a:lstStyle/>
+          <a:p>
+            <a:pPr eaLnBrk="1" hangingPunct="1">
+              <a:defRPr/>
             </a:pPr>
             <a:r>
-              <a:rPr lang="en-US" sz="3600" b="1"/>
-              <a:t>Service Resource Guide</a:t>
-            </a:r>
-            <a:endParaRPr lang="en-US" sz="4000" b="1"/>
-          </a:p>
-        </p:txBody>
-      </p:sp>
-      <p:sp>
-        <p:nvSpPr>
-          <p:cNvPr id="13315" name="Text Box 3"/>
-          <p:cNvSpPr txBox="1">
-            <a:spLocks noChangeArrowheads="1"/>
-          </p:cNvSpPr>
-          <p:nvPr/>
-        </p:nvSpPr>
-        <p:spPr bwMode="auto">
-          <a:xfrm>
-            <a:off x="762000" y="1371600"/>
-            <a:ext cx="6781800" cy="3140075"/>
-          </a:xfrm>
-          <a:prstGeom prst="rect">
-            <a:avLst/>
-          </a:prstGeom>
-          <a:noFill/>
-          <a:ln w="9525">
-            <a:noFill/>
-            <a:miter lim="800000"/>
-            <a:headEnd/>
-            <a:tailEnd/>
-          </a:ln>
-        </p:spPr>
-        <p:txBody>
-          <a:bodyPr>
-            <a:spAutoFit/>
-          </a:bodyPr>
-          <a:lstStyle/>
-          <a:p>
-            <a:pPr algn="l">
-              <a:spcBef>
-                <a:spcPct val="50000"/>
-              </a:spcBef>
-            </a:pPr>
-            <a:r>
-              <a:rPr lang="en-US" b="1" i="1" u="sng"/>
-              <a:t>Nothing works</a:t>
-            </a:r>
-          </a:p>
-          <a:p>
-            <a:pPr lvl="2" algn="l">
-              <a:spcBef>
-                <a:spcPct val="50000"/>
-              </a:spcBef>
-              <a:buFontTx/>
-              <a:buChar char="•"/>
-            </a:pPr>
-            <a:r>
-              <a:rPr lang="en-US"/>
-              <a:t>Was system power turned on from the touch panel power page?</a:t>
-            </a:r>
-          </a:p>
-          <a:p>
-            <a:pPr lvl="2" algn="l">
-              <a:spcBef>
-                <a:spcPct val="50000"/>
-              </a:spcBef>
-              <a:buFontTx/>
-              <a:buChar char="•"/>
-            </a:pPr>
-            <a:r>
-              <a:rPr lang="en-US"/>
-              <a:t>Was there a recent power failure or surge. Check the power at the rack. Insure the power cord is plugged in?</a:t>
-            </a:r>
-          </a:p>
-          <a:p>
-            <a:pPr lvl="2" algn="l">
-              <a:spcBef>
-                <a:spcPct val="50000"/>
-              </a:spcBef>
-              <a:buFontTx/>
-              <a:buChar char="•"/>
-            </a:pPr>
-            <a:r>
-              <a:rPr lang="en-US"/>
-              <a:t>Turn the rack off (Unplug the rack, then re-plug). The system may need to be re-set wait 90 seconds then try the touch panel.</a:t>
-            </a:r>
-          </a:p>
-          <a:p>
-            <a:pPr lvl="2" algn="l">
-              <a:spcBef>
-                <a:spcPct val="50000"/>
-              </a:spcBef>
-              <a:buFontTx/>
-              <a:buChar char="•"/>
-            </a:pPr>
-            <a:r>
-              <a:rPr lang="en-US"/>
-              <a:t>Call our office for service (336) 714-0564</a:t>
+              <a:rPr lang="en-US" sz="4000" dirty="0" smtClean="0"/>
+              <a:t>Phone Page</a:t>
             </a:r>
           </a:p>
         </p:txBody>
       </p:sp>
       <p:pic>
         <p:nvPicPr>
-          <p:cNvPr id="13316" name="Picture 19" descr="TEst v116 copy"/>
+          <p:cNvPr id="11269" name="Picture 19" descr="TEst v116 copy"/>
           <p:cNvPicPr>
             <a:picLocks noChangeAspect="1" noChangeArrowheads="1"/>
           </p:cNvPicPr>
@@ -8202,7 +10370,647 @@
           </a:ln>
         </p:spPr>
       </p:pic>
+      <p:pic>
+        <p:nvPicPr>
+          <p:cNvPr id="4098" name="Picture 1"/>
+          <p:cNvPicPr>
+            <a:picLocks noChangeAspect="1" noChangeArrowheads="1"/>
+          </p:cNvPicPr>
+          <p:nvPr/>
+        </p:nvPicPr>
+        <p:blipFill>
+          <a:blip r:embed="rId4">
+            <a:extLst>
+              <a:ext uri="{28A0092B-C50C-407E-A947-70E740481C1C}">
+                <a14:useLocalDpi xmlns:a14="http://schemas.microsoft.com/office/drawing/2010/main" val="0"/>
+              </a:ext>
+            </a:extLst>
+          </a:blip>
+          <a:stretch>
+            <a:fillRect/>
+          </a:stretch>
+        </p:blipFill>
+        <p:spPr bwMode="auto">
+          <a:xfrm>
+            <a:off x="2352174" y="1911254"/>
+            <a:ext cx="4439647" cy="2601356"/>
+          </a:xfrm>
+          <a:prstGeom prst="rect">
+            <a:avLst/>
+          </a:prstGeom>
+          <a:noFill/>
+          <a:ln>
+            <a:noFill/>
+          </a:ln>
+          <a:extLst>
+            <a:ext uri="{909E8E84-426E-40DD-AFC4-6F175D3DCCD1}">
+              <a14:hiddenFill xmlns:a14="http://schemas.microsoft.com/office/drawing/2010/main">
+                <a:solidFill>
+                  <a:srgbClr val="FFFFFF"/>
+                </a:solidFill>
+              </a14:hiddenFill>
+            </a:ext>
+            <a:ext uri="{91240B29-F687-4F45-9708-019B960494DF}">
+              <a14:hiddenLine xmlns:a14="http://schemas.microsoft.com/office/drawing/2010/main" w="9525">
+                <a:solidFill>
+                  <a:srgbClr val="000000"/>
+                </a:solidFill>
+                <a:miter lim="800000"/>
+                <a:headEnd/>
+                <a:tailEnd/>
+              </a14:hiddenLine>
+            </a:ext>
+          </a:extLst>
+        </p:spPr>
+      </p:pic>
+      <p:sp>
+        <p:nvSpPr>
+          <p:cNvPr id="6" name="Rectangle 35"/>
+          <p:cNvSpPr>
+            <a:spLocks noChangeArrowheads="1"/>
+          </p:cNvSpPr>
+          <p:nvPr/>
+        </p:nvSpPr>
+        <p:spPr bwMode="auto">
+          <a:xfrm>
+            <a:off x="838200" y="2740822"/>
+            <a:ext cx="1295400" cy="415498"/>
+          </a:xfrm>
+          <a:prstGeom prst="rect">
+            <a:avLst/>
+          </a:prstGeom>
+          <a:noFill/>
+          <a:ln w="9525" algn="ctr">
+            <a:noFill/>
+            <a:miter lim="800000"/>
+            <a:headEnd/>
+            <a:tailEnd/>
+          </a:ln>
+        </p:spPr>
+        <p:txBody>
+          <a:bodyPr>
+            <a:spAutoFit/>
+          </a:bodyPr>
+          <a:lstStyle/>
+          <a:p>
+            <a:pPr algn="r">
+              <a:spcBef>
+                <a:spcPct val="50000"/>
+              </a:spcBef>
+            </a:pPr>
+            <a:r>
+              <a:rPr lang="en-US" sz="1050" dirty="0" smtClean="0"/>
+              <a:t>Lowers the Caller’s Audio</a:t>
+            </a:r>
+            <a:endParaRPr lang="en-US" sz="1050" dirty="0"/>
+          </a:p>
+        </p:txBody>
+      </p:sp>
+      <p:sp>
+        <p:nvSpPr>
+          <p:cNvPr id="7" name="Line 5"/>
+          <p:cNvSpPr>
+            <a:spLocks noChangeShapeType="1"/>
+          </p:cNvSpPr>
+          <p:nvPr/>
+        </p:nvSpPr>
+        <p:spPr bwMode="auto">
+          <a:xfrm>
+            <a:off x="2133600" y="2867780"/>
+            <a:ext cx="609600" cy="180219"/>
+          </a:xfrm>
+          <a:prstGeom prst="line">
+            <a:avLst/>
+          </a:prstGeom>
+          <a:noFill/>
+          <a:ln w="9525">
+            <a:solidFill>
+              <a:srgbClr val="FB1B03"/>
+            </a:solidFill>
+            <a:round/>
+            <a:headEnd/>
+            <a:tailEnd type="triangle" w="med" len="med"/>
+          </a:ln>
+        </p:spPr>
+        <p:txBody>
+          <a:bodyPr/>
+          <a:lstStyle/>
+          <a:p>
+            <a:endParaRPr lang="en-US"/>
+          </a:p>
+        </p:txBody>
+      </p:sp>
+      <p:sp>
+        <p:nvSpPr>
+          <p:cNvPr id="24" name="Text Box 4"/>
+          <p:cNvSpPr txBox="1">
+            <a:spLocks noChangeArrowheads="1"/>
+          </p:cNvSpPr>
+          <p:nvPr/>
+        </p:nvSpPr>
+        <p:spPr bwMode="auto">
+          <a:xfrm>
+            <a:off x="533400" y="5248870"/>
+            <a:ext cx="8077200" cy="646331"/>
+          </a:xfrm>
+          <a:prstGeom prst="rect">
+            <a:avLst/>
+          </a:prstGeom>
+          <a:noFill/>
+          <a:ln w="9525">
+            <a:noFill/>
+            <a:miter lim="800000"/>
+            <a:headEnd/>
+            <a:tailEnd/>
+          </a:ln>
+        </p:spPr>
+        <p:txBody>
+          <a:bodyPr wrap="square">
+            <a:spAutoFit/>
+          </a:bodyPr>
+          <a:lstStyle/>
+          <a:p>
+            <a:pPr>
+              <a:spcBef>
+                <a:spcPct val="50000"/>
+              </a:spcBef>
+            </a:pPr>
+            <a:r>
+              <a:rPr lang="en-US" dirty="0" smtClean="0">
+                <a:solidFill>
+                  <a:srgbClr val="FFFFFF"/>
+                </a:solidFill>
+              </a:rPr>
+              <a:t>After Pressing the Phone Button, the Phone Page will appear.  Use the Dialing Buttons to dial </a:t>
+            </a:r>
+            <a:r>
+              <a:rPr lang="en-US" dirty="0" smtClean="0">
+                <a:solidFill>
+                  <a:srgbClr val="FFFFFF"/>
+                </a:solidFill>
+              </a:rPr>
+              <a:t>Traditionally.</a:t>
+            </a:r>
+            <a:endParaRPr lang="en-US" dirty="0">
+              <a:solidFill>
+                <a:srgbClr val="FFFFFF"/>
+              </a:solidFill>
+            </a:endParaRPr>
+          </a:p>
+        </p:txBody>
+      </p:sp>
+      <p:sp>
+        <p:nvSpPr>
+          <p:cNvPr id="11" name="Rectangle 35"/>
+          <p:cNvSpPr>
+            <a:spLocks noChangeArrowheads="1"/>
+          </p:cNvSpPr>
+          <p:nvPr/>
+        </p:nvSpPr>
+        <p:spPr bwMode="auto">
+          <a:xfrm>
+            <a:off x="7391401" y="3401306"/>
+            <a:ext cx="1644262" cy="253916"/>
+          </a:xfrm>
+          <a:prstGeom prst="rect">
+            <a:avLst/>
+          </a:prstGeom>
+          <a:noFill/>
+          <a:ln w="9525" algn="ctr">
+            <a:noFill/>
+            <a:miter lim="800000"/>
+            <a:headEnd/>
+            <a:tailEnd/>
+          </a:ln>
+        </p:spPr>
+        <p:txBody>
+          <a:bodyPr wrap="square">
+            <a:spAutoFit/>
+          </a:bodyPr>
+          <a:lstStyle/>
+          <a:p>
+            <a:pPr algn="l">
+              <a:spcBef>
+                <a:spcPct val="50000"/>
+              </a:spcBef>
+            </a:pPr>
+            <a:r>
+              <a:rPr lang="en-US" sz="1050" dirty="0" smtClean="0"/>
+              <a:t>Phone Source Button</a:t>
+            </a:r>
+            <a:endParaRPr lang="en-US" sz="1050" dirty="0"/>
+          </a:p>
+        </p:txBody>
+      </p:sp>
+      <p:sp>
+        <p:nvSpPr>
+          <p:cNvPr id="12" name="Line 5"/>
+          <p:cNvSpPr>
+            <a:spLocks noChangeShapeType="1"/>
+          </p:cNvSpPr>
+          <p:nvPr/>
+        </p:nvSpPr>
+        <p:spPr bwMode="auto">
+          <a:xfrm flipH="1">
+            <a:off x="5714999" y="3528264"/>
+            <a:ext cx="1676399" cy="357936"/>
+          </a:xfrm>
+          <a:prstGeom prst="line">
+            <a:avLst/>
+          </a:prstGeom>
+          <a:noFill/>
+          <a:ln w="9525">
+            <a:solidFill>
+              <a:srgbClr val="FB1B03"/>
+            </a:solidFill>
+            <a:round/>
+            <a:headEnd/>
+            <a:tailEnd type="triangle" w="med" len="med"/>
+          </a:ln>
+        </p:spPr>
+        <p:txBody>
+          <a:bodyPr/>
+          <a:lstStyle/>
+          <a:p>
+            <a:endParaRPr lang="en-US"/>
+          </a:p>
+        </p:txBody>
+      </p:sp>
+      <p:sp>
+        <p:nvSpPr>
+          <p:cNvPr id="13" name="Rectangle 12"/>
+          <p:cNvSpPr/>
+          <p:nvPr/>
+        </p:nvSpPr>
+        <p:spPr bwMode="auto">
+          <a:xfrm rot="16200000">
+            <a:off x="4724261" y="2278520"/>
+            <a:ext cx="1128042" cy="1447800"/>
+          </a:xfrm>
+          <a:prstGeom prst="rect">
+            <a:avLst/>
+          </a:prstGeom>
+          <a:noFill/>
+          <a:ln w="28575" cap="flat" cmpd="sng" algn="ctr">
+            <a:solidFill>
+              <a:srgbClr val="FF0000"/>
+            </a:solidFill>
+            <a:prstDash val="solid"/>
+            <a:round/>
+            <a:headEnd type="none" w="med" len="med"/>
+            <a:tailEnd type="none" w="med" len="med"/>
+          </a:ln>
+          <a:effectLst/>
+        </p:spPr>
+        <p:txBody>
+          <a:bodyPr vert="horz" wrap="none" lIns="91440" tIns="45720" rIns="91440" bIns="45720" numCol="1" rtlCol="0" anchor="ctr" anchorCtr="0" compatLnSpc="1">
+            <a:prstTxWarp prst="textNoShape">
+              <a:avLst/>
+            </a:prstTxWarp>
+          </a:bodyPr>
+          <a:lstStyle/>
+          <a:p>
+            <a:pPr marL="0" marR="0" indent="0" algn="ctr" defTabSz="914400" rtl="0" eaLnBrk="1" fontAlgn="base" latinLnBrk="0" hangingPunct="1">
+              <a:lnSpc>
+                <a:spcPct val="100000"/>
+              </a:lnSpc>
+              <a:spcBef>
+                <a:spcPct val="0"/>
+              </a:spcBef>
+              <a:spcAft>
+                <a:spcPct val="0"/>
+              </a:spcAft>
+              <a:buClrTx/>
+              <a:buSzTx/>
+              <a:buFontTx/>
+              <a:buNone/>
+              <a:tabLst/>
+            </a:pPr>
+            <a:endParaRPr kumimoji="0" lang="en-US" sz="1800" b="0" i="0" u="none" strike="noStrike" cap="none" normalizeH="0" baseline="0" smtClean="0">
+              <a:ln>
+                <a:noFill/>
+              </a:ln>
+              <a:solidFill>
+                <a:schemeClr val="tx1"/>
+              </a:solidFill>
+              <a:effectLst/>
+              <a:latin typeface="Arial" charset="0"/>
+            </a:endParaRPr>
+          </a:p>
+        </p:txBody>
+      </p:sp>
+      <p:sp>
+        <p:nvSpPr>
+          <p:cNvPr id="14" name="Rectangle 35"/>
+          <p:cNvSpPr>
+            <a:spLocks noChangeArrowheads="1"/>
+          </p:cNvSpPr>
+          <p:nvPr/>
+        </p:nvSpPr>
+        <p:spPr bwMode="auto">
+          <a:xfrm>
+            <a:off x="7391401" y="1928064"/>
+            <a:ext cx="1295400" cy="253916"/>
+          </a:xfrm>
+          <a:prstGeom prst="rect">
+            <a:avLst/>
+          </a:prstGeom>
+          <a:noFill/>
+          <a:ln w="9525" algn="ctr">
+            <a:noFill/>
+            <a:miter lim="800000"/>
+            <a:headEnd/>
+            <a:tailEnd/>
+          </a:ln>
+        </p:spPr>
+        <p:txBody>
+          <a:bodyPr>
+            <a:spAutoFit/>
+          </a:bodyPr>
+          <a:lstStyle/>
+          <a:p>
+            <a:pPr algn="l">
+              <a:spcBef>
+                <a:spcPct val="50000"/>
+              </a:spcBef>
+            </a:pPr>
+            <a:r>
+              <a:rPr lang="en-US" sz="1050" dirty="0" smtClean="0"/>
+              <a:t>Dialing Buttons</a:t>
+            </a:r>
+          </a:p>
+        </p:txBody>
+      </p:sp>
+      <p:sp>
+        <p:nvSpPr>
+          <p:cNvPr id="15" name="Line 5"/>
+          <p:cNvSpPr>
+            <a:spLocks noChangeShapeType="1"/>
+          </p:cNvSpPr>
+          <p:nvPr/>
+        </p:nvSpPr>
+        <p:spPr bwMode="auto">
+          <a:xfrm flipH="1">
+            <a:off x="6012182" y="2090315"/>
+            <a:ext cx="1379219" cy="348084"/>
+          </a:xfrm>
+          <a:prstGeom prst="line">
+            <a:avLst/>
+          </a:prstGeom>
+          <a:noFill/>
+          <a:ln w="9525">
+            <a:solidFill>
+              <a:srgbClr val="FB1B03"/>
+            </a:solidFill>
+            <a:round/>
+            <a:headEnd/>
+            <a:tailEnd type="triangle" w="med" len="med"/>
+          </a:ln>
+        </p:spPr>
+        <p:txBody>
+          <a:bodyPr/>
+          <a:lstStyle/>
+          <a:p>
+            <a:endParaRPr lang="en-US"/>
+          </a:p>
+        </p:txBody>
+      </p:sp>
+      <p:sp>
+        <p:nvSpPr>
+          <p:cNvPr id="16" name="Rectangle 35"/>
+          <p:cNvSpPr>
+            <a:spLocks noChangeArrowheads="1"/>
+          </p:cNvSpPr>
+          <p:nvPr/>
+        </p:nvSpPr>
+        <p:spPr bwMode="auto">
+          <a:xfrm>
+            <a:off x="685800" y="3439483"/>
+            <a:ext cx="1600200" cy="253916"/>
+          </a:xfrm>
+          <a:prstGeom prst="rect">
+            <a:avLst/>
+          </a:prstGeom>
+          <a:noFill/>
+          <a:ln w="9525" algn="ctr">
+            <a:noFill/>
+            <a:miter lim="800000"/>
+            <a:headEnd/>
+            <a:tailEnd/>
+          </a:ln>
+        </p:spPr>
+        <p:txBody>
+          <a:bodyPr wrap="square">
+            <a:spAutoFit/>
+          </a:bodyPr>
+          <a:lstStyle/>
+          <a:p>
+            <a:pPr algn="r">
+              <a:spcBef>
+                <a:spcPct val="50000"/>
+              </a:spcBef>
+            </a:pPr>
+            <a:r>
+              <a:rPr lang="en-US" sz="1050" dirty="0" smtClean="0"/>
+              <a:t> Caller’s Audio Level</a:t>
+            </a:r>
+            <a:endParaRPr lang="en-US" sz="1050" dirty="0"/>
+          </a:p>
+        </p:txBody>
+      </p:sp>
+      <p:sp>
+        <p:nvSpPr>
+          <p:cNvPr id="17" name="Line 5"/>
+          <p:cNvSpPr>
+            <a:spLocks noChangeShapeType="1"/>
+          </p:cNvSpPr>
+          <p:nvPr/>
+        </p:nvSpPr>
+        <p:spPr bwMode="auto">
+          <a:xfrm flipV="1">
+            <a:off x="2286000" y="3156320"/>
+            <a:ext cx="762000" cy="410121"/>
+          </a:xfrm>
+          <a:prstGeom prst="line">
+            <a:avLst/>
+          </a:prstGeom>
+          <a:noFill/>
+          <a:ln w="9525">
+            <a:solidFill>
+              <a:srgbClr val="FB1B03"/>
+            </a:solidFill>
+            <a:round/>
+            <a:headEnd/>
+            <a:tailEnd type="triangle" w="med" len="med"/>
+          </a:ln>
+        </p:spPr>
+        <p:txBody>
+          <a:bodyPr/>
+          <a:lstStyle/>
+          <a:p>
+            <a:endParaRPr lang="en-US"/>
+          </a:p>
+        </p:txBody>
+      </p:sp>
+      <p:sp>
+        <p:nvSpPr>
+          <p:cNvPr id="19" name="Rectangle 35"/>
+          <p:cNvSpPr>
+            <a:spLocks noChangeArrowheads="1"/>
+          </p:cNvSpPr>
+          <p:nvPr/>
+        </p:nvSpPr>
+        <p:spPr bwMode="auto">
+          <a:xfrm>
+            <a:off x="838200" y="2191298"/>
+            <a:ext cx="1295400" cy="415498"/>
+          </a:xfrm>
+          <a:prstGeom prst="rect">
+            <a:avLst/>
+          </a:prstGeom>
+          <a:noFill/>
+          <a:ln w="9525" algn="ctr">
+            <a:noFill/>
+            <a:miter lim="800000"/>
+            <a:headEnd/>
+            <a:tailEnd/>
+          </a:ln>
+        </p:spPr>
+        <p:txBody>
+          <a:bodyPr>
+            <a:spAutoFit/>
+          </a:bodyPr>
+          <a:lstStyle/>
+          <a:p>
+            <a:pPr algn="r">
+              <a:spcBef>
+                <a:spcPct val="50000"/>
+              </a:spcBef>
+            </a:pPr>
+            <a:r>
+              <a:rPr lang="en-US" sz="1050" dirty="0" smtClean="0"/>
+              <a:t>Raises the Caller’s Audio</a:t>
+            </a:r>
+            <a:endParaRPr lang="en-US" sz="1050" dirty="0"/>
+          </a:p>
+        </p:txBody>
+      </p:sp>
+      <p:sp>
+        <p:nvSpPr>
+          <p:cNvPr id="20" name="Line 5"/>
+          <p:cNvSpPr>
+            <a:spLocks noChangeShapeType="1"/>
+          </p:cNvSpPr>
+          <p:nvPr/>
+        </p:nvSpPr>
+        <p:spPr bwMode="auto">
+          <a:xfrm>
+            <a:off x="2133600" y="2318256"/>
+            <a:ext cx="1219200" cy="729743"/>
+          </a:xfrm>
+          <a:prstGeom prst="line">
+            <a:avLst/>
+          </a:prstGeom>
+          <a:noFill/>
+          <a:ln w="9525">
+            <a:solidFill>
+              <a:srgbClr val="FB1B03"/>
+            </a:solidFill>
+            <a:round/>
+            <a:headEnd/>
+            <a:tailEnd type="triangle" w="med" len="med"/>
+          </a:ln>
+        </p:spPr>
+        <p:txBody>
+          <a:bodyPr/>
+          <a:lstStyle/>
+          <a:p>
+            <a:endParaRPr lang="en-US"/>
+          </a:p>
+        </p:txBody>
+      </p:sp>
+      <p:sp>
+        <p:nvSpPr>
+          <p:cNvPr id="21" name="Rectangle 35"/>
+          <p:cNvSpPr>
+            <a:spLocks noChangeArrowheads="1"/>
+          </p:cNvSpPr>
+          <p:nvPr/>
+        </p:nvSpPr>
+        <p:spPr bwMode="auto">
+          <a:xfrm>
+            <a:off x="6164582" y="1371600"/>
+            <a:ext cx="1295400" cy="577081"/>
+          </a:xfrm>
+          <a:prstGeom prst="rect">
+            <a:avLst/>
+          </a:prstGeom>
+          <a:noFill/>
+          <a:ln w="9525" algn="ctr">
+            <a:noFill/>
+            <a:miter lim="800000"/>
+            <a:headEnd/>
+            <a:tailEnd/>
+          </a:ln>
+        </p:spPr>
+        <p:txBody>
+          <a:bodyPr>
+            <a:spAutoFit/>
+          </a:bodyPr>
+          <a:lstStyle/>
+          <a:p>
+            <a:pPr algn="l">
+              <a:spcBef>
+                <a:spcPct val="50000"/>
+              </a:spcBef>
+            </a:pPr>
+            <a:r>
+              <a:rPr lang="en-US" sz="1050" dirty="0" smtClean="0"/>
+              <a:t>The Current Dialed Number is Shown here.</a:t>
+            </a:r>
+          </a:p>
+        </p:txBody>
+      </p:sp>
+      <p:sp>
+        <p:nvSpPr>
+          <p:cNvPr id="22" name="Line 5"/>
+          <p:cNvSpPr>
+            <a:spLocks noChangeShapeType="1"/>
+          </p:cNvSpPr>
+          <p:nvPr/>
+        </p:nvSpPr>
+        <p:spPr bwMode="auto">
+          <a:xfrm flipH="1">
+            <a:off x="5105398" y="1524001"/>
+            <a:ext cx="1143001" cy="740356"/>
+          </a:xfrm>
+          <a:prstGeom prst="line">
+            <a:avLst/>
+          </a:prstGeom>
+          <a:noFill/>
+          <a:ln w="9525">
+            <a:solidFill>
+              <a:srgbClr val="FB1B03"/>
+            </a:solidFill>
+            <a:round/>
+            <a:headEnd/>
+            <a:tailEnd type="triangle" w="med" len="med"/>
+          </a:ln>
+        </p:spPr>
+        <p:txBody>
+          <a:bodyPr/>
+          <a:lstStyle/>
+          <a:p>
+            <a:endParaRPr lang="en-US"/>
+          </a:p>
+        </p:txBody>
+      </p:sp>
     </p:spTree>
+    <p:extLst>
+      <p:ext uri="{BB962C8B-B14F-4D97-AF65-F5344CB8AC3E}">
+        <p14:creationId xmlns:p14="http://schemas.microsoft.com/office/powerpoint/2010/main" val="4230318306"/>
+      </p:ext>
+    </p:extLst>
   </p:cSld>
   <p:clrMapOvr>
     <a:masterClrMapping/>
@@ -8239,18 +11047,18 @@
       </p:grpSpPr>
       <p:sp>
         <p:nvSpPr>
-          <p:cNvPr id="27650" name="Rectangle 2"/>
+          <p:cNvPr id="268291" name="Rectangle 3"/>
           <p:cNvSpPr>
             <a:spLocks noGrp="1" noChangeArrowheads="1"/>
           </p:cNvSpPr>
           <p:nvPr>
-            <p:ph type="subTitle" idx="1"/>
+            <p:ph type="title"/>
           </p:nvPr>
         </p:nvSpPr>
         <p:spPr>
           <a:xfrm>
-            <a:off x="2057400" y="2362200"/>
-            <a:ext cx="4876800" cy="2971800"/>
+            <a:off x="457200" y="228600"/>
+            <a:ext cx="8229600" cy="838200"/>
           </a:xfrm>
         </p:spPr>
         <p:txBody>
@@ -8261,38 +11069,15 @@
               <a:defRPr/>
             </a:pPr>
             <a:r>
-              <a:rPr lang="en-US" dirty="0" smtClean="0"/>
-              <a:t>For Service, contact:</a:t>
-            </a:r>
-          </a:p>
-          <a:p>
-            <a:pPr eaLnBrk="1" hangingPunct="1">
-              <a:defRPr/>
-            </a:pPr>
-            <a:r>
-              <a:rPr lang="en-US" dirty="0" smtClean="0"/>
-              <a:t>Tonya Allen at </a:t>
-            </a:r>
-          </a:p>
-          <a:p>
-            <a:pPr eaLnBrk="1" hangingPunct="1">
-              <a:defRPr/>
-            </a:pPr>
-            <a:r>
-              <a:rPr lang="en-US" dirty="0" smtClean="0"/>
-              <a:t>(336) 714-0564 </a:t>
-            </a:r>
-            <a:r>
-              <a:rPr lang="en-US" u="sng" dirty="0" smtClean="0"/>
-              <a:t>tonyaa@strategicmail.net</a:t>
-            </a:r>
-            <a:endParaRPr lang="en-US" dirty="0" smtClean="0"/>
+              <a:rPr lang="en-US" sz="4000" dirty="0" smtClean="0"/>
+              <a:t>Routing Page</a:t>
+            </a:r>
           </a:p>
         </p:txBody>
       </p:sp>
       <p:pic>
         <p:nvPicPr>
-          <p:cNvPr id="14339" name="Picture 19" descr="TEst v116 copy"/>
+          <p:cNvPr id="11269" name="Picture 19" descr="TEst v116 copy"/>
           <p:cNvPicPr>
             <a:picLocks noChangeAspect="1" noChangeArrowheads="1"/>
           </p:cNvPicPr>
@@ -8307,8 +11092,8 @@
         </p:blipFill>
         <p:spPr bwMode="auto">
           <a:xfrm>
-            <a:off x="1828800" y="685800"/>
-            <a:ext cx="5373688" cy="1066800"/>
+            <a:off x="76200" y="47625"/>
+            <a:ext cx="1676400" cy="333375"/>
           </a:xfrm>
           <a:prstGeom prst="rect">
             <a:avLst/>
@@ -8322,7 +11107,426 @@
           </a:ln>
         </p:spPr>
       </p:pic>
+      <p:pic>
+        <p:nvPicPr>
+          <p:cNvPr id="4098" name="Picture 1"/>
+          <p:cNvPicPr>
+            <a:picLocks noChangeAspect="1" noChangeArrowheads="1"/>
+          </p:cNvPicPr>
+          <p:nvPr/>
+        </p:nvPicPr>
+        <p:blipFill>
+          <a:blip r:embed="rId4">
+            <a:extLst>
+              <a:ext uri="{28A0092B-C50C-407E-A947-70E740481C1C}">
+                <a14:useLocalDpi xmlns:a14="http://schemas.microsoft.com/office/drawing/2010/main" val="0"/>
+              </a:ext>
+            </a:extLst>
+          </a:blip>
+          <a:stretch>
+            <a:fillRect/>
+          </a:stretch>
+        </p:blipFill>
+        <p:spPr bwMode="auto">
+          <a:xfrm>
+            <a:off x="2352174" y="1583390"/>
+            <a:ext cx="4439647" cy="2601356"/>
+          </a:xfrm>
+          <a:prstGeom prst="rect">
+            <a:avLst/>
+          </a:prstGeom>
+          <a:noFill/>
+          <a:ln>
+            <a:noFill/>
+          </a:ln>
+          <a:extLst>
+            <a:ext uri="{909E8E84-426E-40DD-AFC4-6F175D3DCCD1}">
+              <a14:hiddenFill xmlns:a14="http://schemas.microsoft.com/office/drawing/2010/main">
+                <a:solidFill>
+                  <a:srgbClr val="FFFFFF"/>
+                </a:solidFill>
+              </a14:hiddenFill>
+            </a:ext>
+            <a:ext uri="{91240B29-F687-4F45-9708-019B960494DF}">
+              <a14:hiddenLine xmlns:a14="http://schemas.microsoft.com/office/drawing/2010/main" w="9525">
+                <a:solidFill>
+                  <a:srgbClr val="000000"/>
+                </a:solidFill>
+                <a:miter lim="800000"/>
+                <a:headEnd/>
+                <a:tailEnd/>
+              </a14:hiddenLine>
+            </a:ext>
+          </a:extLst>
+        </p:spPr>
+      </p:pic>
+      <p:sp>
+        <p:nvSpPr>
+          <p:cNvPr id="18" name="Rectangle 35"/>
+          <p:cNvSpPr>
+            <a:spLocks noChangeArrowheads="1"/>
+          </p:cNvSpPr>
+          <p:nvPr/>
+        </p:nvSpPr>
+        <p:spPr bwMode="auto">
+          <a:xfrm>
+            <a:off x="441960" y="3402959"/>
+            <a:ext cx="1295400" cy="276999"/>
+          </a:xfrm>
+          <a:prstGeom prst="rect">
+            <a:avLst/>
+          </a:prstGeom>
+          <a:noFill/>
+          <a:ln w="9525" algn="ctr">
+            <a:noFill/>
+            <a:miter lim="800000"/>
+            <a:headEnd/>
+            <a:tailEnd/>
+          </a:ln>
+        </p:spPr>
+        <p:txBody>
+          <a:bodyPr>
+            <a:spAutoFit/>
+          </a:bodyPr>
+          <a:lstStyle/>
+          <a:p>
+            <a:pPr algn="r">
+              <a:spcBef>
+                <a:spcPct val="50000"/>
+              </a:spcBef>
+            </a:pPr>
+            <a:r>
+              <a:rPr lang="en-US" sz="1200" dirty="0" smtClean="0"/>
+              <a:t>Destinations</a:t>
+            </a:r>
+            <a:endParaRPr lang="en-US" sz="1200" dirty="0"/>
+          </a:p>
+        </p:txBody>
+      </p:sp>
+      <p:sp>
+        <p:nvSpPr>
+          <p:cNvPr id="19" name="Line 5"/>
+          <p:cNvSpPr>
+            <a:spLocks noChangeShapeType="1"/>
+          </p:cNvSpPr>
+          <p:nvPr/>
+        </p:nvSpPr>
+        <p:spPr bwMode="auto">
+          <a:xfrm flipV="1">
+            <a:off x="1752600" y="2971800"/>
+            <a:ext cx="2362199" cy="585047"/>
+          </a:xfrm>
+          <a:prstGeom prst="line">
+            <a:avLst/>
+          </a:prstGeom>
+          <a:noFill/>
+          <a:ln w="9525">
+            <a:solidFill>
+              <a:srgbClr val="FB1B03"/>
+            </a:solidFill>
+            <a:round/>
+            <a:headEnd/>
+            <a:tailEnd type="triangle" w="med" len="med"/>
+          </a:ln>
+        </p:spPr>
+        <p:txBody>
+          <a:bodyPr/>
+          <a:lstStyle/>
+          <a:p>
+            <a:endParaRPr lang="en-US"/>
+          </a:p>
+        </p:txBody>
+      </p:sp>
+      <p:sp>
+        <p:nvSpPr>
+          <p:cNvPr id="20" name="Rectangle 19"/>
+          <p:cNvSpPr/>
+          <p:nvPr/>
+        </p:nvSpPr>
+        <p:spPr bwMode="auto">
+          <a:xfrm rot="16200000">
+            <a:off x="4207827" y="2302827"/>
+            <a:ext cx="728346" cy="914400"/>
+          </a:xfrm>
+          <a:prstGeom prst="rect">
+            <a:avLst/>
+          </a:prstGeom>
+          <a:noFill/>
+          <a:ln w="28575" cap="flat" cmpd="sng" algn="ctr">
+            <a:solidFill>
+              <a:srgbClr val="FF0000"/>
+            </a:solidFill>
+            <a:prstDash val="solid"/>
+            <a:round/>
+            <a:headEnd type="none" w="med" len="med"/>
+            <a:tailEnd type="none" w="med" len="med"/>
+          </a:ln>
+          <a:effectLst/>
+        </p:spPr>
+        <p:txBody>
+          <a:bodyPr vert="horz" wrap="none" lIns="91440" tIns="45720" rIns="91440" bIns="45720" numCol="1" rtlCol="0" anchor="ctr" anchorCtr="0" compatLnSpc="1">
+            <a:prstTxWarp prst="textNoShape">
+              <a:avLst/>
+            </a:prstTxWarp>
+          </a:bodyPr>
+          <a:lstStyle/>
+          <a:p>
+            <a:pPr marL="0" marR="0" indent="0" algn="ctr" defTabSz="914400" rtl="0" eaLnBrk="1" fontAlgn="base" latinLnBrk="0" hangingPunct="1">
+              <a:lnSpc>
+                <a:spcPct val="100000"/>
+              </a:lnSpc>
+              <a:spcBef>
+                <a:spcPct val="0"/>
+              </a:spcBef>
+              <a:spcAft>
+                <a:spcPct val="0"/>
+              </a:spcAft>
+              <a:buClrTx/>
+              <a:buSzTx/>
+              <a:buFontTx/>
+              <a:buNone/>
+              <a:tabLst/>
+            </a:pPr>
+            <a:endParaRPr kumimoji="0" lang="en-US" sz="1800" b="0" i="0" u="none" strike="noStrike" cap="none" normalizeH="0" baseline="0" smtClean="0">
+              <a:ln>
+                <a:noFill/>
+              </a:ln>
+              <a:solidFill>
+                <a:schemeClr val="tx1"/>
+              </a:solidFill>
+              <a:effectLst/>
+              <a:latin typeface="Arial" charset="0"/>
+            </a:endParaRPr>
+          </a:p>
+        </p:txBody>
+      </p:sp>
+      <p:sp>
+        <p:nvSpPr>
+          <p:cNvPr id="21" name="Text Box 4"/>
+          <p:cNvSpPr txBox="1">
+            <a:spLocks noChangeArrowheads="1"/>
+          </p:cNvSpPr>
+          <p:nvPr/>
+        </p:nvSpPr>
+        <p:spPr bwMode="auto">
+          <a:xfrm>
+            <a:off x="533400" y="5569803"/>
+            <a:ext cx="8077200" cy="830997"/>
+          </a:xfrm>
+          <a:prstGeom prst="rect">
+            <a:avLst/>
+          </a:prstGeom>
+          <a:noFill/>
+          <a:ln w="9525">
+            <a:noFill/>
+            <a:miter lim="800000"/>
+            <a:headEnd/>
+            <a:tailEnd/>
+          </a:ln>
+        </p:spPr>
+        <p:txBody>
+          <a:bodyPr wrap="square">
+            <a:spAutoFit/>
+          </a:bodyPr>
+          <a:lstStyle/>
+          <a:p>
+            <a:pPr>
+              <a:spcBef>
+                <a:spcPct val="50000"/>
+              </a:spcBef>
+            </a:pPr>
+            <a:r>
+              <a:rPr lang="en-US" sz="1600" dirty="0" smtClean="0">
+                <a:solidFill>
+                  <a:srgbClr val="FFFFFF"/>
+                </a:solidFill>
+              </a:rPr>
+              <a:t>After Pressing the “Touch Here to Route” Button, the Routing Page will appear.  Pressing one of the Destination Buttons will allow the source to be seen</a:t>
+            </a:r>
+            <a:r>
+              <a:rPr lang="en-US" sz="1600" dirty="0">
+                <a:solidFill>
+                  <a:srgbClr val="FFFFFF"/>
+                </a:solidFill>
+              </a:rPr>
+              <a:t> </a:t>
+            </a:r>
+            <a:r>
+              <a:rPr lang="en-US" sz="1600" dirty="0" smtClean="0">
+                <a:solidFill>
+                  <a:srgbClr val="FFFFFF"/>
+                </a:solidFill>
+              </a:rPr>
+              <a:t>on that Screen.  Pressing and holding a Destination Button will remove it from the Screen.</a:t>
+            </a:r>
+            <a:endParaRPr lang="en-US" sz="1600" dirty="0">
+              <a:solidFill>
+                <a:srgbClr val="FFFFFF"/>
+              </a:solidFill>
+            </a:endParaRPr>
+          </a:p>
+        </p:txBody>
+      </p:sp>
+      <p:sp>
+        <p:nvSpPr>
+          <p:cNvPr id="22" name="Rectangle 35"/>
+          <p:cNvSpPr>
+            <a:spLocks noChangeArrowheads="1"/>
+          </p:cNvSpPr>
+          <p:nvPr/>
+        </p:nvSpPr>
+        <p:spPr bwMode="auto">
+          <a:xfrm>
+            <a:off x="228600" y="4599820"/>
+            <a:ext cx="2651760" cy="276999"/>
+          </a:xfrm>
+          <a:prstGeom prst="rect">
+            <a:avLst/>
+          </a:prstGeom>
+          <a:noFill/>
+          <a:ln w="9525" algn="ctr">
+            <a:noFill/>
+            <a:miter lim="800000"/>
+            <a:headEnd/>
+            <a:tailEnd/>
+          </a:ln>
+        </p:spPr>
+        <p:txBody>
+          <a:bodyPr wrap="square">
+            <a:spAutoFit/>
+          </a:bodyPr>
+          <a:lstStyle/>
+          <a:p>
+            <a:pPr algn="r">
+              <a:spcBef>
+                <a:spcPct val="50000"/>
+              </a:spcBef>
+            </a:pPr>
+            <a:r>
+              <a:rPr lang="en-US" sz="1200" dirty="0" smtClean="0"/>
+              <a:t>This closes the Routing Page</a:t>
+            </a:r>
+            <a:endParaRPr lang="en-US" sz="1200" dirty="0"/>
+          </a:p>
+        </p:txBody>
+      </p:sp>
+      <p:sp>
+        <p:nvSpPr>
+          <p:cNvPr id="23" name="Line 5"/>
+          <p:cNvSpPr>
+            <a:spLocks noChangeShapeType="1"/>
+          </p:cNvSpPr>
+          <p:nvPr/>
+        </p:nvSpPr>
+        <p:spPr bwMode="auto">
+          <a:xfrm flipV="1">
+            <a:off x="2880360" y="3710736"/>
+            <a:ext cx="1400583" cy="989110"/>
+          </a:xfrm>
+          <a:prstGeom prst="line">
+            <a:avLst/>
+          </a:prstGeom>
+          <a:noFill/>
+          <a:ln w="9525">
+            <a:solidFill>
+              <a:srgbClr val="FB1B03"/>
+            </a:solidFill>
+            <a:round/>
+            <a:headEnd/>
+            <a:tailEnd type="triangle" w="med" len="med"/>
+          </a:ln>
+        </p:spPr>
+        <p:txBody>
+          <a:bodyPr/>
+          <a:lstStyle/>
+          <a:p>
+            <a:endParaRPr lang="en-US"/>
+          </a:p>
+        </p:txBody>
+      </p:sp>
+      <p:sp>
+        <p:nvSpPr>
+          <p:cNvPr id="11" name="Rectangle 35"/>
+          <p:cNvSpPr>
+            <a:spLocks noChangeArrowheads="1"/>
+          </p:cNvSpPr>
+          <p:nvPr/>
+        </p:nvSpPr>
+        <p:spPr bwMode="auto">
+          <a:xfrm>
+            <a:off x="594360" y="3733800"/>
+            <a:ext cx="1295400" cy="646331"/>
+          </a:xfrm>
+          <a:prstGeom prst="rect">
+            <a:avLst/>
+          </a:prstGeom>
+          <a:noFill/>
+          <a:ln w="9525" algn="ctr">
+            <a:noFill/>
+            <a:miter lim="800000"/>
+            <a:headEnd/>
+            <a:tailEnd/>
+          </a:ln>
+        </p:spPr>
+        <p:txBody>
+          <a:bodyPr>
+            <a:spAutoFit/>
+          </a:bodyPr>
+          <a:lstStyle/>
+          <a:p>
+            <a:pPr algn="r">
+              <a:spcBef>
+                <a:spcPct val="50000"/>
+              </a:spcBef>
+            </a:pPr>
+            <a:r>
+              <a:rPr lang="en-US" sz="1200" dirty="0" smtClean="0"/>
+              <a:t>Shows the Source showing on the Screen</a:t>
+            </a:r>
+            <a:endParaRPr lang="en-US" sz="1200" dirty="0"/>
+          </a:p>
+        </p:txBody>
+      </p:sp>
+      <p:sp>
+        <p:nvSpPr>
+          <p:cNvPr id="12" name="Line 5"/>
+          <p:cNvSpPr>
+            <a:spLocks noChangeShapeType="1"/>
+          </p:cNvSpPr>
+          <p:nvPr/>
+        </p:nvSpPr>
+        <p:spPr bwMode="auto">
+          <a:xfrm flipV="1">
+            <a:off x="1889760" y="3264323"/>
+            <a:ext cx="2301240" cy="621877"/>
+          </a:xfrm>
+          <a:prstGeom prst="line">
+            <a:avLst/>
+          </a:prstGeom>
+          <a:noFill/>
+          <a:ln w="9525">
+            <a:solidFill>
+              <a:srgbClr val="FB1B03"/>
+            </a:solidFill>
+            <a:round/>
+            <a:headEnd/>
+            <a:tailEnd type="triangle" w="med" len="med"/>
+          </a:ln>
+        </p:spPr>
+        <p:txBody>
+          <a:bodyPr/>
+          <a:lstStyle/>
+          <a:p>
+            <a:endParaRPr lang="en-US"/>
+          </a:p>
+        </p:txBody>
+      </p:sp>
     </p:spTree>
+    <p:extLst>
+      <p:ext uri="{BB962C8B-B14F-4D97-AF65-F5344CB8AC3E}">
+        <p14:creationId xmlns:p14="http://schemas.microsoft.com/office/powerpoint/2010/main" val="1122297580"/>
+      </p:ext>
+    </p:extLst>
   </p:cSld>
   <p:clrMapOvr>
     <a:masterClrMapping/>
